--- a/Presentation and report/ONLINE STUDY MATERIAL final.pptx
+++ b/Presentation and report/ONLINE STUDY MATERIAL final.pptx
@@ -5,7 +5,7 @@
     <p:sldMasterId id="2147483696" r:id="rId1"/>
   </p:sldMasterIdLst>
   <p:notesMasterIdLst>
-    <p:notesMasterId r:id="rId22"/>
+    <p:notesMasterId r:id="rId23"/>
   </p:notesMasterIdLst>
   <p:sldIdLst>
     <p:sldId id="256" r:id="rId2"/>
@@ -13,21 +13,22 @@
     <p:sldId id="270" r:id="rId4"/>
     <p:sldId id="258" r:id="rId5"/>
     <p:sldId id="260" r:id="rId6"/>
-    <p:sldId id="261" r:id="rId7"/>
-    <p:sldId id="262" r:id="rId8"/>
-    <p:sldId id="272" r:id="rId9"/>
-    <p:sldId id="271" r:id="rId10"/>
-    <p:sldId id="276" r:id="rId11"/>
-    <p:sldId id="273" r:id="rId12"/>
-    <p:sldId id="267" r:id="rId13"/>
-    <p:sldId id="274" r:id="rId14"/>
-    <p:sldId id="268" r:id="rId15"/>
-    <p:sldId id="275" r:id="rId16"/>
-    <p:sldId id="264" r:id="rId17"/>
-    <p:sldId id="265" r:id="rId18"/>
-    <p:sldId id="266" r:id="rId19"/>
-    <p:sldId id="259" r:id="rId20"/>
-    <p:sldId id="277" r:id="rId21"/>
+    <p:sldId id="278" r:id="rId7"/>
+    <p:sldId id="261" r:id="rId8"/>
+    <p:sldId id="262" r:id="rId9"/>
+    <p:sldId id="272" r:id="rId10"/>
+    <p:sldId id="271" r:id="rId11"/>
+    <p:sldId id="276" r:id="rId12"/>
+    <p:sldId id="273" r:id="rId13"/>
+    <p:sldId id="267" r:id="rId14"/>
+    <p:sldId id="274" r:id="rId15"/>
+    <p:sldId id="268" r:id="rId16"/>
+    <p:sldId id="275" r:id="rId17"/>
+    <p:sldId id="264" r:id="rId18"/>
+    <p:sldId id="265" r:id="rId19"/>
+    <p:sldId id="266" r:id="rId20"/>
+    <p:sldId id="259" r:id="rId21"/>
+    <p:sldId id="277" r:id="rId22"/>
   </p:sldIdLst>
   <p:sldSz cx="12192000" cy="6858000"/>
   <p:notesSz cx="6858000" cy="9144000"/>
@@ -239,7 +240,7 @@
           <a:p>
             <a:fld id="{82480BC0-FE43-4C81-BAF0-7662A48D1D2A}" type="datetimeFigureOut">
               <a:rPr lang="en-IN" smtClean="0"/>
-              <a:t>16-11-2022</a:t>
+              <a:t>19-12-2022</a:t>
             </a:fld>
             <a:endParaRPr lang="en-IN" dirty="0"/>
           </a:p>
@@ -1009,7 +1010,7 @@
           <a:p>
             <a:fld id="{8AEF85FC-44C8-4550-B43C-D211B025C473}" type="datetimeFigureOut">
               <a:rPr lang="en-IN" smtClean="0"/>
-              <a:t>16-11-2022</a:t>
+              <a:t>19-12-2022</a:t>
             </a:fld>
             <a:endParaRPr lang="en-IN" dirty="0"/>
           </a:p>
@@ -1304,7 +1305,7 @@
           <a:p>
             <a:fld id="{8AEF85FC-44C8-4550-B43C-D211B025C473}" type="datetimeFigureOut">
               <a:rPr lang="en-IN" smtClean="0"/>
-              <a:t>16-11-2022</a:t>
+              <a:t>19-12-2022</a:t>
             </a:fld>
             <a:endParaRPr lang="en-IN" dirty="0"/>
           </a:p>
@@ -1552,7 +1553,7 @@
           <a:p>
             <a:fld id="{8AEF85FC-44C8-4550-B43C-D211B025C473}" type="datetimeFigureOut">
               <a:rPr lang="en-IN" smtClean="0"/>
-              <a:t>16-11-2022</a:t>
+              <a:t>19-12-2022</a:t>
             </a:fld>
             <a:endParaRPr lang="en-IN" dirty="0"/>
           </a:p>
@@ -2092,7 +2093,7 @@
           <a:p>
             <a:fld id="{8AEF85FC-44C8-4550-B43C-D211B025C473}" type="datetimeFigureOut">
               <a:rPr lang="en-IN" smtClean="0"/>
-              <a:t>16-11-2022</a:t>
+              <a:t>19-12-2022</a:t>
             </a:fld>
             <a:endParaRPr lang="en-IN" dirty="0"/>
           </a:p>
@@ -2340,7 +2341,7 @@
           <a:p>
             <a:fld id="{8AEF85FC-44C8-4550-B43C-D211B025C473}" type="datetimeFigureOut">
               <a:rPr lang="en-IN" smtClean="0"/>
-              <a:t>16-11-2022</a:t>
+              <a:t>19-12-2022</a:t>
             </a:fld>
             <a:endParaRPr lang="en-IN" dirty="0"/>
           </a:p>
@@ -2872,7 +2873,7 @@
           <a:p>
             <a:fld id="{8AEF85FC-44C8-4550-B43C-D211B025C473}" type="datetimeFigureOut">
               <a:rPr lang="en-IN" smtClean="0"/>
-              <a:t>16-11-2022</a:t>
+              <a:t>19-12-2022</a:t>
             </a:fld>
             <a:endParaRPr lang="en-IN" dirty="0"/>
           </a:p>
@@ -3169,7 +3170,7 @@
           <a:p>
             <a:fld id="{8AEF85FC-44C8-4550-B43C-D211B025C473}" type="datetimeFigureOut">
               <a:rPr lang="en-IN" smtClean="0"/>
-              <a:t>16-11-2022</a:t>
+              <a:t>19-12-2022</a:t>
             </a:fld>
             <a:endParaRPr lang="en-IN" dirty="0"/>
           </a:p>
@@ -3343,7 +3344,7 @@
           <a:p>
             <a:fld id="{8AEF85FC-44C8-4550-B43C-D211B025C473}" type="datetimeFigureOut">
               <a:rPr lang="en-IN" smtClean="0"/>
-              <a:t>16-11-2022</a:t>
+              <a:t>19-12-2022</a:t>
             </a:fld>
             <a:endParaRPr lang="en-IN" dirty="0"/>
           </a:p>
@@ -3523,7 +3524,7 @@
           <a:p>
             <a:fld id="{8AEF85FC-44C8-4550-B43C-D211B025C473}" type="datetimeFigureOut">
               <a:rPr lang="en-IN" smtClean="0"/>
-              <a:t>16-11-2022</a:t>
+              <a:t>19-12-2022</a:t>
             </a:fld>
             <a:endParaRPr lang="en-IN" dirty="0"/>
           </a:p>
@@ -3734,7 +3735,7 @@
           <a:p>
             <a:fld id="{8AEF85FC-44C8-4550-B43C-D211B025C473}" type="datetimeFigureOut">
               <a:rPr lang="en-IN" smtClean="0"/>
-              <a:t>16-11-2022</a:t>
+              <a:t>19-12-2022</a:t>
             </a:fld>
             <a:endParaRPr lang="en-IN" dirty="0"/>
           </a:p>
@@ -3985,7 +3986,7 @@
           <a:p>
             <a:fld id="{8AEF85FC-44C8-4550-B43C-D211B025C473}" type="datetimeFigureOut">
               <a:rPr lang="en-IN" smtClean="0"/>
-              <a:t>16-11-2022</a:t>
+              <a:t>19-12-2022</a:t>
             </a:fld>
             <a:endParaRPr lang="en-IN" dirty="0"/>
           </a:p>
@@ -4332,7 +4333,7 @@
           <a:p>
             <a:fld id="{8AEF85FC-44C8-4550-B43C-D211B025C473}" type="datetimeFigureOut">
               <a:rPr lang="en-IN" smtClean="0"/>
-              <a:t>16-11-2022</a:t>
+              <a:t>19-12-2022</a:t>
             </a:fld>
             <a:endParaRPr lang="en-IN" dirty="0"/>
           </a:p>
@@ -4824,7 +4825,7 @@
           <a:p>
             <a:fld id="{8AEF85FC-44C8-4550-B43C-D211B025C473}" type="datetimeFigureOut">
               <a:rPr lang="en-IN" smtClean="0"/>
-              <a:t>16-11-2022</a:t>
+              <a:t>19-12-2022</a:t>
             </a:fld>
             <a:endParaRPr lang="en-IN" dirty="0"/>
           </a:p>
@@ -4942,7 +4943,7 @@
           <a:p>
             <a:fld id="{8AEF85FC-44C8-4550-B43C-D211B025C473}" type="datetimeFigureOut">
               <a:rPr lang="en-IN" smtClean="0"/>
-              <a:t>16-11-2022</a:t>
+              <a:t>19-12-2022</a:t>
             </a:fld>
             <a:endParaRPr lang="en-IN" dirty="0"/>
           </a:p>
@@ -5037,7 +5038,7 @@
           <a:p>
             <a:fld id="{8AEF85FC-44C8-4550-B43C-D211B025C473}" type="datetimeFigureOut">
               <a:rPr lang="en-IN" smtClean="0"/>
-              <a:t>16-11-2022</a:t>
+              <a:t>19-12-2022</a:t>
             </a:fld>
             <a:endParaRPr lang="en-IN" dirty="0"/>
           </a:p>
@@ -5320,7 +5321,7 @@
           <a:p>
             <a:fld id="{8AEF85FC-44C8-4550-B43C-D211B025C473}" type="datetimeFigureOut">
               <a:rPr lang="en-IN" smtClean="0"/>
-              <a:t>16-11-2022</a:t>
+              <a:t>19-12-2022</a:t>
             </a:fld>
             <a:endParaRPr lang="en-IN" dirty="0"/>
           </a:p>
@@ -5610,7 +5611,7 @@
           <a:p>
             <a:fld id="{8AEF85FC-44C8-4550-B43C-D211B025C473}" type="datetimeFigureOut">
               <a:rPr lang="en-IN" smtClean="0"/>
-              <a:t>16-11-2022</a:t>
+              <a:t>19-12-2022</a:t>
             </a:fld>
             <a:endParaRPr lang="en-IN" dirty="0"/>
           </a:p>
@@ -6140,7 +6141,7 @@
           <a:p>
             <a:fld id="{8AEF85FC-44C8-4550-B43C-D211B025C473}" type="datetimeFigureOut">
               <a:rPr lang="en-IN" smtClean="0"/>
-              <a:t>16-11-2022</a:t>
+              <a:t>19-12-2022</a:t>
             </a:fld>
             <a:endParaRPr lang="en-IN" dirty="0"/>
           </a:p>
@@ -7182,7 +7183,2435 @@
           <p:nvPr>
             <p:extLst>
               <p:ext uri="{D42A27DB-BD31-4B8C-83A1-F6EECF244321}">
-                <p14:modId xmlns:p14="http://schemas.microsoft.com/office/powerpoint/2010/main" val="1875942508"/>
+                <p14:modId xmlns:p14="http://schemas.microsoft.com/office/powerpoint/2010/main" val="2720832369"/>
+              </p:ext>
+            </p:extLst>
+          </p:nvPr>
+        </p:nvGraphicFramePr>
+        <p:xfrm>
+          <a:off x="1359017" y="1912690"/>
+          <a:ext cx="9823508" cy="3120705"/>
+        </p:xfrm>
+        <a:graphic>
+          <a:graphicData uri="http://schemas.openxmlformats.org/drawingml/2006/table">
+            <a:tbl>
+              <a:tblPr firstRow="1" bandRow="1">
+                <a:tableStyleId>{21E4AEA4-8DFA-4A89-87EB-49C32662AFE0}</a:tableStyleId>
+              </a:tblPr>
+              <a:tblGrid>
+                <a:gridCol w="1602297">
+                  <a:extLst>
+                    <a:ext uri="{9D8B030D-6E8A-4147-A177-3AD203B41FA5}">
+                      <a16:colId xmlns:a16="http://schemas.microsoft.com/office/drawing/2014/main" val="4089616206"/>
+                    </a:ext>
+                  </a:extLst>
+                </a:gridCol>
+                <a:gridCol w="1602297">
+                  <a:extLst>
+                    <a:ext uri="{9D8B030D-6E8A-4147-A177-3AD203B41FA5}">
+                      <a16:colId xmlns:a16="http://schemas.microsoft.com/office/drawing/2014/main" val="2567027140"/>
+                    </a:ext>
+                  </a:extLst>
+                </a:gridCol>
+                <a:gridCol w="1493240">
+                  <a:extLst>
+                    <a:ext uri="{9D8B030D-6E8A-4147-A177-3AD203B41FA5}">
+                      <a16:colId xmlns:a16="http://schemas.microsoft.com/office/drawing/2014/main" val="3047909500"/>
+                    </a:ext>
+                  </a:extLst>
+                </a:gridCol>
+                <a:gridCol w="1862356">
+                  <a:extLst>
+                    <a:ext uri="{9D8B030D-6E8A-4147-A177-3AD203B41FA5}">
+                      <a16:colId xmlns:a16="http://schemas.microsoft.com/office/drawing/2014/main" val="3831925249"/>
+                    </a:ext>
+                  </a:extLst>
+                </a:gridCol>
+                <a:gridCol w="3263318">
+                  <a:extLst>
+                    <a:ext uri="{9D8B030D-6E8A-4147-A177-3AD203B41FA5}">
+                      <a16:colId xmlns:a16="http://schemas.microsoft.com/office/drawing/2014/main" val="283166580"/>
+                    </a:ext>
+                  </a:extLst>
+                </a:gridCol>
+              </a:tblGrid>
+              <a:tr h="457965">
+                <a:tc>
+                  <a:txBody>
+                    <a:bodyPr/>
+                    <a:lstStyle/>
+                    <a:p>
+                      <a:pPr marL="0" marR="0" lvl="0" indent="0" algn="ctr" defTabSz="457200" rtl="0" eaLnBrk="1" fontAlgn="auto" latinLnBrk="0" hangingPunct="1">
+                        <a:lnSpc>
+                          <a:spcPct val="100000"/>
+                        </a:lnSpc>
+                        <a:spcBef>
+                          <a:spcPts val="0"/>
+                        </a:spcBef>
+                        <a:spcAft>
+                          <a:spcPts val="0"/>
+                        </a:spcAft>
+                        <a:buClrTx/>
+                        <a:buSzTx/>
+                        <a:buFontTx/>
+                        <a:buNone/>
+                        <a:tabLst/>
+                        <a:defRPr/>
+                      </a:pPr>
+                      <a:r>
+                        <a:rPr lang="en-US" dirty="0">
+                          <a:latin typeface="Arial" panose="020B0604020202020204" pitchFamily="34" charset="0"/>
+                          <a:cs typeface="Arial" panose="020B0604020202020204" pitchFamily="34" charset="0"/>
+                        </a:rPr>
+                        <a:t>Field name</a:t>
+                      </a:r>
+                      <a:endParaRPr lang="en-IN" dirty="0">
+                        <a:latin typeface="Arial" panose="020B0604020202020204" pitchFamily="34" charset="0"/>
+                        <a:cs typeface="Arial" panose="020B0604020202020204" pitchFamily="34" charset="0"/>
+                      </a:endParaRPr>
+                    </a:p>
+                  </a:txBody>
+                  <a:tcPr>
+                    <a:lnL w="12700" cap="flat" cmpd="sng" algn="ctr">
+                      <a:solidFill>
+                        <a:schemeClr val="tx1"/>
+                      </a:solidFill>
+                      <a:prstDash val="solid"/>
+                      <a:round/>
+                      <a:headEnd type="none" w="med" len="med"/>
+                      <a:tailEnd type="none" w="med" len="med"/>
+                    </a:lnL>
+                    <a:lnR w="12700" cap="flat" cmpd="sng" algn="ctr">
+                      <a:noFill/>
+                      <a:prstDash val="solid"/>
+                      <a:round/>
+                      <a:headEnd type="none" w="med" len="med"/>
+                      <a:tailEnd type="none" w="med" len="med"/>
+                    </a:lnR>
+                    <a:lnT w="12700" cap="flat" cmpd="sng" algn="ctr">
+                      <a:solidFill>
+                        <a:schemeClr val="tx1"/>
+                      </a:solidFill>
+                      <a:prstDash val="solid"/>
+                      <a:round/>
+                      <a:headEnd type="none" w="med" len="med"/>
+                      <a:tailEnd type="none" w="med" len="med"/>
+                    </a:lnT>
+                    <a:lnB w="12700" cap="flat" cmpd="sng" algn="ctr">
+                      <a:noFill/>
+                      <a:prstDash val="solid"/>
+                      <a:round/>
+                      <a:headEnd type="none" w="med" len="med"/>
+                      <a:tailEnd type="none" w="med" len="med"/>
+                    </a:lnB>
+                    <a:lnTlToBr w="12700" cmpd="sng">
+                      <a:noFill/>
+                      <a:prstDash val="solid"/>
+                    </a:lnTlToBr>
+                    <a:lnBlToTr w="12700" cmpd="sng">
+                      <a:noFill/>
+                      <a:prstDash val="solid"/>
+                    </a:lnBlToTr>
+                  </a:tcPr>
+                </a:tc>
+                <a:tc>
+                  <a:txBody>
+                    <a:bodyPr/>
+                    <a:lstStyle/>
+                    <a:p>
+                      <a:pPr marL="0" marR="0" lvl="0" indent="0" algn="ctr" defTabSz="457200" rtl="0" eaLnBrk="1" fontAlgn="auto" latinLnBrk="0" hangingPunct="1">
+                        <a:lnSpc>
+                          <a:spcPct val="100000"/>
+                        </a:lnSpc>
+                        <a:spcBef>
+                          <a:spcPts val="0"/>
+                        </a:spcBef>
+                        <a:spcAft>
+                          <a:spcPts val="0"/>
+                        </a:spcAft>
+                        <a:buClrTx/>
+                        <a:buSzTx/>
+                        <a:buFontTx/>
+                        <a:buNone/>
+                        <a:tabLst/>
+                        <a:defRPr/>
+                      </a:pPr>
+                      <a:r>
+                        <a:rPr lang="en-US" dirty="0">
+                          <a:latin typeface="Arial" panose="020B0604020202020204" pitchFamily="34" charset="0"/>
+                          <a:cs typeface="Arial" panose="020B0604020202020204" pitchFamily="34" charset="0"/>
+                        </a:rPr>
+                        <a:t>Data type</a:t>
+                      </a:r>
+                      <a:endParaRPr lang="en-IN" dirty="0">
+                        <a:latin typeface="Arial" panose="020B0604020202020204" pitchFamily="34" charset="0"/>
+                        <a:cs typeface="Arial" panose="020B0604020202020204" pitchFamily="34" charset="0"/>
+                      </a:endParaRPr>
+                    </a:p>
+                  </a:txBody>
+                  <a:tcPr>
+                    <a:lnL w="12700" cap="flat" cmpd="sng" algn="ctr">
+                      <a:noFill/>
+                      <a:prstDash val="solid"/>
+                      <a:round/>
+                      <a:headEnd type="none" w="med" len="med"/>
+                      <a:tailEnd type="none" w="med" len="med"/>
+                    </a:lnL>
+                    <a:lnR w="12700" cap="flat" cmpd="sng" algn="ctr">
+                      <a:noFill/>
+                      <a:prstDash val="solid"/>
+                      <a:round/>
+                      <a:headEnd type="none" w="med" len="med"/>
+                      <a:tailEnd type="none" w="med" len="med"/>
+                    </a:lnR>
+                    <a:lnT w="12700" cap="flat" cmpd="sng" algn="ctr">
+                      <a:solidFill>
+                        <a:schemeClr val="tx1"/>
+                      </a:solidFill>
+                      <a:prstDash val="solid"/>
+                      <a:round/>
+                      <a:headEnd type="none" w="med" len="med"/>
+                      <a:tailEnd type="none" w="med" len="med"/>
+                    </a:lnT>
+                    <a:lnB w="12700" cap="flat" cmpd="sng" algn="ctr">
+                      <a:noFill/>
+                      <a:prstDash val="solid"/>
+                      <a:round/>
+                      <a:headEnd type="none" w="med" len="med"/>
+                      <a:tailEnd type="none" w="med" len="med"/>
+                    </a:lnB>
+                    <a:lnTlToBr w="12700" cmpd="sng">
+                      <a:noFill/>
+                      <a:prstDash val="solid"/>
+                    </a:lnTlToBr>
+                    <a:lnBlToTr w="12700" cmpd="sng">
+                      <a:noFill/>
+                      <a:prstDash val="solid"/>
+                    </a:lnBlToTr>
+                  </a:tcPr>
+                </a:tc>
+                <a:tc>
+                  <a:txBody>
+                    <a:bodyPr/>
+                    <a:lstStyle/>
+                    <a:p>
+                      <a:pPr marL="0" marR="0" lvl="0" indent="0" algn="ctr" defTabSz="457200" rtl="0" eaLnBrk="1" fontAlgn="auto" latinLnBrk="0" hangingPunct="1">
+                        <a:lnSpc>
+                          <a:spcPct val="100000"/>
+                        </a:lnSpc>
+                        <a:spcBef>
+                          <a:spcPts val="0"/>
+                        </a:spcBef>
+                        <a:spcAft>
+                          <a:spcPts val="0"/>
+                        </a:spcAft>
+                        <a:buClrTx/>
+                        <a:buSzTx/>
+                        <a:buFontTx/>
+                        <a:buNone/>
+                        <a:tabLst/>
+                        <a:defRPr/>
+                      </a:pPr>
+                      <a:r>
+                        <a:rPr lang="en-US" dirty="0">
+                          <a:latin typeface="Arial" panose="020B0604020202020204" pitchFamily="34" charset="0"/>
+                          <a:cs typeface="Arial" panose="020B0604020202020204" pitchFamily="34" charset="0"/>
+                        </a:rPr>
+                        <a:t>Field size</a:t>
+                      </a:r>
+                      <a:endParaRPr lang="en-IN" dirty="0">
+                        <a:latin typeface="Arial" panose="020B0604020202020204" pitchFamily="34" charset="0"/>
+                        <a:cs typeface="Arial" panose="020B0604020202020204" pitchFamily="34" charset="0"/>
+                      </a:endParaRPr>
+                    </a:p>
+                  </a:txBody>
+                  <a:tcPr>
+                    <a:lnL w="12700" cap="flat" cmpd="sng" algn="ctr">
+                      <a:noFill/>
+                      <a:prstDash val="solid"/>
+                      <a:round/>
+                      <a:headEnd type="none" w="med" len="med"/>
+                      <a:tailEnd type="none" w="med" len="med"/>
+                    </a:lnL>
+                    <a:lnR w="12700" cap="flat" cmpd="sng" algn="ctr">
+                      <a:noFill/>
+                      <a:prstDash val="solid"/>
+                      <a:round/>
+                      <a:headEnd type="none" w="med" len="med"/>
+                      <a:tailEnd type="none" w="med" len="med"/>
+                    </a:lnR>
+                    <a:lnT w="12700" cap="flat" cmpd="sng" algn="ctr">
+                      <a:solidFill>
+                        <a:schemeClr val="tx1"/>
+                      </a:solidFill>
+                      <a:prstDash val="solid"/>
+                      <a:round/>
+                      <a:headEnd type="none" w="med" len="med"/>
+                      <a:tailEnd type="none" w="med" len="med"/>
+                    </a:lnT>
+                    <a:lnB w="12700" cap="flat" cmpd="sng" algn="ctr">
+                      <a:noFill/>
+                      <a:prstDash val="solid"/>
+                      <a:round/>
+                      <a:headEnd type="none" w="med" len="med"/>
+                      <a:tailEnd type="none" w="med" len="med"/>
+                    </a:lnB>
+                    <a:lnTlToBr w="12700" cmpd="sng">
+                      <a:noFill/>
+                      <a:prstDash val="solid"/>
+                    </a:lnTlToBr>
+                    <a:lnBlToTr w="12700" cmpd="sng">
+                      <a:noFill/>
+                      <a:prstDash val="solid"/>
+                    </a:lnBlToTr>
+                  </a:tcPr>
+                </a:tc>
+                <a:tc>
+                  <a:txBody>
+                    <a:bodyPr/>
+                    <a:lstStyle/>
+                    <a:p>
+                      <a:pPr marL="0" marR="0" lvl="0" indent="0" algn="ctr" defTabSz="457200" rtl="0" eaLnBrk="1" fontAlgn="auto" latinLnBrk="0" hangingPunct="1">
+                        <a:lnSpc>
+                          <a:spcPct val="100000"/>
+                        </a:lnSpc>
+                        <a:spcBef>
+                          <a:spcPts val="0"/>
+                        </a:spcBef>
+                        <a:spcAft>
+                          <a:spcPts val="0"/>
+                        </a:spcAft>
+                        <a:buClrTx/>
+                        <a:buSzTx/>
+                        <a:buFontTx/>
+                        <a:buNone/>
+                        <a:tabLst/>
+                        <a:defRPr/>
+                      </a:pPr>
+                      <a:r>
+                        <a:rPr lang="en-US" dirty="0">
+                          <a:latin typeface="Arial" panose="020B0604020202020204" pitchFamily="34" charset="0"/>
+                          <a:cs typeface="Arial" panose="020B0604020202020204" pitchFamily="34" charset="0"/>
+                        </a:rPr>
+                        <a:t>Example</a:t>
+                      </a:r>
+                      <a:endParaRPr lang="en-IN" dirty="0">
+                        <a:latin typeface="Arial" panose="020B0604020202020204" pitchFamily="34" charset="0"/>
+                        <a:cs typeface="Arial" panose="020B0604020202020204" pitchFamily="34" charset="0"/>
+                      </a:endParaRPr>
+                    </a:p>
+                  </a:txBody>
+                  <a:tcPr>
+                    <a:lnL w="12700" cap="flat" cmpd="sng" algn="ctr">
+                      <a:noFill/>
+                      <a:prstDash val="solid"/>
+                      <a:round/>
+                      <a:headEnd type="none" w="med" len="med"/>
+                      <a:tailEnd type="none" w="med" len="med"/>
+                    </a:lnL>
+                    <a:lnR w="12700" cap="flat" cmpd="sng" algn="ctr">
+                      <a:noFill/>
+                      <a:prstDash val="solid"/>
+                      <a:round/>
+                      <a:headEnd type="none" w="med" len="med"/>
+                      <a:tailEnd type="none" w="med" len="med"/>
+                    </a:lnR>
+                    <a:lnT w="12700" cap="flat" cmpd="sng" algn="ctr">
+                      <a:solidFill>
+                        <a:schemeClr val="tx1"/>
+                      </a:solidFill>
+                      <a:prstDash val="solid"/>
+                      <a:round/>
+                      <a:headEnd type="none" w="med" len="med"/>
+                      <a:tailEnd type="none" w="med" len="med"/>
+                    </a:lnT>
+                    <a:lnB w="12700" cap="flat" cmpd="sng" algn="ctr">
+                      <a:noFill/>
+                      <a:prstDash val="solid"/>
+                      <a:round/>
+                      <a:headEnd type="none" w="med" len="med"/>
+                      <a:tailEnd type="none" w="med" len="med"/>
+                    </a:lnB>
+                    <a:lnTlToBr w="12700" cmpd="sng">
+                      <a:noFill/>
+                      <a:prstDash val="solid"/>
+                    </a:lnTlToBr>
+                    <a:lnBlToTr w="12700" cmpd="sng">
+                      <a:noFill/>
+                      <a:prstDash val="solid"/>
+                    </a:lnBlToTr>
+                  </a:tcPr>
+                </a:tc>
+                <a:tc>
+                  <a:txBody>
+                    <a:bodyPr/>
+                    <a:lstStyle/>
+                    <a:p>
+                      <a:pPr marL="0" marR="0" lvl="0" indent="0" algn="l" defTabSz="457200" rtl="0" eaLnBrk="1" fontAlgn="auto" latinLnBrk="0" hangingPunct="1">
+                        <a:lnSpc>
+                          <a:spcPct val="100000"/>
+                        </a:lnSpc>
+                        <a:spcBef>
+                          <a:spcPts val="0"/>
+                        </a:spcBef>
+                        <a:spcAft>
+                          <a:spcPts val="0"/>
+                        </a:spcAft>
+                        <a:buClrTx/>
+                        <a:buSzTx/>
+                        <a:buFontTx/>
+                        <a:buNone/>
+                        <a:tabLst/>
+                        <a:defRPr/>
+                      </a:pPr>
+                      <a:r>
+                        <a:rPr lang="en-IN" dirty="0">
+                          <a:latin typeface="Arial" panose="020B0604020202020204" pitchFamily="34" charset="0"/>
+                          <a:cs typeface="Arial" panose="020B0604020202020204" pitchFamily="34" charset="0"/>
+                        </a:rPr>
+                        <a:t>Description</a:t>
+                      </a:r>
+                    </a:p>
+                  </a:txBody>
+                  <a:tcPr>
+                    <a:lnL w="12700" cap="flat" cmpd="sng" algn="ctr">
+                      <a:noFill/>
+                      <a:prstDash val="solid"/>
+                      <a:round/>
+                      <a:headEnd type="none" w="med" len="med"/>
+                      <a:tailEnd type="none" w="med" len="med"/>
+                    </a:lnL>
+                    <a:lnR w="12700" cap="flat" cmpd="sng" algn="ctr">
+                      <a:solidFill>
+                        <a:schemeClr val="tx1"/>
+                      </a:solidFill>
+                      <a:prstDash val="solid"/>
+                      <a:round/>
+                      <a:headEnd type="none" w="med" len="med"/>
+                      <a:tailEnd type="none" w="med" len="med"/>
+                    </a:lnR>
+                    <a:lnT w="12700" cap="flat" cmpd="sng" algn="ctr">
+                      <a:solidFill>
+                        <a:schemeClr val="tx1"/>
+                      </a:solidFill>
+                      <a:prstDash val="solid"/>
+                      <a:round/>
+                      <a:headEnd type="none" w="med" len="med"/>
+                      <a:tailEnd type="none" w="med" len="med"/>
+                    </a:lnT>
+                    <a:lnB w="12700" cap="flat" cmpd="sng" algn="ctr">
+                      <a:noFill/>
+                      <a:prstDash val="solid"/>
+                      <a:round/>
+                      <a:headEnd type="none" w="med" len="med"/>
+                      <a:tailEnd type="none" w="med" len="med"/>
+                    </a:lnB>
+                    <a:lnTlToBr w="12700" cmpd="sng">
+                      <a:noFill/>
+                      <a:prstDash val="solid"/>
+                    </a:lnTlToBr>
+                    <a:lnBlToTr w="12700" cmpd="sng">
+                      <a:noFill/>
+                      <a:prstDash val="solid"/>
+                    </a:lnBlToTr>
+                  </a:tcPr>
+                </a:tc>
+                <a:extLst>
+                  <a:ext uri="{0D108BD9-81ED-4DB2-BD59-A6C34878D82A}">
+                    <a16:rowId xmlns:a16="http://schemas.microsoft.com/office/drawing/2014/main" val="1942029452"/>
+                  </a:ext>
+                </a:extLst>
+              </a:tr>
+              <a:tr h="457965">
+                <a:tc>
+                  <a:txBody>
+                    <a:bodyPr/>
+                    <a:lstStyle/>
+                    <a:p>
+                      <a:r>
+                        <a:rPr lang="en-US" sz="1600" dirty="0">
+                          <a:solidFill>
+                            <a:srgbClr val="C00000"/>
+                          </a:solidFill>
+                          <a:latin typeface="Arial" panose="020B0604020202020204" pitchFamily="34" charset="0"/>
+                          <a:cs typeface="Arial" panose="020B0604020202020204" pitchFamily="34" charset="0"/>
+                        </a:rPr>
+                        <a:t>u_id</a:t>
+                      </a:r>
+                      <a:endParaRPr lang="en-IN" sz="1600" dirty="0">
+                        <a:solidFill>
+                          <a:srgbClr val="C00000"/>
+                        </a:solidFill>
+                        <a:latin typeface="Arial" panose="020B0604020202020204" pitchFamily="34" charset="0"/>
+                        <a:cs typeface="Arial" panose="020B0604020202020204" pitchFamily="34" charset="0"/>
+                      </a:endParaRPr>
+                    </a:p>
+                  </a:txBody>
+                  <a:tcPr>
+                    <a:lnL w="12700" cap="flat" cmpd="sng" algn="ctr">
+                      <a:solidFill>
+                        <a:schemeClr val="tx1"/>
+                      </a:solidFill>
+                      <a:prstDash val="solid"/>
+                      <a:round/>
+                      <a:headEnd type="none" w="med" len="med"/>
+                      <a:tailEnd type="none" w="med" len="med"/>
+                    </a:lnL>
+                    <a:lnR w="12700" cap="flat" cmpd="sng" algn="ctr">
+                      <a:noFill/>
+                      <a:prstDash val="solid"/>
+                      <a:round/>
+                      <a:headEnd type="none" w="med" len="med"/>
+                      <a:tailEnd type="none" w="med" len="med"/>
+                    </a:lnR>
+                    <a:lnT w="12700" cap="flat" cmpd="sng" algn="ctr">
+                      <a:noFill/>
+                      <a:prstDash val="solid"/>
+                      <a:round/>
+                      <a:headEnd type="none" w="med" len="med"/>
+                      <a:tailEnd type="none" w="med" len="med"/>
+                    </a:lnT>
+                    <a:lnB w="12700" cap="flat" cmpd="sng" algn="ctr">
+                      <a:solidFill>
+                        <a:schemeClr val="tx1"/>
+                      </a:solidFill>
+                      <a:prstDash val="solid"/>
+                      <a:round/>
+                      <a:headEnd type="none" w="med" len="med"/>
+                      <a:tailEnd type="none" w="med" len="med"/>
+                    </a:lnB>
+                    <a:solidFill>
+                      <a:schemeClr val="bg1"/>
+                    </a:solidFill>
+                  </a:tcPr>
+                </a:tc>
+                <a:tc>
+                  <a:txBody>
+                    <a:bodyPr/>
+                    <a:lstStyle/>
+                    <a:p>
+                      <a:pPr algn="ctr"/>
+                      <a:r>
+                        <a:rPr lang="en-US" sz="1600" dirty="0">
+                          <a:latin typeface="Arial" panose="020B0604020202020204" pitchFamily="34" charset="0"/>
+                          <a:cs typeface="Arial" panose="020B0604020202020204" pitchFamily="34" charset="0"/>
+                        </a:rPr>
+                        <a:t>Integer</a:t>
+                      </a:r>
+                      <a:endParaRPr lang="en-IN" sz="1600" dirty="0">
+                        <a:latin typeface="Arial" panose="020B0604020202020204" pitchFamily="34" charset="0"/>
+                        <a:cs typeface="Arial" panose="020B0604020202020204" pitchFamily="34" charset="0"/>
+                      </a:endParaRPr>
+                    </a:p>
+                  </a:txBody>
+                  <a:tcPr>
+                    <a:lnL w="12700" cap="flat" cmpd="sng" algn="ctr">
+                      <a:noFill/>
+                      <a:prstDash val="solid"/>
+                      <a:round/>
+                      <a:headEnd type="none" w="med" len="med"/>
+                      <a:tailEnd type="none" w="med" len="med"/>
+                    </a:lnL>
+                    <a:lnR w="12700" cap="flat" cmpd="sng" algn="ctr">
+                      <a:noFill/>
+                      <a:prstDash val="solid"/>
+                      <a:round/>
+                      <a:headEnd type="none" w="med" len="med"/>
+                      <a:tailEnd type="none" w="med" len="med"/>
+                    </a:lnR>
+                    <a:lnT w="12700" cap="flat" cmpd="sng" algn="ctr">
+                      <a:noFill/>
+                      <a:prstDash val="solid"/>
+                      <a:round/>
+                      <a:headEnd type="none" w="med" len="med"/>
+                      <a:tailEnd type="none" w="med" len="med"/>
+                    </a:lnT>
+                    <a:lnB w="12700" cap="flat" cmpd="sng" algn="ctr">
+                      <a:solidFill>
+                        <a:schemeClr val="tx1"/>
+                      </a:solidFill>
+                      <a:prstDash val="solid"/>
+                      <a:round/>
+                      <a:headEnd type="none" w="med" len="med"/>
+                      <a:tailEnd type="none" w="med" len="med"/>
+                    </a:lnB>
+                    <a:solidFill>
+                      <a:schemeClr val="bg1"/>
+                    </a:solidFill>
+                  </a:tcPr>
+                </a:tc>
+                <a:tc>
+                  <a:txBody>
+                    <a:bodyPr/>
+                    <a:lstStyle/>
+                    <a:p>
+                      <a:pPr algn="ctr"/>
+                      <a:r>
+                        <a:rPr lang="en-US" sz="1600" dirty="0">
+                          <a:latin typeface="Arial" panose="020B0604020202020204" pitchFamily="34" charset="0"/>
+                          <a:cs typeface="Arial" panose="020B0604020202020204" pitchFamily="34" charset="0"/>
+                        </a:rPr>
+                        <a:t>5</a:t>
+                      </a:r>
+                      <a:endParaRPr lang="en-IN" sz="1600" dirty="0">
+                        <a:latin typeface="Arial" panose="020B0604020202020204" pitchFamily="34" charset="0"/>
+                        <a:cs typeface="Arial" panose="020B0604020202020204" pitchFamily="34" charset="0"/>
+                      </a:endParaRPr>
+                    </a:p>
+                  </a:txBody>
+                  <a:tcPr>
+                    <a:lnL w="12700" cap="flat" cmpd="sng" algn="ctr">
+                      <a:noFill/>
+                      <a:prstDash val="solid"/>
+                      <a:round/>
+                      <a:headEnd type="none" w="med" len="med"/>
+                      <a:tailEnd type="none" w="med" len="med"/>
+                    </a:lnL>
+                    <a:lnR w="12700" cap="flat" cmpd="sng" algn="ctr">
+                      <a:noFill/>
+                      <a:prstDash val="solid"/>
+                      <a:round/>
+                      <a:headEnd type="none" w="med" len="med"/>
+                      <a:tailEnd type="none" w="med" len="med"/>
+                    </a:lnR>
+                    <a:lnT w="12700" cap="flat" cmpd="sng" algn="ctr">
+                      <a:noFill/>
+                      <a:prstDash val="solid"/>
+                      <a:round/>
+                      <a:headEnd type="none" w="med" len="med"/>
+                      <a:tailEnd type="none" w="med" len="med"/>
+                    </a:lnT>
+                    <a:lnB w="12700" cap="flat" cmpd="sng" algn="ctr">
+                      <a:solidFill>
+                        <a:schemeClr val="tx1"/>
+                      </a:solidFill>
+                      <a:prstDash val="solid"/>
+                      <a:round/>
+                      <a:headEnd type="none" w="med" len="med"/>
+                      <a:tailEnd type="none" w="med" len="med"/>
+                    </a:lnB>
+                    <a:solidFill>
+                      <a:schemeClr val="bg1"/>
+                    </a:solidFill>
+                  </a:tcPr>
+                </a:tc>
+                <a:tc>
+                  <a:txBody>
+                    <a:bodyPr/>
+                    <a:lstStyle/>
+                    <a:p>
+                      <a:pPr marL="0" marR="0" lvl="0" indent="0" algn="ctr" defTabSz="457200" rtl="0" eaLnBrk="1" fontAlgn="auto" latinLnBrk="0" hangingPunct="1">
+                        <a:lnSpc>
+                          <a:spcPct val="100000"/>
+                        </a:lnSpc>
+                        <a:spcBef>
+                          <a:spcPts val="0"/>
+                        </a:spcBef>
+                        <a:spcAft>
+                          <a:spcPts val="0"/>
+                        </a:spcAft>
+                        <a:buClrTx/>
+                        <a:buSzTx/>
+                        <a:buFontTx/>
+                        <a:buNone/>
+                        <a:tabLst/>
+                        <a:defRPr/>
+                      </a:pPr>
+                      <a:r>
+                        <a:rPr lang="en-US" sz="1600" dirty="0">
+                          <a:latin typeface="Arial" panose="020B0604020202020204" pitchFamily="34" charset="0"/>
+                          <a:cs typeface="Arial" panose="020B0604020202020204" pitchFamily="34" charset="0"/>
+                        </a:rPr>
+                        <a:t>01</a:t>
+                      </a:r>
+                      <a:endParaRPr lang="en-IN" sz="1600" dirty="0">
+                        <a:latin typeface="Arial" panose="020B0604020202020204" pitchFamily="34" charset="0"/>
+                        <a:cs typeface="Arial" panose="020B0604020202020204" pitchFamily="34" charset="0"/>
+                      </a:endParaRPr>
+                    </a:p>
+                  </a:txBody>
+                  <a:tcPr>
+                    <a:lnL w="12700" cap="flat" cmpd="sng" algn="ctr">
+                      <a:noFill/>
+                      <a:prstDash val="solid"/>
+                      <a:round/>
+                      <a:headEnd type="none" w="med" len="med"/>
+                      <a:tailEnd type="none" w="med" len="med"/>
+                    </a:lnL>
+                    <a:lnR w="12700" cap="flat" cmpd="sng" algn="ctr">
+                      <a:noFill/>
+                      <a:prstDash val="solid"/>
+                      <a:round/>
+                      <a:headEnd type="none" w="med" len="med"/>
+                      <a:tailEnd type="none" w="med" len="med"/>
+                    </a:lnR>
+                    <a:lnT w="12700" cap="flat" cmpd="sng" algn="ctr">
+                      <a:noFill/>
+                      <a:prstDash val="solid"/>
+                      <a:round/>
+                      <a:headEnd type="none" w="med" len="med"/>
+                      <a:tailEnd type="none" w="med" len="med"/>
+                    </a:lnT>
+                    <a:lnB w="12700" cap="flat" cmpd="sng" algn="ctr">
+                      <a:solidFill>
+                        <a:schemeClr val="tx1"/>
+                      </a:solidFill>
+                      <a:prstDash val="solid"/>
+                      <a:round/>
+                      <a:headEnd type="none" w="med" len="med"/>
+                      <a:tailEnd type="none" w="med" len="med"/>
+                    </a:lnB>
+                    <a:solidFill>
+                      <a:schemeClr val="bg1"/>
+                    </a:solidFill>
+                  </a:tcPr>
+                </a:tc>
+                <a:tc>
+                  <a:txBody>
+                    <a:bodyPr/>
+                    <a:lstStyle/>
+                    <a:p>
+                      <a:pPr algn="l"/>
+                      <a:r>
+                        <a:rPr lang="en-IN" sz="1600" dirty="0">
+                          <a:latin typeface="Arial" panose="020B0604020202020204" pitchFamily="34" charset="0"/>
+                          <a:cs typeface="Arial" panose="020B0604020202020204" pitchFamily="34" charset="0"/>
+                        </a:rPr>
+                        <a:t>User’s ID</a:t>
+                      </a:r>
+                    </a:p>
+                  </a:txBody>
+                  <a:tcPr>
+                    <a:lnL w="12700" cap="flat" cmpd="sng" algn="ctr">
+                      <a:noFill/>
+                      <a:prstDash val="solid"/>
+                      <a:round/>
+                      <a:headEnd type="none" w="med" len="med"/>
+                      <a:tailEnd type="none" w="med" len="med"/>
+                    </a:lnL>
+                    <a:lnR w="12700" cap="flat" cmpd="sng" algn="ctr">
+                      <a:solidFill>
+                        <a:schemeClr val="tx1"/>
+                      </a:solidFill>
+                      <a:prstDash val="solid"/>
+                      <a:round/>
+                      <a:headEnd type="none" w="med" len="med"/>
+                      <a:tailEnd type="none" w="med" len="med"/>
+                    </a:lnR>
+                    <a:lnT w="12700" cap="flat" cmpd="sng" algn="ctr">
+                      <a:noFill/>
+                      <a:prstDash val="solid"/>
+                      <a:round/>
+                      <a:headEnd type="none" w="med" len="med"/>
+                      <a:tailEnd type="none" w="med" len="med"/>
+                    </a:lnT>
+                    <a:lnB w="12700" cap="flat" cmpd="sng" algn="ctr">
+                      <a:solidFill>
+                        <a:schemeClr val="tx1"/>
+                      </a:solidFill>
+                      <a:prstDash val="solid"/>
+                      <a:round/>
+                      <a:headEnd type="none" w="med" len="med"/>
+                      <a:tailEnd type="none" w="med" len="med"/>
+                    </a:lnB>
+                    <a:solidFill>
+                      <a:schemeClr val="bg1"/>
+                    </a:solidFill>
+                  </a:tcPr>
+                </a:tc>
+                <a:extLst>
+                  <a:ext uri="{0D108BD9-81ED-4DB2-BD59-A6C34878D82A}">
+                    <a16:rowId xmlns:a16="http://schemas.microsoft.com/office/drawing/2014/main" val="2771608277"/>
+                  </a:ext>
+                </a:extLst>
+              </a:tr>
+              <a:tr h="457965">
+                <a:tc>
+                  <a:txBody>
+                    <a:bodyPr/>
+                    <a:lstStyle/>
+                    <a:p>
+                      <a:r>
+                        <a:rPr lang="en-US" sz="1600" dirty="0">
+                          <a:solidFill>
+                            <a:srgbClr val="C00000"/>
+                          </a:solidFill>
+                          <a:latin typeface="Arial" panose="020B0604020202020204" pitchFamily="34" charset="0"/>
+                          <a:cs typeface="Arial" panose="020B0604020202020204" pitchFamily="34" charset="0"/>
+                        </a:rPr>
+                        <a:t>u_fname</a:t>
+                      </a:r>
+                      <a:endParaRPr lang="en-IN" sz="1600" dirty="0">
+                        <a:solidFill>
+                          <a:srgbClr val="C00000"/>
+                        </a:solidFill>
+                        <a:latin typeface="Arial" panose="020B0604020202020204" pitchFamily="34" charset="0"/>
+                        <a:cs typeface="Arial" panose="020B0604020202020204" pitchFamily="34" charset="0"/>
+                      </a:endParaRPr>
+                    </a:p>
+                  </a:txBody>
+                  <a:tcPr>
+                    <a:lnL w="12700" cap="flat" cmpd="sng" algn="ctr">
+                      <a:solidFill>
+                        <a:schemeClr val="tx1"/>
+                      </a:solidFill>
+                      <a:prstDash val="solid"/>
+                      <a:round/>
+                      <a:headEnd type="none" w="med" len="med"/>
+                      <a:tailEnd type="none" w="med" len="med"/>
+                    </a:lnL>
+                    <a:lnR w="12700" cap="flat" cmpd="sng" algn="ctr">
+                      <a:noFill/>
+                      <a:prstDash val="solid"/>
+                      <a:round/>
+                      <a:headEnd type="none" w="med" len="med"/>
+                      <a:tailEnd type="none" w="med" len="med"/>
+                    </a:lnR>
+                    <a:lnT w="12700" cap="flat" cmpd="sng" algn="ctr">
+                      <a:solidFill>
+                        <a:schemeClr val="tx1"/>
+                      </a:solidFill>
+                      <a:prstDash val="solid"/>
+                      <a:round/>
+                      <a:headEnd type="none" w="med" len="med"/>
+                      <a:tailEnd type="none" w="med" len="med"/>
+                    </a:lnT>
+                    <a:lnB w="12700" cap="flat" cmpd="sng" algn="ctr">
+                      <a:solidFill>
+                        <a:schemeClr val="tx1"/>
+                      </a:solidFill>
+                      <a:prstDash val="solid"/>
+                      <a:round/>
+                      <a:headEnd type="none" w="med" len="med"/>
+                      <a:tailEnd type="none" w="med" len="med"/>
+                    </a:lnB>
+                    <a:solidFill>
+                      <a:schemeClr val="bg1"/>
+                    </a:solidFill>
+                  </a:tcPr>
+                </a:tc>
+                <a:tc>
+                  <a:txBody>
+                    <a:bodyPr/>
+                    <a:lstStyle/>
+                    <a:p>
+                      <a:pPr algn="ctr"/>
+                      <a:r>
+                        <a:rPr lang="en-US" sz="1600" dirty="0">
+                          <a:latin typeface="Arial" panose="020B0604020202020204" pitchFamily="34" charset="0"/>
+                          <a:cs typeface="Arial" panose="020B0604020202020204" pitchFamily="34" charset="0"/>
+                        </a:rPr>
+                        <a:t>Varchar</a:t>
+                      </a:r>
+                      <a:endParaRPr lang="en-IN" sz="1600" dirty="0">
+                        <a:latin typeface="Arial" panose="020B0604020202020204" pitchFamily="34" charset="0"/>
+                        <a:cs typeface="Arial" panose="020B0604020202020204" pitchFamily="34" charset="0"/>
+                      </a:endParaRPr>
+                    </a:p>
+                  </a:txBody>
+                  <a:tcPr>
+                    <a:lnL w="12700" cap="flat" cmpd="sng" algn="ctr">
+                      <a:noFill/>
+                      <a:prstDash val="solid"/>
+                      <a:round/>
+                      <a:headEnd type="none" w="med" len="med"/>
+                      <a:tailEnd type="none" w="med" len="med"/>
+                    </a:lnL>
+                    <a:lnR w="12700" cap="flat" cmpd="sng" algn="ctr">
+                      <a:noFill/>
+                      <a:prstDash val="solid"/>
+                      <a:round/>
+                      <a:headEnd type="none" w="med" len="med"/>
+                      <a:tailEnd type="none" w="med" len="med"/>
+                    </a:lnR>
+                    <a:lnT w="12700" cap="flat" cmpd="sng" algn="ctr">
+                      <a:solidFill>
+                        <a:schemeClr val="tx1"/>
+                      </a:solidFill>
+                      <a:prstDash val="solid"/>
+                      <a:round/>
+                      <a:headEnd type="none" w="med" len="med"/>
+                      <a:tailEnd type="none" w="med" len="med"/>
+                    </a:lnT>
+                    <a:lnB w="12700" cap="flat" cmpd="sng" algn="ctr">
+                      <a:solidFill>
+                        <a:schemeClr val="tx1"/>
+                      </a:solidFill>
+                      <a:prstDash val="solid"/>
+                      <a:round/>
+                      <a:headEnd type="none" w="med" len="med"/>
+                      <a:tailEnd type="none" w="med" len="med"/>
+                    </a:lnB>
+                    <a:solidFill>
+                      <a:schemeClr val="bg1"/>
+                    </a:solidFill>
+                  </a:tcPr>
+                </a:tc>
+                <a:tc>
+                  <a:txBody>
+                    <a:bodyPr/>
+                    <a:lstStyle/>
+                    <a:p>
+                      <a:pPr algn="ctr"/>
+                      <a:r>
+                        <a:rPr lang="en-US" sz="1600" dirty="0">
+                          <a:latin typeface="Arial" panose="020B0604020202020204" pitchFamily="34" charset="0"/>
+                          <a:cs typeface="Arial" panose="020B0604020202020204" pitchFamily="34" charset="0"/>
+                        </a:rPr>
+                        <a:t>10</a:t>
+                      </a:r>
+                      <a:endParaRPr lang="en-IN" sz="1600" dirty="0">
+                        <a:latin typeface="Arial" panose="020B0604020202020204" pitchFamily="34" charset="0"/>
+                        <a:cs typeface="Arial" panose="020B0604020202020204" pitchFamily="34" charset="0"/>
+                      </a:endParaRPr>
+                    </a:p>
+                  </a:txBody>
+                  <a:tcPr>
+                    <a:lnL w="12700" cap="flat" cmpd="sng" algn="ctr">
+                      <a:noFill/>
+                      <a:prstDash val="solid"/>
+                      <a:round/>
+                      <a:headEnd type="none" w="med" len="med"/>
+                      <a:tailEnd type="none" w="med" len="med"/>
+                    </a:lnL>
+                    <a:lnR w="12700" cap="flat" cmpd="sng" algn="ctr">
+                      <a:noFill/>
+                      <a:prstDash val="solid"/>
+                      <a:round/>
+                      <a:headEnd type="none" w="med" len="med"/>
+                      <a:tailEnd type="none" w="med" len="med"/>
+                    </a:lnR>
+                    <a:lnT w="12700" cap="flat" cmpd="sng" algn="ctr">
+                      <a:solidFill>
+                        <a:schemeClr val="tx1"/>
+                      </a:solidFill>
+                      <a:prstDash val="solid"/>
+                      <a:round/>
+                      <a:headEnd type="none" w="med" len="med"/>
+                      <a:tailEnd type="none" w="med" len="med"/>
+                    </a:lnT>
+                    <a:lnB w="12700" cap="flat" cmpd="sng" algn="ctr">
+                      <a:solidFill>
+                        <a:schemeClr val="tx1"/>
+                      </a:solidFill>
+                      <a:prstDash val="solid"/>
+                      <a:round/>
+                      <a:headEnd type="none" w="med" len="med"/>
+                      <a:tailEnd type="none" w="med" len="med"/>
+                    </a:lnB>
+                    <a:solidFill>
+                      <a:schemeClr val="bg1"/>
+                    </a:solidFill>
+                  </a:tcPr>
+                </a:tc>
+                <a:tc>
+                  <a:txBody>
+                    <a:bodyPr/>
+                    <a:lstStyle/>
+                    <a:p>
+                      <a:pPr marL="0" marR="0" lvl="0" indent="0" algn="ctr" defTabSz="457200" rtl="0" eaLnBrk="1" fontAlgn="auto" latinLnBrk="0" hangingPunct="1">
+                        <a:lnSpc>
+                          <a:spcPct val="100000"/>
+                        </a:lnSpc>
+                        <a:spcBef>
+                          <a:spcPts val="0"/>
+                        </a:spcBef>
+                        <a:spcAft>
+                          <a:spcPts val="0"/>
+                        </a:spcAft>
+                        <a:buClrTx/>
+                        <a:buSzTx/>
+                        <a:buFontTx/>
+                        <a:buNone/>
+                        <a:tabLst/>
+                        <a:defRPr/>
+                      </a:pPr>
+                      <a:r>
+                        <a:rPr lang="en-US" sz="1600" dirty="0">
+                          <a:latin typeface="Arial" panose="020B0604020202020204" pitchFamily="34" charset="0"/>
+                          <a:cs typeface="Arial" panose="020B0604020202020204" pitchFamily="34" charset="0"/>
+                        </a:rPr>
+                        <a:t>Chiragsinh</a:t>
+                      </a:r>
+                      <a:endParaRPr lang="en-IN" sz="1600" dirty="0">
+                        <a:latin typeface="Arial" panose="020B0604020202020204" pitchFamily="34" charset="0"/>
+                        <a:cs typeface="Arial" panose="020B0604020202020204" pitchFamily="34" charset="0"/>
+                      </a:endParaRPr>
+                    </a:p>
+                  </a:txBody>
+                  <a:tcPr>
+                    <a:lnL w="12700" cap="flat" cmpd="sng" algn="ctr">
+                      <a:noFill/>
+                      <a:prstDash val="solid"/>
+                      <a:round/>
+                      <a:headEnd type="none" w="med" len="med"/>
+                      <a:tailEnd type="none" w="med" len="med"/>
+                    </a:lnL>
+                    <a:lnR w="12700" cap="flat" cmpd="sng" algn="ctr">
+                      <a:noFill/>
+                      <a:prstDash val="solid"/>
+                      <a:round/>
+                      <a:headEnd type="none" w="med" len="med"/>
+                      <a:tailEnd type="none" w="med" len="med"/>
+                    </a:lnR>
+                    <a:lnT w="12700" cap="flat" cmpd="sng" algn="ctr">
+                      <a:solidFill>
+                        <a:schemeClr val="tx1"/>
+                      </a:solidFill>
+                      <a:prstDash val="solid"/>
+                      <a:round/>
+                      <a:headEnd type="none" w="med" len="med"/>
+                      <a:tailEnd type="none" w="med" len="med"/>
+                    </a:lnT>
+                    <a:lnB w="12700" cap="flat" cmpd="sng" algn="ctr">
+                      <a:solidFill>
+                        <a:schemeClr val="tx1"/>
+                      </a:solidFill>
+                      <a:prstDash val="solid"/>
+                      <a:round/>
+                      <a:headEnd type="none" w="med" len="med"/>
+                      <a:tailEnd type="none" w="med" len="med"/>
+                    </a:lnB>
+                    <a:solidFill>
+                      <a:schemeClr val="bg1"/>
+                    </a:solidFill>
+                  </a:tcPr>
+                </a:tc>
+                <a:tc>
+                  <a:txBody>
+                    <a:bodyPr/>
+                    <a:lstStyle/>
+                    <a:p>
+                      <a:pPr algn="l"/>
+                      <a:r>
+                        <a:rPr lang="en-IN" sz="1600" dirty="0">
+                          <a:latin typeface="Arial" panose="020B0604020202020204" pitchFamily="34" charset="0"/>
+                          <a:cs typeface="Arial" panose="020B0604020202020204" pitchFamily="34" charset="0"/>
+                        </a:rPr>
+                        <a:t>First name</a:t>
+                      </a:r>
+                    </a:p>
+                  </a:txBody>
+                  <a:tcPr>
+                    <a:lnL w="12700" cap="flat" cmpd="sng" algn="ctr">
+                      <a:noFill/>
+                      <a:prstDash val="solid"/>
+                      <a:round/>
+                      <a:headEnd type="none" w="med" len="med"/>
+                      <a:tailEnd type="none" w="med" len="med"/>
+                    </a:lnL>
+                    <a:lnR w="12700" cap="flat" cmpd="sng" algn="ctr">
+                      <a:solidFill>
+                        <a:schemeClr val="tx1"/>
+                      </a:solidFill>
+                      <a:prstDash val="solid"/>
+                      <a:round/>
+                      <a:headEnd type="none" w="med" len="med"/>
+                      <a:tailEnd type="none" w="med" len="med"/>
+                    </a:lnR>
+                    <a:lnT w="12700" cap="flat" cmpd="sng" algn="ctr">
+                      <a:solidFill>
+                        <a:schemeClr val="tx1"/>
+                      </a:solidFill>
+                      <a:prstDash val="solid"/>
+                      <a:round/>
+                      <a:headEnd type="none" w="med" len="med"/>
+                      <a:tailEnd type="none" w="med" len="med"/>
+                    </a:lnT>
+                    <a:lnB w="12700" cap="flat" cmpd="sng" algn="ctr">
+                      <a:solidFill>
+                        <a:schemeClr val="tx1"/>
+                      </a:solidFill>
+                      <a:prstDash val="solid"/>
+                      <a:round/>
+                      <a:headEnd type="none" w="med" len="med"/>
+                      <a:tailEnd type="none" w="med" len="med"/>
+                    </a:lnB>
+                    <a:solidFill>
+                      <a:schemeClr val="bg1"/>
+                    </a:solidFill>
+                  </a:tcPr>
+                </a:tc>
+                <a:extLst>
+                  <a:ext uri="{0D108BD9-81ED-4DB2-BD59-A6C34878D82A}">
+                    <a16:rowId xmlns:a16="http://schemas.microsoft.com/office/drawing/2014/main" val="2668767587"/>
+                  </a:ext>
+                </a:extLst>
+              </a:tr>
+              <a:tr h="457965">
+                <a:tc>
+                  <a:txBody>
+                    <a:bodyPr/>
+                    <a:lstStyle/>
+                    <a:p>
+                      <a:r>
+                        <a:rPr lang="en-US" sz="1600" dirty="0">
+                          <a:solidFill>
+                            <a:srgbClr val="C00000"/>
+                          </a:solidFill>
+                          <a:latin typeface="Arial" panose="020B0604020202020204" pitchFamily="34" charset="0"/>
+                          <a:cs typeface="Arial" panose="020B0604020202020204" pitchFamily="34" charset="0"/>
+                        </a:rPr>
+                        <a:t>u_sname</a:t>
+                      </a:r>
+                      <a:endParaRPr lang="en-IN" sz="1600" dirty="0">
+                        <a:solidFill>
+                          <a:srgbClr val="C00000"/>
+                        </a:solidFill>
+                        <a:latin typeface="Arial" panose="020B0604020202020204" pitchFamily="34" charset="0"/>
+                        <a:cs typeface="Arial" panose="020B0604020202020204" pitchFamily="34" charset="0"/>
+                      </a:endParaRPr>
+                    </a:p>
+                  </a:txBody>
+                  <a:tcPr>
+                    <a:lnL w="12700" cap="flat" cmpd="sng" algn="ctr">
+                      <a:solidFill>
+                        <a:schemeClr val="tx1"/>
+                      </a:solidFill>
+                      <a:prstDash val="solid"/>
+                      <a:round/>
+                      <a:headEnd type="none" w="med" len="med"/>
+                      <a:tailEnd type="none" w="med" len="med"/>
+                    </a:lnL>
+                    <a:lnR w="12700" cap="flat" cmpd="sng" algn="ctr">
+                      <a:noFill/>
+                      <a:prstDash val="solid"/>
+                      <a:round/>
+                      <a:headEnd type="none" w="med" len="med"/>
+                      <a:tailEnd type="none" w="med" len="med"/>
+                    </a:lnR>
+                    <a:lnT w="12700" cap="flat" cmpd="sng" algn="ctr">
+                      <a:solidFill>
+                        <a:schemeClr val="tx1"/>
+                      </a:solidFill>
+                      <a:prstDash val="solid"/>
+                      <a:round/>
+                      <a:headEnd type="none" w="med" len="med"/>
+                      <a:tailEnd type="none" w="med" len="med"/>
+                    </a:lnT>
+                    <a:lnB w="12700" cap="flat" cmpd="sng" algn="ctr">
+                      <a:solidFill>
+                        <a:schemeClr val="tx1"/>
+                      </a:solidFill>
+                      <a:prstDash val="solid"/>
+                      <a:round/>
+                      <a:headEnd type="none" w="med" len="med"/>
+                      <a:tailEnd type="none" w="med" len="med"/>
+                    </a:lnB>
+                    <a:solidFill>
+                      <a:schemeClr val="bg1"/>
+                    </a:solidFill>
+                  </a:tcPr>
+                </a:tc>
+                <a:tc>
+                  <a:txBody>
+                    <a:bodyPr/>
+                    <a:lstStyle/>
+                    <a:p>
+                      <a:pPr algn="ctr"/>
+                      <a:r>
+                        <a:rPr lang="en-US" sz="1600" dirty="0">
+                          <a:latin typeface="Arial" panose="020B0604020202020204" pitchFamily="34" charset="0"/>
+                          <a:cs typeface="Arial" panose="020B0604020202020204" pitchFamily="34" charset="0"/>
+                        </a:rPr>
+                        <a:t>Varchar</a:t>
+                      </a:r>
+                      <a:endParaRPr lang="en-IN" sz="1600" dirty="0">
+                        <a:latin typeface="Arial" panose="020B0604020202020204" pitchFamily="34" charset="0"/>
+                        <a:cs typeface="Arial" panose="020B0604020202020204" pitchFamily="34" charset="0"/>
+                      </a:endParaRPr>
+                    </a:p>
+                  </a:txBody>
+                  <a:tcPr>
+                    <a:lnL w="12700" cap="flat" cmpd="sng" algn="ctr">
+                      <a:noFill/>
+                      <a:prstDash val="solid"/>
+                      <a:round/>
+                      <a:headEnd type="none" w="med" len="med"/>
+                      <a:tailEnd type="none" w="med" len="med"/>
+                    </a:lnL>
+                    <a:lnR w="12700" cap="flat" cmpd="sng" algn="ctr">
+                      <a:noFill/>
+                      <a:prstDash val="solid"/>
+                      <a:round/>
+                      <a:headEnd type="none" w="med" len="med"/>
+                      <a:tailEnd type="none" w="med" len="med"/>
+                    </a:lnR>
+                    <a:lnT w="12700" cap="flat" cmpd="sng" algn="ctr">
+                      <a:solidFill>
+                        <a:schemeClr val="tx1"/>
+                      </a:solidFill>
+                      <a:prstDash val="solid"/>
+                      <a:round/>
+                      <a:headEnd type="none" w="med" len="med"/>
+                      <a:tailEnd type="none" w="med" len="med"/>
+                    </a:lnT>
+                    <a:lnB w="12700" cap="flat" cmpd="sng" algn="ctr">
+                      <a:solidFill>
+                        <a:schemeClr val="tx1"/>
+                      </a:solidFill>
+                      <a:prstDash val="solid"/>
+                      <a:round/>
+                      <a:headEnd type="none" w="med" len="med"/>
+                      <a:tailEnd type="none" w="med" len="med"/>
+                    </a:lnB>
+                    <a:solidFill>
+                      <a:schemeClr val="bg1"/>
+                    </a:solidFill>
+                  </a:tcPr>
+                </a:tc>
+                <a:tc>
+                  <a:txBody>
+                    <a:bodyPr/>
+                    <a:lstStyle/>
+                    <a:p>
+                      <a:pPr algn="ctr"/>
+                      <a:r>
+                        <a:rPr lang="en-US" sz="1600" dirty="0">
+                          <a:latin typeface="Arial" panose="020B0604020202020204" pitchFamily="34" charset="0"/>
+                          <a:cs typeface="Arial" panose="020B0604020202020204" pitchFamily="34" charset="0"/>
+                        </a:rPr>
+                        <a:t>10</a:t>
+                      </a:r>
+                      <a:endParaRPr lang="en-IN" sz="1600" dirty="0">
+                        <a:latin typeface="Arial" panose="020B0604020202020204" pitchFamily="34" charset="0"/>
+                        <a:cs typeface="Arial" panose="020B0604020202020204" pitchFamily="34" charset="0"/>
+                      </a:endParaRPr>
+                    </a:p>
+                  </a:txBody>
+                  <a:tcPr>
+                    <a:lnL w="12700" cap="flat" cmpd="sng" algn="ctr">
+                      <a:noFill/>
+                      <a:prstDash val="solid"/>
+                      <a:round/>
+                      <a:headEnd type="none" w="med" len="med"/>
+                      <a:tailEnd type="none" w="med" len="med"/>
+                    </a:lnL>
+                    <a:lnR w="12700" cap="flat" cmpd="sng" algn="ctr">
+                      <a:noFill/>
+                      <a:prstDash val="solid"/>
+                      <a:round/>
+                      <a:headEnd type="none" w="med" len="med"/>
+                      <a:tailEnd type="none" w="med" len="med"/>
+                    </a:lnR>
+                    <a:lnT w="12700" cap="flat" cmpd="sng" algn="ctr">
+                      <a:solidFill>
+                        <a:schemeClr val="tx1"/>
+                      </a:solidFill>
+                      <a:prstDash val="solid"/>
+                      <a:round/>
+                      <a:headEnd type="none" w="med" len="med"/>
+                      <a:tailEnd type="none" w="med" len="med"/>
+                    </a:lnT>
+                    <a:lnB w="12700" cap="flat" cmpd="sng" algn="ctr">
+                      <a:solidFill>
+                        <a:schemeClr val="tx1"/>
+                      </a:solidFill>
+                      <a:prstDash val="solid"/>
+                      <a:round/>
+                      <a:headEnd type="none" w="med" len="med"/>
+                      <a:tailEnd type="none" w="med" len="med"/>
+                    </a:lnB>
+                    <a:solidFill>
+                      <a:schemeClr val="bg1"/>
+                    </a:solidFill>
+                  </a:tcPr>
+                </a:tc>
+                <a:tc>
+                  <a:txBody>
+                    <a:bodyPr/>
+                    <a:lstStyle/>
+                    <a:p>
+                      <a:pPr marL="0" marR="0" lvl="0" indent="0" algn="ctr" defTabSz="457200" rtl="0" eaLnBrk="1" fontAlgn="auto" latinLnBrk="0" hangingPunct="1">
+                        <a:lnSpc>
+                          <a:spcPct val="100000"/>
+                        </a:lnSpc>
+                        <a:spcBef>
+                          <a:spcPts val="0"/>
+                        </a:spcBef>
+                        <a:spcAft>
+                          <a:spcPts val="0"/>
+                        </a:spcAft>
+                        <a:buClrTx/>
+                        <a:buSzTx/>
+                        <a:buFontTx/>
+                        <a:buNone/>
+                        <a:tabLst/>
+                        <a:defRPr/>
+                      </a:pPr>
+                      <a:r>
+                        <a:rPr lang="en-US" sz="1600" dirty="0">
+                          <a:latin typeface="Arial" panose="020B0604020202020204" pitchFamily="34" charset="0"/>
+                          <a:cs typeface="Arial" panose="020B0604020202020204" pitchFamily="34" charset="0"/>
+                        </a:rPr>
+                        <a:t>Vaghela</a:t>
+                      </a:r>
+                      <a:endParaRPr lang="en-IN" sz="1600" dirty="0">
+                        <a:latin typeface="Arial" panose="020B0604020202020204" pitchFamily="34" charset="0"/>
+                        <a:cs typeface="Arial" panose="020B0604020202020204" pitchFamily="34" charset="0"/>
+                      </a:endParaRPr>
+                    </a:p>
+                  </a:txBody>
+                  <a:tcPr>
+                    <a:lnL w="12700" cap="flat" cmpd="sng" algn="ctr">
+                      <a:noFill/>
+                      <a:prstDash val="solid"/>
+                      <a:round/>
+                      <a:headEnd type="none" w="med" len="med"/>
+                      <a:tailEnd type="none" w="med" len="med"/>
+                    </a:lnL>
+                    <a:lnR w="12700" cap="flat" cmpd="sng" algn="ctr">
+                      <a:noFill/>
+                      <a:prstDash val="solid"/>
+                      <a:round/>
+                      <a:headEnd type="none" w="med" len="med"/>
+                      <a:tailEnd type="none" w="med" len="med"/>
+                    </a:lnR>
+                    <a:lnT w="12700" cap="flat" cmpd="sng" algn="ctr">
+                      <a:solidFill>
+                        <a:schemeClr val="tx1"/>
+                      </a:solidFill>
+                      <a:prstDash val="solid"/>
+                      <a:round/>
+                      <a:headEnd type="none" w="med" len="med"/>
+                      <a:tailEnd type="none" w="med" len="med"/>
+                    </a:lnT>
+                    <a:lnB w="12700" cap="flat" cmpd="sng" algn="ctr">
+                      <a:solidFill>
+                        <a:schemeClr val="tx1"/>
+                      </a:solidFill>
+                      <a:prstDash val="solid"/>
+                      <a:round/>
+                      <a:headEnd type="none" w="med" len="med"/>
+                      <a:tailEnd type="none" w="med" len="med"/>
+                    </a:lnB>
+                    <a:solidFill>
+                      <a:schemeClr val="bg1"/>
+                    </a:solidFill>
+                  </a:tcPr>
+                </a:tc>
+                <a:tc>
+                  <a:txBody>
+                    <a:bodyPr/>
+                    <a:lstStyle/>
+                    <a:p>
+                      <a:pPr algn="l"/>
+                      <a:r>
+                        <a:rPr lang="en-IN" sz="1600" dirty="0">
+                          <a:latin typeface="Arial" panose="020B0604020202020204" pitchFamily="34" charset="0"/>
+                          <a:cs typeface="Arial" panose="020B0604020202020204" pitchFamily="34" charset="0"/>
+                        </a:rPr>
+                        <a:t>Surname</a:t>
+                      </a:r>
+                    </a:p>
+                  </a:txBody>
+                  <a:tcPr>
+                    <a:lnL w="12700" cap="flat" cmpd="sng" algn="ctr">
+                      <a:noFill/>
+                      <a:prstDash val="solid"/>
+                      <a:round/>
+                      <a:headEnd type="none" w="med" len="med"/>
+                      <a:tailEnd type="none" w="med" len="med"/>
+                    </a:lnL>
+                    <a:lnR w="12700" cap="flat" cmpd="sng" algn="ctr">
+                      <a:solidFill>
+                        <a:schemeClr val="tx1"/>
+                      </a:solidFill>
+                      <a:prstDash val="solid"/>
+                      <a:round/>
+                      <a:headEnd type="none" w="med" len="med"/>
+                      <a:tailEnd type="none" w="med" len="med"/>
+                    </a:lnR>
+                    <a:lnT w="12700" cap="flat" cmpd="sng" algn="ctr">
+                      <a:solidFill>
+                        <a:schemeClr val="tx1"/>
+                      </a:solidFill>
+                      <a:prstDash val="solid"/>
+                      <a:round/>
+                      <a:headEnd type="none" w="med" len="med"/>
+                      <a:tailEnd type="none" w="med" len="med"/>
+                    </a:lnT>
+                    <a:lnB w="12700" cap="flat" cmpd="sng" algn="ctr">
+                      <a:solidFill>
+                        <a:schemeClr val="tx1"/>
+                      </a:solidFill>
+                      <a:prstDash val="solid"/>
+                      <a:round/>
+                      <a:headEnd type="none" w="med" len="med"/>
+                      <a:tailEnd type="none" w="med" len="med"/>
+                    </a:lnB>
+                    <a:solidFill>
+                      <a:schemeClr val="bg1"/>
+                    </a:solidFill>
+                  </a:tcPr>
+                </a:tc>
+                <a:extLst>
+                  <a:ext uri="{0D108BD9-81ED-4DB2-BD59-A6C34878D82A}">
+                    <a16:rowId xmlns:a16="http://schemas.microsoft.com/office/drawing/2014/main" val="2660012646"/>
+                  </a:ext>
+                </a:extLst>
+              </a:tr>
+              <a:tr h="416389">
+                <a:tc>
+                  <a:txBody>
+                    <a:bodyPr/>
+                    <a:lstStyle/>
+                    <a:p>
+                      <a:r>
+                        <a:rPr lang="en-US" sz="1600" dirty="0">
+                          <a:solidFill>
+                            <a:srgbClr val="C00000"/>
+                          </a:solidFill>
+                          <a:latin typeface="Arial" panose="020B0604020202020204" pitchFamily="34" charset="0"/>
+                          <a:cs typeface="Arial" panose="020B0604020202020204" pitchFamily="34" charset="0"/>
+                        </a:rPr>
+                        <a:t>dob</a:t>
+                      </a:r>
+                      <a:endParaRPr lang="en-IN" sz="1600" dirty="0">
+                        <a:solidFill>
+                          <a:srgbClr val="C00000"/>
+                        </a:solidFill>
+                        <a:latin typeface="Arial" panose="020B0604020202020204" pitchFamily="34" charset="0"/>
+                        <a:cs typeface="Arial" panose="020B0604020202020204" pitchFamily="34" charset="0"/>
+                      </a:endParaRPr>
+                    </a:p>
+                  </a:txBody>
+                  <a:tcPr>
+                    <a:lnL w="12700" cap="flat" cmpd="sng" algn="ctr">
+                      <a:solidFill>
+                        <a:schemeClr val="tx1"/>
+                      </a:solidFill>
+                      <a:prstDash val="solid"/>
+                      <a:round/>
+                      <a:headEnd type="none" w="med" len="med"/>
+                      <a:tailEnd type="none" w="med" len="med"/>
+                    </a:lnL>
+                    <a:lnR w="12700" cap="flat" cmpd="sng" algn="ctr">
+                      <a:noFill/>
+                      <a:prstDash val="solid"/>
+                      <a:round/>
+                      <a:headEnd type="none" w="med" len="med"/>
+                      <a:tailEnd type="none" w="med" len="med"/>
+                    </a:lnR>
+                    <a:lnT w="12700" cap="flat" cmpd="sng" algn="ctr">
+                      <a:solidFill>
+                        <a:schemeClr val="tx1"/>
+                      </a:solidFill>
+                      <a:prstDash val="solid"/>
+                      <a:round/>
+                      <a:headEnd type="none" w="med" len="med"/>
+                      <a:tailEnd type="none" w="med" len="med"/>
+                    </a:lnT>
+                    <a:lnB w="12700" cap="flat" cmpd="sng" algn="ctr">
+                      <a:solidFill>
+                        <a:schemeClr val="tx1"/>
+                      </a:solidFill>
+                      <a:prstDash val="solid"/>
+                      <a:round/>
+                      <a:headEnd type="none" w="med" len="med"/>
+                      <a:tailEnd type="none" w="med" len="med"/>
+                    </a:lnB>
+                    <a:solidFill>
+                      <a:schemeClr val="bg1"/>
+                    </a:solidFill>
+                  </a:tcPr>
+                </a:tc>
+                <a:tc>
+                  <a:txBody>
+                    <a:bodyPr/>
+                    <a:lstStyle/>
+                    <a:p>
+                      <a:pPr algn="ctr"/>
+                      <a:r>
+                        <a:rPr lang="en-US" sz="1600" dirty="0">
+                          <a:latin typeface="Arial" panose="020B0604020202020204" pitchFamily="34" charset="0"/>
+                          <a:cs typeface="Arial" panose="020B0604020202020204" pitchFamily="34" charset="0"/>
+                        </a:rPr>
+                        <a:t>Date</a:t>
+                      </a:r>
+                      <a:endParaRPr lang="en-IN" sz="1600" dirty="0">
+                        <a:latin typeface="Arial" panose="020B0604020202020204" pitchFamily="34" charset="0"/>
+                        <a:cs typeface="Arial" panose="020B0604020202020204" pitchFamily="34" charset="0"/>
+                      </a:endParaRPr>
+                    </a:p>
+                  </a:txBody>
+                  <a:tcPr>
+                    <a:lnL w="12700" cap="flat" cmpd="sng" algn="ctr">
+                      <a:noFill/>
+                      <a:prstDash val="solid"/>
+                      <a:round/>
+                      <a:headEnd type="none" w="med" len="med"/>
+                      <a:tailEnd type="none" w="med" len="med"/>
+                    </a:lnL>
+                    <a:lnR w="12700" cap="flat" cmpd="sng" algn="ctr">
+                      <a:noFill/>
+                      <a:prstDash val="solid"/>
+                      <a:round/>
+                      <a:headEnd type="none" w="med" len="med"/>
+                      <a:tailEnd type="none" w="med" len="med"/>
+                    </a:lnR>
+                    <a:lnT w="12700" cap="flat" cmpd="sng" algn="ctr">
+                      <a:solidFill>
+                        <a:schemeClr val="tx1"/>
+                      </a:solidFill>
+                      <a:prstDash val="solid"/>
+                      <a:round/>
+                      <a:headEnd type="none" w="med" len="med"/>
+                      <a:tailEnd type="none" w="med" len="med"/>
+                    </a:lnT>
+                    <a:lnB w="12700" cap="flat" cmpd="sng" algn="ctr">
+                      <a:solidFill>
+                        <a:schemeClr val="tx1"/>
+                      </a:solidFill>
+                      <a:prstDash val="solid"/>
+                      <a:round/>
+                      <a:headEnd type="none" w="med" len="med"/>
+                      <a:tailEnd type="none" w="med" len="med"/>
+                    </a:lnB>
+                    <a:solidFill>
+                      <a:schemeClr val="bg1"/>
+                    </a:solidFill>
+                  </a:tcPr>
+                </a:tc>
+                <a:tc>
+                  <a:txBody>
+                    <a:bodyPr/>
+                    <a:lstStyle/>
+                    <a:p>
+                      <a:pPr algn="ctr"/>
+                      <a:endParaRPr lang="en-IN" sz="1600" dirty="0">
+                        <a:latin typeface="Arial" panose="020B0604020202020204" pitchFamily="34" charset="0"/>
+                        <a:cs typeface="Arial" panose="020B0604020202020204" pitchFamily="34" charset="0"/>
+                      </a:endParaRPr>
+                    </a:p>
+                  </a:txBody>
+                  <a:tcPr>
+                    <a:lnL w="12700" cap="flat" cmpd="sng" algn="ctr">
+                      <a:noFill/>
+                      <a:prstDash val="solid"/>
+                      <a:round/>
+                      <a:headEnd type="none" w="med" len="med"/>
+                      <a:tailEnd type="none" w="med" len="med"/>
+                    </a:lnL>
+                    <a:lnR w="12700" cap="flat" cmpd="sng" algn="ctr">
+                      <a:noFill/>
+                      <a:prstDash val="solid"/>
+                      <a:round/>
+                      <a:headEnd type="none" w="med" len="med"/>
+                      <a:tailEnd type="none" w="med" len="med"/>
+                    </a:lnR>
+                    <a:lnT w="12700" cap="flat" cmpd="sng" algn="ctr">
+                      <a:solidFill>
+                        <a:schemeClr val="tx1"/>
+                      </a:solidFill>
+                      <a:prstDash val="solid"/>
+                      <a:round/>
+                      <a:headEnd type="none" w="med" len="med"/>
+                      <a:tailEnd type="none" w="med" len="med"/>
+                    </a:lnT>
+                    <a:lnB w="12700" cap="flat" cmpd="sng" algn="ctr">
+                      <a:solidFill>
+                        <a:schemeClr val="tx1"/>
+                      </a:solidFill>
+                      <a:prstDash val="solid"/>
+                      <a:round/>
+                      <a:headEnd type="none" w="med" len="med"/>
+                      <a:tailEnd type="none" w="med" len="med"/>
+                    </a:lnB>
+                    <a:solidFill>
+                      <a:schemeClr val="bg1"/>
+                    </a:solidFill>
+                  </a:tcPr>
+                </a:tc>
+                <a:tc>
+                  <a:txBody>
+                    <a:bodyPr/>
+                    <a:lstStyle/>
+                    <a:p>
+                      <a:pPr marL="0" marR="0" lvl="0" indent="0" algn="ctr" defTabSz="457200" rtl="0" eaLnBrk="1" fontAlgn="auto" latinLnBrk="0" hangingPunct="1">
+                        <a:lnSpc>
+                          <a:spcPct val="100000"/>
+                        </a:lnSpc>
+                        <a:spcBef>
+                          <a:spcPts val="0"/>
+                        </a:spcBef>
+                        <a:spcAft>
+                          <a:spcPts val="0"/>
+                        </a:spcAft>
+                        <a:buClrTx/>
+                        <a:buSzTx/>
+                        <a:buFontTx/>
+                        <a:buNone/>
+                        <a:tabLst/>
+                        <a:defRPr/>
+                      </a:pPr>
+                      <a:r>
+                        <a:rPr lang="en-US" sz="1600" dirty="0">
+                          <a:latin typeface="Arial" panose="020B0604020202020204" pitchFamily="34" charset="0"/>
+                          <a:cs typeface="Arial" panose="020B0604020202020204" pitchFamily="34" charset="0"/>
+                        </a:rPr>
+                        <a:t>1876/03/14</a:t>
+                      </a:r>
+                      <a:endParaRPr lang="en-IN" sz="1600" dirty="0">
+                        <a:latin typeface="Arial" panose="020B0604020202020204" pitchFamily="34" charset="0"/>
+                        <a:cs typeface="Arial" panose="020B0604020202020204" pitchFamily="34" charset="0"/>
+                      </a:endParaRPr>
+                    </a:p>
+                  </a:txBody>
+                  <a:tcPr>
+                    <a:lnL w="12700" cap="flat" cmpd="sng" algn="ctr">
+                      <a:noFill/>
+                      <a:prstDash val="solid"/>
+                      <a:round/>
+                      <a:headEnd type="none" w="med" len="med"/>
+                      <a:tailEnd type="none" w="med" len="med"/>
+                    </a:lnL>
+                    <a:lnR w="12700" cap="flat" cmpd="sng" algn="ctr">
+                      <a:noFill/>
+                      <a:prstDash val="solid"/>
+                      <a:round/>
+                      <a:headEnd type="none" w="med" len="med"/>
+                      <a:tailEnd type="none" w="med" len="med"/>
+                    </a:lnR>
+                    <a:lnT w="12700" cap="flat" cmpd="sng" algn="ctr">
+                      <a:solidFill>
+                        <a:schemeClr val="tx1"/>
+                      </a:solidFill>
+                      <a:prstDash val="solid"/>
+                      <a:round/>
+                      <a:headEnd type="none" w="med" len="med"/>
+                      <a:tailEnd type="none" w="med" len="med"/>
+                    </a:lnT>
+                    <a:lnB w="12700" cap="flat" cmpd="sng" algn="ctr">
+                      <a:solidFill>
+                        <a:schemeClr val="tx1"/>
+                      </a:solidFill>
+                      <a:prstDash val="solid"/>
+                      <a:round/>
+                      <a:headEnd type="none" w="med" len="med"/>
+                      <a:tailEnd type="none" w="med" len="med"/>
+                    </a:lnB>
+                    <a:solidFill>
+                      <a:schemeClr val="bg1"/>
+                    </a:solidFill>
+                  </a:tcPr>
+                </a:tc>
+                <a:tc>
+                  <a:txBody>
+                    <a:bodyPr/>
+                    <a:lstStyle/>
+                    <a:p>
+                      <a:pPr algn="l"/>
+                      <a:r>
+                        <a:rPr lang="en-IN" sz="1600" dirty="0">
+                          <a:latin typeface="Arial" panose="020B0604020202020204" pitchFamily="34" charset="0"/>
+                          <a:cs typeface="Arial" panose="020B0604020202020204" pitchFamily="34" charset="0"/>
+                        </a:rPr>
+                        <a:t>Date of birth (YYYY/MM/DD)</a:t>
+                      </a:r>
+                    </a:p>
+                  </a:txBody>
+                  <a:tcPr>
+                    <a:lnL w="12700" cap="flat" cmpd="sng" algn="ctr">
+                      <a:noFill/>
+                      <a:prstDash val="solid"/>
+                      <a:round/>
+                      <a:headEnd type="none" w="med" len="med"/>
+                      <a:tailEnd type="none" w="med" len="med"/>
+                    </a:lnL>
+                    <a:lnR w="12700" cap="flat" cmpd="sng" algn="ctr">
+                      <a:solidFill>
+                        <a:schemeClr val="tx1"/>
+                      </a:solidFill>
+                      <a:prstDash val="solid"/>
+                      <a:round/>
+                      <a:headEnd type="none" w="med" len="med"/>
+                      <a:tailEnd type="none" w="med" len="med"/>
+                    </a:lnR>
+                    <a:lnT w="12700" cap="flat" cmpd="sng" algn="ctr">
+                      <a:solidFill>
+                        <a:schemeClr val="tx1"/>
+                      </a:solidFill>
+                      <a:prstDash val="solid"/>
+                      <a:round/>
+                      <a:headEnd type="none" w="med" len="med"/>
+                      <a:tailEnd type="none" w="med" len="med"/>
+                    </a:lnT>
+                    <a:lnB w="12700" cap="flat" cmpd="sng" algn="ctr">
+                      <a:solidFill>
+                        <a:schemeClr val="tx1"/>
+                      </a:solidFill>
+                      <a:prstDash val="solid"/>
+                      <a:round/>
+                      <a:headEnd type="none" w="med" len="med"/>
+                      <a:tailEnd type="none" w="med" len="med"/>
+                    </a:lnB>
+                    <a:solidFill>
+                      <a:schemeClr val="bg1"/>
+                    </a:solidFill>
+                  </a:tcPr>
+                </a:tc>
+                <a:extLst>
+                  <a:ext uri="{0D108BD9-81ED-4DB2-BD59-A6C34878D82A}">
+                    <a16:rowId xmlns:a16="http://schemas.microsoft.com/office/drawing/2014/main" val="1323240528"/>
+                  </a:ext>
+                </a:extLst>
+              </a:tr>
+              <a:tr h="436228">
+                <a:tc>
+                  <a:txBody>
+                    <a:bodyPr/>
+                    <a:lstStyle/>
+                    <a:p>
+                      <a:r>
+                        <a:rPr lang="en-IN" sz="1600" dirty="0" err="1">
+                          <a:solidFill>
+                            <a:srgbClr val="C00000"/>
+                          </a:solidFill>
+                          <a:latin typeface="Arial" panose="020B0604020202020204" pitchFamily="34" charset="0"/>
+                          <a:cs typeface="Arial" panose="020B0604020202020204" pitchFamily="34" charset="0"/>
+                        </a:rPr>
+                        <a:t>pwd</a:t>
+                      </a:r>
+                      <a:endParaRPr lang="en-IN" sz="1600" dirty="0">
+                        <a:solidFill>
+                          <a:srgbClr val="C00000"/>
+                        </a:solidFill>
+                        <a:latin typeface="Arial" panose="020B0604020202020204" pitchFamily="34" charset="0"/>
+                        <a:cs typeface="Arial" panose="020B0604020202020204" pitchFamily="34" charset="0"/>
+                      </a:endParaRPr>
+                    </a:p>
+                  </a:txBody>
+                  <a:tcPr>
+                    <a:lnL w="12700" cap="flat" cmpd="sng" algn="ctr">
+                      <a:solidFill>
+                        <a:schemeClr val="tx1"/>
+                      </a:solidFill>
+                      <a:prstDash val="solid"/>
+                      <a:round/>
+                      <a:headEnd type="none" w="med" len="med"/>
+                      <a:tailEnd type="none" w="med" len="med"/>
+                    </a:lnL>
+                    <a:lnR w="12700" cap="flat" cmpd="sng" algn="ctr">
+                      <a:noFill/>
+                      <a:prstDash val="solid"/>
+                      <a:round/>
+                      <a:headEnd type="none" w="med" len="med"/>
+                      <a:tailEnd type="none" w="med" len="med"/>
+                    </a:lnR>
+                    <a:lnT w="12700" cap="flat" cmpd="sng" algn="ctr">
+                      <a:solidFill>
+                        <a:schemeClr val="tx1"/>
+                      </a:solidFill>
+                      <a:prstDash val="solid"/>
+                      <a:round/>
+                      <a:headEnd type="none" w="med" len="med"/>
+                      <a:tailEnd type="none" w="med" len="med"/>
+                    </a:lnT>
+                    <a:lnB w="12700" cap="flat" cmpd="sng" algn="ctr">
+                      <a:solidFill>
+                        <a:schemeClr val="tx1"/>
+                      </a:solidFill>
+                      <a:prstDash val="solid"/>
+                      <a:round/>
+                      <a:headEnd type="none" w="med" len="med"/>
+                      <a:tailEnd type="none" w="med" len="med"/>
+                    </a:lnB>
+                    <a:solidFill>
+                      <a:schemeClr val="bg1"/>
+                    </a:solidFill>
+                  </a:tcPr>
+                </a:tc>
+                <a:tc>
+                  <a:txBody>
+                    <a:bodyPr/>
+                    <a:lstStyle/>
+                    <a:p>
+                      <a:pPr algn="ctr"/>
+                      <a:r>
+                        <a:rPr lang="en-IN" sz="1600" dirty="0">
+                          <a:latin typeface="Arial" panose="020B0604020202020204" pitchFamily="34" charset="0"/>
+                          <a:cs typeface="Arial" panose="020B0604020202020204" pitchFamily="34" charset="0"/>
+                        </a:rPr>
+                        <a:t>char(32)</a:t>
+                      </a:r>
+                    </a:p>
+                  </a:txBody>
+                  <a:tcPr>
+                    <a:lnL w="12700" cap="flat" cmpd="sng" algn="ctr">
+                      <a:noFill/>
+                      <a:prstDash val="solid"/>
+                      <a:round/>
+                      <a:headEnd type="none" w="med" len="med"/>
+                      <a:tailEnd type="none" w="med" len="med"/>
+                    </a:lnL>
+                    <a:lnR w="12700" cap="flat" cmpd="sng" algn="ctr">
+                      <a:noFill/>
+                      <a:prstDash val="solid"/>
+                      <a:round/>
+                      <a:headEnd type="none" w="med" len="med"/>
+                      <a:tailEnd type="none" w="med" len="med"/>
+                    </a:lnR>
+                    <a:lnT w="12700" cap="flat" cmpd="sng" algn="ctr">
+                      <a:solidFill>
+                        <a:schemeClr val="tx1"/>
+                      </a:solidFill>
+                      <a:prstDash val="solid"/>
+                      <a:round/>
+                      <a:headEnd type="none" w="med" len="med"/>
+                      <a:tailEnd type="none" w="med" len="med"/>
+                    </a:lnT>
+                    <a:lnB w="12700" cap="flat" cmpd="sng" algn="ctr">
+                      <a:solidFill>
+                        <a:schemeClr val="tx1"/>
+                      </a:solidFill>
+                      <a:prstDash val="solid"/>
+                      <a:round/>
+                      <a:headEnd type="none" w="med" len="med"/>
+                      <a:tailEnd type="none" w="med" len="med"/>
+                    </a:lnB>
+                    <a:solidFill>
+                      <a:schemeClr val="bg1"/>
+                    </a:solidFill>
+                  </a:tcPr>
+                </a:tc>
+                <a:tc>
+                  <a:txBody>
+                    <a:bodyPr/>
+                    <a:lstStyle/>
+                    <a:p>
+                      <a:pPr algn="ctr"/>
+                      <a:endParaRPr lang="en-IN" sz="1600" dirty="0">
+                        <a:latin typeface="Arial" panose="020B0604020202020204" pitchFamily="34" charset="0"/>
+                        <a:cs typeface="Arial" panose="020B0604020202020204" pitchFamily="34" charset="0"/>
+                      </a:endParaRPr>
+                    </a:p>
+                  </a:txBody>
+                  <a:tcPr>
+                    <a:lnL w="12700" cap="flat" cmpd="sng" algn="ctr">
+                      <a:noFill/>
+                      <a:prstDash val="solid"/>
+                      <a:round/>
+                      <a:headEnd type="none" w="med" len="med"/>
+                      <a:tailEnd type="none" w="med" len="med"/>
+                    </a:lnL>
+                    <a:lnR w="12700" cap="flat" cmpd="sng" algn="ctr">
+                      <a:noFill/>
+                      <a:prstDash val="solid"/>
+                      <a:round/>
+                      <a:headEnd type="none" w="med" len="med"/>
+                      <a:tailEnd type="none" w="med" len="med"/>
+                    </a:lnR>
+                    <a:lnT w="12700" cap="flat" cmpd="sng" algn="ctr">
+                      <a:solidFill>
+                        <a:schemeClr val="tx1"/>
+                      </a:solidFill>
+                      <a:prstDash val="solid"/>
+                      <a:round/>
+                      <a:headEnd type="none" w="med" len="med"/>
+                      <a:tailEnd type="none" w="med" len="med"/>
+                    </a:lnT>
+                    <a:lnB w="12700" cap="flat" cmpd="sng" algn="ctr">
+                      <a:solidFill>
+                        <a:schemeClr val="tx1"/>
+                      </a:solidFill>
+                      <a:prstDash val="solid"/>
+                      <a:round/>
+                      <a:headEnd type="none" w="med" len="med"/>
+                      <a:tailEnd type="none" w="med" len="med"/>
+                    </a:lnB>
+                    <a:solidFill>
+                      <a:schemeClr val="bg1"/>
+                    </a:solidFill>
+                  </a:tcPr>
+                </a:tc>
+                <a:tc>
+                  <a:txBody>
+                    <a:bodyPr/>
+                    <a:lstStyle/>
+                    <a:p>
+                      <a:pPr marL="0" marR="0" lvl="0" indent="0" algn="ctr" defTabSz="457200" rtl="0" eaLnBrk="1" fontAlgn="auto" latinLnBrk="0" hangingPunct="1">
+                        <a:lnSpc>
+                          <a:spcPct val="100000"/>
+                        </a:lnSpc>
+                        <a:spcBef>
+                          <a:spcPts val="0"/>
+                        </a:spcBef>
+                        <a:spcAft>
+                          <a:spcPts val="0"/>
+                        </a:spcAft>
+                        <a:buClrTx/>
+                        <a:buSzTx/>
+                        <a:buFontTx/>
+                        <a:buNone/>
+                        <a:tabLst/>
+                        <a:defRPr/>
+                      </a:pPr>
+                      <a:r>
+                        <a:rPr lang="en-IN" sz="1600" dirty="0">
+                          <a:latin typeface="Arial" panose="020B0604020202020204" pitchFamily="34" charset="0"/>
+                          <a:cs typeface="Arial" panose="020B0604020202020204" pitchFamily="34" charset="0"/>
+                        </a:rPr>
+                        <a:t>*********</a:t>
+                      </a:r>
+                    </a:p>
+                  </a:txBody>
+                  <a:tcPr>
+                    <a:lnL w="12700" cap="flat" cmpd="sng" algn="ctr">
+                      <a:noFill/>
+                      <a:prstDash val="solid"/>
+                      <a:round/>
+                      <a:headEnd type="none" w="med" len="med"/>
+                      <a:tailEnd type="none" w="med" len="med"/>
+                    </a:lnL>
+                    <a:lnR w="12700" cap="flat" cmpd="sng" algn="ctr">
+                      <a:noFill/>
+                      <a:prstDash val="solid"/>
+                      <a:round/>
+                      <a:headEnd type="none" w="med" len="med"/>
+                      <a:tailEnd type="none" w="med" len="med"/>
+                    </a:lnR>
+                    <a:lnT w="12700" cap="flat" cmpd="sng" algn="ctr">
+                      <a:solidFill>
+                        <a:schemeClr val="tx1"/>
+                      </a:solidFill>
+                      <a:prstDash val="solid"/>
+                      <a:round/>
+                      <a:headEnd type="none" w="med" len="med"/>
+                      <a:tailEnd type="none" w="med" len="med"/>
+                    </a:lnT>
+                    <a:lnB w="12700" cap="flat" cmpd="sng" algn="ctr">
+                      <a:solidFill>
+                        <a:schemeClr val="tx1"/>
+                      </a:solidFill>
+                      <a:prstDash val="solid"/>
+                      <a:round/>
+                      <a:headEnd type="none" w="med" len="med"/>
+                      <a:tailEnd type="none" w="med" len="med"/>
+                    </a:lnB>
+                    <a:solidFill>
+                      <a:schemeClr val="bg1"/>
+                    </a:solidFill>
+                  </a:tcPr>
+                </a:tc>
+                <a:tc>
+                  <a:txBody>
+                    <a:bodyPr/>
+                    <a:lstStyle/>
+                    <a:p>
+                      <a:pPr algn="l"/>
+                      <a:r>
+                        <a:rPr lang="en-IN" sz="1600" dirty="0">
+                          <a:latin typeface="Arial" panose="020B0604020202020204" pitchFamily="34" charset="0"/>
+                          <a:cs typeface="Arial" panose="020B0604020202020204" pitchFamily="34" charset="0"/>
+                        </a:rPr>
+                        <a:t>Password of user</a:t>
+                      </a:r>
+                    </a:p>
+                  </a:txBody>
+                  <a:tcPr>
+                    <a:lnL w="12700" cap="flat" cmpd="sng" algn="ctr">
+                      <a:noFill/>
+                      <a:prstDash val="solid"/>
+                      <a:round/>
+                      <a:headEnd type="none" w="med" len="med"/>
+                      <a:tailEnd type="none" w="med" len="med"/>
+                    </a:lnL>
+                    <a:lnR w="12700" cap="flat" cmpd="sng" algn="ctr">
+                      <a:solidFill>
+                        <a:schemeClr val="tx1"/>
+                      </a:solidFill>
+                      <a:prstDash val="solid"/>
+                      <a:round/>
+                      <a:headEnd type="none" w="med" len="med"/>
+                      <a:tailEnd type="none" w="med" len="med"/>
+                    </a:lnR>
+                    <a:lnT w="12700" cap="flat" cmpd="sng" algn="ctr">
+                      <a:solidFill>
+                        <a:schemeClr val="tx1"/>
+                      </a:solidFill>
+                      <a:prstDash val="solid"/>
+                      <a:round/>
+                      <a:headEnd type="none" w="med" len="med"/>
+                      <a:tailEnd type="none" w="med" len="med"/>
+                    </a:lnT>
+                    <a:lnB w="12700" cap="flat" cmpd="sng" algn="ctr">
+                      <a:solidFill>
+                        <a:schemeClr val="tx1"/>
+                      </a:solidFill>
+                      <a:prstDash val="solid"/>
+                      <a:round/>
+                      <a:headEnd type="none" w="med" len="med"/>
+                      <a:tailEnd type="none" w="med" len="med"/>
+                    </a:lnB>
+                    <a:solidFill>
+                      <a:schemeClr val="bg1"/>
+                    </a:solidFill>
+                  </a:tcPr>
+                </a:tc>
+                <a:extLst>
+                  <a:ext uri="{0D108BD9-81ED-4DB2-BD59-A6C34878D82A}">
+                    <a16:rowId xmlns:a16="http://schemas.microsoft.com/office/drawing/2014/main" val="1308555880"/>
+                  </a:ext>
+                </a:extLst>
+              </a:tr>
+              <a:tr h="436228">
+                <a:tc>
+                  <a:txBody>
+                    <a:bodyPr/>
+                    <a:lstStyle/>
+                    <a:p>
+                      <a:r>
+                        <a:rPr lang="en-IN" sz="1600" dirty="0" err="1">
+                          <a:solidFill>
+                            <a:srgbClr val="C00000"/>
+                          </a:solidFill>
+                          <a:latin typeface="Arial" panose="020B0604020202020204" pitchFamily="34" charset="0"/>
+                          <a:cs typeface="Arial" panose="020B0604020202020204" pitchFamily="34" charset="0"/>
+                        </a:rPr>
+                        <a:t>telNo</a:t>
+                      </a:r>
+                      <a:endParaRPr lang="en-IN" sz="1600" dirty="0">
+                        <a:solidFill>
+                          <a:srgbClr val="C00000"/>
+                        </a:solidFill>
+                        <a:latin typeface="Arial" panose="020B0604020202020204" pitchFamily="34" charset="0"/>
+                        <a:cs typeface="Arial" panose="020B0604020202020204" pitchFamily="34" charset="0"/>
+                      </a:endParaRPr>
+                    </a:p>
+                  </a:txBody>
+                  <a:tcPr>
+                    <a:lnL w="12700" cap="flat" cmpd="sng" algn="ctr">
+                      <a:solidFill>
+                        <a:schemeClr val="tx1"/>
+                      </a:solidFill>
+                      <a:prstDash val="solid"/>
+                      <a:round/>
+                      <a:headEnd type="none" w="med" len="med"/>
+                      <a:tailEnd type="none" w="med" len="med"/>
+                    </a:lnL>
+                    <a:lnR w="12700" cap="flat" cmpd="sng" algn="ctr">
+                      <a:noFill/>
+                      <a:prstDash val="solid"/>
+                      <a:round/>
+                      <a:headEnd type="none" w="med" len="med"/>
+                      <a:tailEnd type="none" w="med" len="med"/>
+                    </a:lnR>
+                    <a:lnT w="12700" cap="flat" cmpd="sng" algn="ctr">
+                      <a:solidFill>
+                        <a:schemeClr val="tx1"/>
+                      </a:solidFill>
+                      <a:prstDash val="solid"/>
+                      <a:round/>
+                      <a:headEnd type="none" w="med" len="med"/>
+                      <a:tailEnd type="none" w="med" len="med"/>
+                    </a:lnT>
+                    <a:lnB w="12700" cap="flat" cmpd="sng" algn="ctr">
+                      <a:solidFill>
+                        <a:schemeClr val="tx1"/>
+                      </a:solidFill>
+                      <a:prstDash val="solid"/>
+                      <a:round/>
+                      <a:headEnd type="none" w="med" len="med"/>
+                      <a:tailEnd type="none" w="med" len="med"/>
+                    </a:lnB>
+                    <a:solidFill>
+                      <a:schemeClr val="bg1"/>
+                    </a:solidFill>
+                  </a:tcPr>
+                </a:tc>
+                <a:tc>
+                  <a:txBody>
+                    <a:bodyPr/>
+                    <a:lstStyle/>
+                    <a:p>
+                      <a:pPr algn="ctr"/>
+                      <a:r>
+                        <a:rPr lang="en-IN" sz="1600" dirty="0">
+                          <a:latin typeface="Arial" panose="020B0604020202020204" pitchFamily="34" charset="0"/>
+                          <a:cs typeface="Arial" panose="020B0604020202020204" pitchFamily="34" charset="0"/>
+                        </a:rPr>
+                        <a:t>Integer</a:t>
+                      </a:r>
+                    </a:p>
+                  </a:txBody>
+                  <a:tcPr>
+                    <a:lnL w="12700" cap="flat" cmpd="sng" algn="ctr">
+                      <a:noFill/>
+                      <a:prstDash val="solid"/>
+                      <a:round/>
+                      <a:headEnd type="none" w="med" len="med"/>
+                      <a:tailEnd type="none" w="med" len="med"/>
+                    </a:lnL>
+                    <a:lnR w="12700" cap="flat" cmpd="sng" algn="ctr">
+                      <a:noFill/>
+                      <a:prstDash val="solid"/>
+                      <a:round/>
+                      <a:headEnd type="none" w="med" len="med"/>
+                      <a:tailEnd type="none" w="med" len="med"/>
+                    </a:lnR>
+                    <a:lnT w="12700" cap="flat" cmpd="sng" algn="ctr">
+                      <a:solidFill>
+                        <a:schemeClr val="tx1"/>
+                      </a:solidFill>
+                      <a:prstDash val="solid"/>
+                      <a:round/>
+                      <a:headEnd type="none" w="med" len="med"/>
+                      <a:tailEnd type="none" w="med" len="med"/>
+                    </a:lnT>
+                    <a:lnB w="12700" cap="flat" cmpd="sng" algn="ctr">
+                      <a:solidFill>
+                        <a:schemeClr val="tx1"/>
+                      </a:solidFill>
+                      <a:prstDash val="solid"/>
+                      <a:round/>
+                      <a:headEnd type="none" w="med" len="med"/>
+                      <a:tailEnd type="none" w="med" len="med"/>
+                    </a:lnB>
+                    <a:solidFill>
+                      <a:schemeClr val="bg1"/>
+                    </a:solidFill>
+                  </a:tcPr>
+                </a:tc>
+                <a:tc>
+                  <a:txBody>
+                    <a:bodyPr/>
+                    <a:lstStyle/>
+                    <a:p>
+                      <a:pPr algn="ctr"/>
+                      <a:r>
+                        <a:rPr lang="en-IN" sz="1600" dirty="0">
+                          <a:latin typeface="Arial" panose="020B0604020202020204" pitchFamily="34" charset="0"/>
+                          <a:cs typeface="Arial" panose="020B0604020202020204" pitchFamily="34" charset="0"/>
+                        </a:rPr>
+                        <a:t>10</a:t>
+                      </a:r>
+                    </a:p>
+                  </a:txBody>
+                  <a:tcPr>
+                    <a:lnL w="12700" cap="flat" cmpd="sng" algn="ctr">
+                      <a:noFill/>
+                      <a:prstDash val="solid"/>
+                      <a:round/>
+                      <a:headEnd type="none" w="med" len="med"/>
+                      <a:tailEnd type="none" w="med" len="med"/>
+                    </a:lnL>
+                    <a:lnR w="12700" cap="flat" cmpd="sng" algn="ctr">
+                      <a:noFill/>
+                      <a:prstDash val="solid"/>
+                      <a:round/>
+                      <a:headEnd type="none" w="med" len="med"/>
+                      <a:tailEnd type="none" w="med" len="med"/>
+                    </a:lnR>
+                    <a:lnT w="12700" cap="flat" cmpd="sng" algn="ctr">
+                      <a:solidFill>
+                        <a:schemeClr val="tx1"/>
+                      </a:solidFill>
+                      <a:prstDash val="solid"/>
+                      <a:round/>
+                      <a:headEnd type="none" w="med" len="med"/>
+                      <a:tailEnd type="none" w="med" len="med"/>
+                    </a:lnT>
+                    <a:lnB w="12700" cap="flat" cmpd="sng" algn="ctr">
+                      <a:solidFill>
+                        <a:schemeClr val="tx1"/>
+                      </a:solidFill>
+                      <a:prstDash val="solid"/>
+                      <a:round/>
+                      <a:headEnd type="none" w="med" len="med"/>
+                      <a:tailEnd type="none" w="med" len="med"/>
+                    </a:lnB>
+                    <a:solidFill>
+                      <a:schemeClr val="bg1"/>
+                    </a:solidFill>
+                  </a:tcPr>
+                </a:tc>
+                <a:tc>
+                  <a:txBody>
+                    <a:bodyPr/>
+                    <a:lstStyle/>
+                    <a:p>
+                      <a:pPr algn="ctr"/>
+                      <a:r>
+                        <a:rPr lang="en-IN" sz="1600" dirty="0">
+                          <a:latin typeface="Arial" panose="020B0604020202020204" pitchFamily="34" charset="0"/>
+                          <a:cs typeface="Arial" panose="020B0604020202020204" pitchFamily="34" charset="0"/>
+                        </a:rPr>
+                        <a:t>9876543210</a:t>
+                      </a:r>
+                    </a:p>
+                  </a:txBody>
+                  <a:tcPr>
+                    <a:lnL w="12700" cap="flat" cmpd="sng" algn="ctr">
+                      <a:noFill/>
+                      <a:prstDash val="solid"/>
+                      <a:round/>
+                      <a:headEnd type="none" w="med" len="med"/>
+                      <a:tailEnd type="none" w="med" len="med"/>
+                    </a:lnL>
+                    <a:lnR w="12700" cap="flat" cmpd="sng" algn="ctr">
+                      <a:noFill/>
+                      <a:prstDash val="solid"/>
+                      <a:round/>
+                      <a:headEnd type="none" w="med" len="med"/>
+                      <a:tailEnd type="none" w="med" len="med"/>
+                    </a:lnR>
+                    <a:lnT w="12700" cap="flat" cmpd="sng" algn="ctr">
+                      <a:solidFill>
+                        <a:schemeClr val="tx1"/>
+                      </a:solidFill>
+                      <a:prstDash val="solid"/>
+                      <a:round/>
+                      <a:headEnd type="none" w="med" len="med"/>
+                      <a:tailEnd type="none" w="med" len="med"/>
+                    </a:lnT>
+                    <a:lnB w="12700" cap="flat" cmpd="sng" algn="ctr">
+                      <a:solidFill>
+                        <a:schemeClr val="tx1"/>
+                      </a:solidFill>
+                      <a:prstDash val="solid"/>
+                      <a:round/>
+                      <a:headEnd type="none" w="med" len="med"/>
+                      <a:tailEnd type="none" w="med" len="med"/>
+                    </a:lnB>
+                    <a:solidFill>
+                      <a:schemeClr val="bg1"/>
+                    </a:solidFill>
+                  </a:tcPr>
+                </a:tc>
+                <a:tc>
+                  <a:txBody>
+                    <a:bodyPr/>
+                    <a:lstStyle/>
+                    <a:p>
+                      <a:pPr algn="l"/>
+                      <a:r>
+                        <a:rPr lang="en-IN" sz="1600" dirty="0">
+                          <a:latin typeface="Arial" panose="020B0604020202020204" pitchFamily="34" charset="0"/>
+                          <a:cs typeface="Arial" panose="020B0604020202020204" pitchFamily="34" charset="0"/>
+                        </a:rPr>
+                        <a:t>Phone number of user</a:t>
+                      </a:r>
+                    </a:p>
+                  </a:txBody>
+                  <a:tcPr>
+                    <a:lnL w="12700" cap="flat" cmpd="sng" algn="ctr">
+                      <a:noFill/>
+                      <a:prstDash val="solid"/>
+                      <a:round/>
+                      <a:headEnd type="none" w="med" len="med"/>
+                      <a:tailEnd type="none" w="med" len="med"/>
+                    </a:lnL>
+                    <a:lnR w="12700" cap="flat" cmpd="sng" algn="ctr">
+                      <a:solidFill>
+                        <a:schemeClr val="tx1"/>
+                      </a:solidFill>
+                      <a:prstDash val="solid"/>
+                      <a:round/>
+                      <a:headEnd type="none" w="med" len="med"/>
+                      <a:tailEnd type="none" w="med" len="med"/>
+                    </a:lnR>
+                    <a:lnT w="12700" cap="flat" cmpd="sng" algn="ctr">
+                      <a:solidFill>
+                        <a:schemeClr val="tx1"/>
+                      </a:solidFill>
+                      <a:prstDash val="solid"/>
+                      <a:round/>
+                      <a:headEnd type="none" w="med" len="med"/>
+                      <a:tailEnd type="none" w="med" len="med"/>
+                    </a:lnT>
+                    <a:lnB w="12700" cap="flat" cmpd="sng" algn="ctr">
+                      <a:solidFill>
+                        <a:schemeClr val="tx1"/>
+                      </a:solidFill>
+                      <a:prstDash val="solid"/>
+                      <a:round/>
+                      <a:headEnd type="none" w="med" len="med"/>
+                      <a:tailEnd type="none" w="med" len="med"/>
+                    </a:lnB>
+                    <a:solidFill>
+                      <a:schemeClr val="bg1"/>
+                    </a:solidFill>
+                  </a:tcPr>
+                </a:tc>
+                <a:extLst>
+                  <a:ext uri="{0D108BD9-81ED-4DB2-BD59-A6C34878D82A}">
+                    <a16:rowId xmlns:a16="http://schemas.microsoft.com/office/drawing/2014/main" val="3580105521"/>
+                  </a:ext>
+                </a:extLst>
+              </a:tr>
+            </a:tbl>
+          </a:graphicData>
+        </a:graphic>
+      </p:graphicFrame>
+      <p:sp>
+        <p:nvSpPr>
+          <p:cNvPr id="4" name="TextBox 3">
+            <a:extLst>
+              <a:ext uri="{FF2B5EF4-FFF2-40B4-BE49-F238E27FC236}">
+                <a16:creationId xmlns:a16="http://schemas.microsoft.com/office/drawing/2014/main" id="{2A175648-BD1A-7F2C-EAF7-D8B85A45E1AD}"/>
+              </a:ext>
+            </a:extLst>
+          </p:cNvPr>
+          <p:cNvSpPr txBox="1"/>
+          <p:nvPr/>
+        </p:nvSpPr>
+        <p:spPr>
+          <a:xfrm>
+            <a:off x="0" y="122133"/>
+            <a:ext cx="12192000" cy="707886"/>
+          </a:xfrm>
+          <a:prstGeom prst="rect">
+            <a:avLst/>
+          </a:prstGeom>
+          <a:noFill/>
+          <a:ln>
+            <a:noFill/>
+          </a:ln>
+          <a:effectLst>
+            <a:glow rad="228600">
+              <a:schemeClr val="accent1">
+                <a:satMod val="175000"/>
+                <a:alpha val="40000"/>
+              </a:schemeClr>
+            </a:glow>
+          </a:effectLst>
+          <a:scene3d>
+            <a:camera prst="orthographicFront">
+              <a:rot lat="0" lon="0" rev="0"/>
+            </a:camera>
+            <a:lightRig rig="contrasting" dir="t">
+              <a:rot lat="0" lon="0" rev="7800000"/>
+            </a:lightRig>
+          </a:scene3d>
+          <a:sp3d>
+            <a:bevelT w="139700" h="139700"/>
+          </a:sp3d>
+        </p:spPr>
+        <p:txBody>
+          <a:bodyPr wrap="square" rtlCol="0">
+            <a:spAutoFit/>
+          </a:bodyPr>
+          <a:lstStyle/>
+          <a:p>
+            <a:pPr algn="ctr"/>
+            <a:r>
+              <a:rPr lang="en-US" sz="4000" b="1" u="sng" dirty="0">
+                <a:solidFill>
+                  <a:schemeClr val="accent1"/>
+                </a:solidFill>
+                <a:effectLst>
+                  <a:outerShdw blurRad="38100" dist="38100" dir="2700000" algn="tl">
+                    <a:srgbClr val="000000">
+                      <a:alpha val="43137"/>
+                    </a:srgbClr>
+                  </a:outerShdw>
+                </a:effectLst>
+                <a:latin typeface="Arial Rounded MT Bold" panose="020F0704030504030204" pitchFamily="34" charset="0"/>
+              </a:rPr>
+              <a:t>Data Dictionary</a:t>
+            </a:r>
+            <a:endParaRPr lang="en-IN" sz="4000" b="1" u="sng" dirty="0">
+              <a:solidFill>
+                <a:schemeClr val="accent1"/>
+              </a:solidFill>
+              <a:effectLst>
+                <a:outerShdw blurRad="38100" dist="38100" dir="2700000" algn="tl">
+                  <a:srgbClr val="000000">
+                    <a:alpha val="43137"/>
+                  </a:srgbClr>
+                </a:outerShdw>
+              </a:effectLst>
+              <a:latin typeface="Arial Rounded MT Bold" panose="020F0704030504030204" pitchFamily="34" charset="0"/>
+            </a:endParaRPr>
+          </a:p>
+        </p:txBody>
+      </p:sp>
+      <p:sp>
+        <p:nvSpPr>
+          <p:cNvPr id="5" name="TextBox 4">
+            <a:extLst>
+              <a:ext uri="{FF2B5EF4-FFF2-40B4-BE49-F238E27FC236}">
+                <a16:creationId xmlns:a16="http://schemas.microsoft.com/office/drawing/2014/main" id="{4C8BDE6F-CA93-9348-197F-24A1F0E8392F}"/>
+              </a:ext>
+            </a:extLst>
+          </p:cNvPr>
+          <p:cNvSpPr txBox="1"/>
+          <p:nvPr/>
+        </p:nvSpPr>
+        <p:spPr>
+          <a:xfrm>
+            <a:off x="1359017" y="1512580"/>
+            <a:ext cx="10386574" cy="400110"/>
+          </a:xfrm>
+          <a:prstGeom prst="rect">
+            <a:avLst/>
+          </a:prstGeom>
+          <a:noFill/>
+        </p:spPr>
+        <p:txBody>
+          <a:bodyPr wrap="square" rtlCol="0" anchor="ctr">
+            <a:spAutoFit/>
+          </a:bodyPr>
+          <a:lstStyle/>
+          <a:p>
+            <a:r>
+              <a:rPr lang="en-IN" sz="2000" i="0" dirty="0">
+                <a:effectLst/>
+                <a:latin typeface="Arial" panose="020B0604020202020204" pitchFamily="34" charset="0"/>
+                <a:cs typeface="Arial" panose="020B0604020202020204" pitchFamily="34" charset="0"/>
+              </a:rPr>
+              <a:t>Data dictionary for User Registration</a:t>
+            </a:r>
+          </a:p>
+        </p:txBody>
+      </p:sp>
+    </p:spTree>
+    <p:extLst>
+      <p:ext uri="{BB962C8B-B14F-4D97-AF65-F5344CB8AC3E}">
+        <p14:creationId xmlns:p14="http://schemas.microsoft.com/office/powerpoint/2010/main" val="3905837405"/>
+      </p:ext>
+    </p:extLst>
+  </p:cSld>
+  <p:clrMapOvr>
+    <a:masterClrMapping/>
+  </p:clrMapOvr>
+</p:sld>
+</file>
+
+<file path=ppt/slides/slide11.xml><?xml version="1.0" encoding="utf-8"?>
+<p:sld xmlns:a="http://schemas.openxmlformats.org/drawingml/2006/main" xmlns:r="http://schemas.openxmlformats.org/officeDocument/2006/relationships" xmlns:p="http://schemas.openxmlformats.org/presentationml/2006/main">
+  <p:cSld>
+    <p:spTree>
+      <p:nvGrpSpPr>
+        <p:cNvPr id="1" name=""/>
+        <p:cNvGrpSpPr/>
+        <p:nvPr/>
+      </p:nvGrpSpPr>
+      <p:grpSpPr>
+        <a:xfrm>
+          <a:off x="0" y="0"/>
+          <a:ext cx="0" cy="0"/>
+          <a:chOff x="0" y="0"/>
+          <a:chExt cx="0" cy="0"/>
+        </a:xfrm>
+      </p:grpSpPr>
+      <p:graphicFrame>
+        <p:nvGraphicFramePr>
+          <p:cNvPr id="3" name="Table 3">
+            <a:extLst>
+              <a:ext uri="{FF2B5EF4-FFF2-40B4-BE49-F238E27FC236}">
+                <a16:creationId xmlns:a16="http://schemas.microsoft.com/office/drawing/2014/main" id="{FE4C500C-DDD7-65C4-F5ED-04F177F057F5}"/>
+              </a:ext>
+            </a:extLst>
+          </p:cNvPr>
+          <p:cNvGraphicFramePr>
+            <a:graphicFrameLocks noGrp="1"/>
+          </p:cNvGraphicFramePr>
+          <p:nvPr>
+            <p:extLst>
+              <p:ext uri="{D42A27DB-BD31-4B8C-83A1-F6EECF244321}">
+                <p14:modId xmlns:p14="http://schemas.microsoft.com/office/powerpoint/2010/main" val="192699410"/>
               </p:ext>
             </p:extLst>
           </p:nvPr>
@@ -7631,7 +10060,7 @@
                     <a:bodyPr/>
                     <a:lstStyle/>
                     <a:p>
-                      <a:pPr algn="ctr"/>
+                      <a:pPr algn="l"/>
                       <a:r>
                         <a:rPr lang="en-IN" sz="1600" dirty="0" err="1">
                           <a:solidFill>
@@ -7906,7 +10335,7 @@
                     <a:bodyPr/>
                     <a:lstStyle/>
                     <a:p>
-                      <a:pPr algn="ctr"/>
+                      <a:pPr algn="l"/>
                       <a:r>
                         <a:rPr lang="en-IN" sz="1600" dirty="0" err="1">
                           <a:solidFill>
@@ -8207,7 +10636,7 @@
                     <a:bodyPr/>
                     <a:lstStyle/>
                     <a:p>
-                      <a:pPr algn="ctr"/>
+                      <a:pPr algn="l"/>
                       <a:r>
                         <a:rPr lang="en-IN" sz="1600" dirty="0" err="1">
                           <a:solidFill>
@@ -8534,7 +10963,7 @@
                     <a:bodyPr/>
                     <a:lstStyle/>
                     <a:p>
-                      <a:pPr algn="ctr"/>
+                      <a:pPr algn="l"/>
                       <a:r>
                         <a:rPr lang="en-IN" sz="1600" dirty="0" err="1">
                           <a:solidFill>
@@ -8819,7 +11248,7 @@
                     <a:bodyPr/>
                     <a:lstStyle/>
                     <a:p>
-                      <a:pPr algn="ctr"/>
+                      <a:pPr algn="l"/>
                       <a:r>
                         <a:rPr lang="en-IN" sz="1600" dirty="0" err="1">
                           <a:solidFill>
@@ -9237,7 +11666,7 @@
 </p:sld>
 </file>
 
-<file path=ppt/slides/slide11.xml><?xml version="1.0" encoding="utf-8"?>
+<file path=ppt/slides/slide12.xml><?xml version="1.0" encoding="utf-8"?>
 <p:sld xmlns:a="http://schemas.openxmlformats.org/drawingml/2006/main" xmlns:r="http://schemas.openxmlformats.org/officeDocument/2006/relationships" xmlns:p="http://schemas.openxmlformats.org/presentationml/2006/main">
   <p:cSld>
     <p:spTree>
@@ -9471,7 +11900,7 @@
 </p:sld>
 </file>
 
-<file path=ppt/slides/slide12.xml><?xml version="1.0" encoding="utf-8"?>
+<file path=ppt/slides/slide13.xml><?xml version="1.0" encoding="utf-8"?>
 <p:sld xmlns:a="http://schemas.openxmlformats.org/drawingml/2006/main" xmlns:r="http://schemas.openxmlformats.org/officeDocument/2006/relationships" xmlns:p="http://schemas.openxmlformats.org/presentationml/2006/main">
   <p:cSld>
     <p:spTree>
@@ -11376,7 +13805,7 @@
 </p:sld>
 </file>
 
-<file path=ppt/slides/slide13.xml><?xml version="1.0" encoding="utf-8"?>
+<file path=ppt/slides/slide14.xml><?xml version="1.0" encoding="utf-8"?>
 <p:sld xmlns:a="http://schemas.openxmlformats.org/drawingml/2006/main" xmlns:r="http://schemas.openxmlformats.org/officeDocument/2006/relationships" xmlns:p="http://schemas.openxmlformats.org/presentationml/2006/main">
   <p:cSld>
     <p:spTree>
@@ -11584,7 +14013,7 @@
 </p:sld>
 </file>
 
-<file path=ppt/slides/slide14.xml><?xml version="1.0" encoding="utf-8"?>
+<file path=ppt/slides/slide15.xml><?xml version="1.0" encoding="utf-8"?>
 <p:sld xmlns:a="http://schemas.openxmlformats.org/drawingml/2006/main" xmlns:r="http://schemas.openxmlformats.org/officeDocument/2006/relationships" xmlns:p="http://schemas.openxmlformats.org/presentationml/2006/main">
   <p:cSld>
     <p:spTree>
@@ -12366,7 +14795,7 @@
 </p:sld>
 </file>
 
-<file path=ppt/slides/slide15.xml><?xml version="1.0" encoding="utf-8"?>
+<file path=ppt/slides/slide16.xml><?xml version="1.0" encoding="utf-8"?>
 <p:sld xmlns:a="http://schemas.openxmlformats.org/drawingml/2006/main" xmlns:r="http://schemas.openxmlformats.org/officeDocument/2006/relationships" xmlns:p="http://schemas.openxmlformats.org/presentationml/2006/main">
   <p:cSld>
     <p:spTree>
@@ -12628,7 +15057,7 @@
 </p:sld>
 </file>
 
-<file path=ppt/slides/slide16.xml><?xml version="1.0" encoding="utf-8"?>
+<file path=ppt/slides/slide17.xml><?xml version="1.0" encoding="utf-8"?>
 <p:sld xmlns:a="http://schemas.openxmlformats.org/drawingml/2006/main" xmlns:r="http://schemas.openxmlformats.org/officeDocument/2006/relationships" xmlns:p="http://schemas.openxmlformats.org/presentationml/2006/main">
   <p:cSld>
     <p:spTree>
@@ -13988,7 +16417,7 @@
 </p:sld>
 </file>
 
-<file path=ppt/slides/slide17.xml><?xml version="1.0" encoding="utf-8"?>
+<file path=ppt/slides/slide18.xml><?xml version="1.0" encoding="utf-8"?>
 <p:sld xmlns:a="http://schemas.openxmlformats.org/drawingml/2006/main" xmlns:r="http://schemas.openxmlformats.org/officeDocument/2006/relationships" xmlns:p="http://schemas.openxmlformats.org/presentationml/2006/main">
   <p:cSld>
     <p:spTree>
@@ -16081,7 +18510,7 @@
 </p:sld>
 </file>
 
-<file path=ppt/slides/slide18.xml><?xml version="1.0" encoding="utf-8"?>
+<file path=ppt/slides/slide19.xml><?xml version="1.0" encoding="utf-8"?>
 <p:sld xmlns:a="http://schemas.openxmlformats.org/drawingml/2006/main" xmlns:r="http://schemas.openxmlformats.org/officeDocument/2006/relationships" xmlns:p="http://schemas.openxmlformats.org/presentationml/2006/main">
   <p:cSld>
     <p:spTree>
@@ -17166,7 +19595,407 @@
 </p:sld>
 </file>
 
-<file path=ppt/slides/slide19.xml><?xml version="1.0" encoding="utf-8"?>
+<file path=ppt/slides/slide2.xml><?xml version="1.0" encoding="utf-8"?>
+<p:sld xmlns:a="http://schemas.openxmlformats.org/drawingml/2006/main" xmlns:r="http://schemas.openxmlformats.org/officeDocument/2006/relationships" xmlns:p="http://schemas.openxmlformats.org/presentationml/2006/main">
+  <p:cSld>
+    <p:spTree>
+      <p:nvGrpSpPr>
+        <p:cNvPr id="1" name=""/>
+        <p:cNvGrpSpPr/>
+        <p:nvPr/>
+      </p:nvGrpSpPr>
+      <p:grpSpPr>
+        <a:xfrm>
+          <a:off x="0" y="0"/>
+          <a:ext cx="0" cy="0"/>
+          <a:chOff x="0" y="0"/>
+          <a:chExt cx="0" cy="0"/>
+        </a:xfrm>
+      </p:grpSpPr>
+      <p:sp>
+        <p:nvSpPr>
+          <p:cNvPr id="5" name="TextBox 4">
+            <a:extLst>
+              <a:ext uri="{FF2B5EF4-FFF2-40B4-BE49-F238E27FC236}">
+                <a16:creationId xmlns:a16="http://schemas.microsoft.com/office/drawing/2014/main" id="{157F819F-4CDE-86A6-C29D-DA023DE92B92}"/>
+              </a:ext>
+            </a:extLst>
+          </p:cNvPr>
+          <p:cNvSpPr txBox="1"/>
+          <p:nvPr/>
+        </p:nvSpPr>
+        <p:spPr>
+          <a:xfrm>
+            <a:off x="1433515" y="1151413"/>
+            <a:ext cx="10386574" cy="5109091"/>
+          </a:xfrm>
+          <a:prstGeom prst="rect">
+            <a:avLst/>
+          </a:prstGeom>
+          <a:noFill/>
+        </p:spPr>
+        <p:txBody>
+          <a:bodyPr wrap="square" rtlCol="0" anchor="ctr">
+            <a:spAutoFit/>
+          </a:bodyPr>
+          <a:lstStyle/>
+          <a:p>
+            <a:pPr marL="342900" indent="-342900">
+              <a:buFont typeface="Wingdings" panose="05000000000000000000" pitchFamily="2" charset="2"/>
+              <a:buChar char="v"/>
+            </a:pPr>
+            <a:r>
+              <a:rPr lang="en-IN" sz="2200" b="1" u="sng" dirty="0">
+                <a:latin typeface="Arial" panose="020B0604020202020204" pitchFamily="34" charset="0"/>
+                <a:cs typeface="Arial" panose="020B0604020202020204" pitchFamily="34" charset="0"/>
+              </a:rPr>
+              <a:t>One Device, Many Books</a:t>
+            </a:r>
+          </a:p>
+          <a:p>
+            <a:r>
+              <a:rPr lang="en-IN" sz="2000" i="0" dirty="0">
+                <a:effectLst/>
+                <a:latin typeface="Arial" panose="020B0604020202020204" pitchFamily="34" charset="0"/>
+                <a:cs typeface="Arial" panose="020B0604020202020204" pitchFamily="34" charset="0"/>
+              </a:rPr>
+              <a:t>	eMaterials are portable and lightweight, making it easy to carry around. </a:t>
+            </a:r>
+          </a:p>
+          <a:p>
+            <a:r>
+              <a:rPr lang="en-IN" sz="2000" dirty="0">
+                <a:latin typeface="Arial" panose="020B0604020202020204" pitchFamily="34" charset="0"/>
+                <a:cs typeface="Arial" panose="020B0604020202020204" pitchFamily="34" charset="0"/>
+              </a:rPr>
+              <a:t>	</a:t>
+            </a:r>
+            <a:r>
+              <a:rPr lang="en-IN" sz="2000" i="0" dirty="0">
+                <a:effectLst/>
+                <a:latin typeface="Arial" panose="020B0604020202020204" pitchFamily="34" charset="0"/>
+                <a:cs typeface="Arial" panose="020B0604020202020204" pitchFamily="34" charset="0"/>
+              </a:rPr>
+              <a:t>Instead 	of carrying multiple bulky books, one eMaterial reader can hold thousands of 	eMaterials. </a:t>
+            </a:r>
+          </a:p>
+          <a:p>
+            <a:r>
+              <a:rPr lang="en-IN" sz="2000" dirty="0">
+                <a:latin typeface="Arial" panose="020B0604020202020204" pitchFamily="34" charset="0"/>
+                <a:cs typeface="Arial" panose="020B0604020202020204" pitchFamily="34" charset="0"/>
+              </a:rPr>
+              <a:t>	</a:t>
+            </a:r>
+            <a:r>
+              <a:rPr lang="en-IN" sz="2000" i="0" dirty="0">
+                <a:effectLst/>
+                <a:latin typeface="Arial" panose="020B0604020202020204" pitchFamily="34" charset="0"/>
+                <a:cs typeface="Arial" panose="020B0604020202020204" pitchFamily="34" charset="0"/>
+              </a:rPr>
+              <a:t>It saves a lot of space in your home and in your bag.</a:t>
+            </a:r>
+          </a:p>
+          <a:p>
+            <a:endParaRPr lang="en-IN" sz="2000" i="0" dirty="0">
+              <a:effectLst/>
+              <a:latin typeface="Arial" panose="020B0604020202020204" pitchFamily="34" charset="0"/>
+              <a:cs typeface="Arial" panose="020B0604020202020204" pitchFamily="34" charset="0"/>
+            </a:endParaRPr>
+          </a:p>
+          <a:p>
+            <a:pPr marL="342900" indent="-342900">
+              <a:buFont typeface="Wingdings" panose="05000000000000000000" pitchFamily="2" charset="2"/>
+              <a:buChar char="v"/>
+            </a:pPr>
+            <a:r>
+              <a:rPr lang="en-IN" sz="2200" b="1" i="0" u="sng" dirty="0">
+                <a:effectLst/>
+                <a:latin typeface="Arial" panose="020B0604020202020204" pitchFamily="34" charset="0"/>
+                <a:cs typeface="Arial" panose="020B0604020202020204" pitchFamily="34" charset="0"/>
+              </a:rPr>
+              <a:t>Accessible Everywhere</a:t>
+            </a:r>
+          </a:p>
+          <a:p>
+            <a:r>
+              <a:rPr lang="en-IN" sz="2000" b="0" i="0" dirty="0">
+                <a:effectLst/>
+                <a:latin typeface="Arial" panose="020B0604020202020204" pitchFamily="34" charset="0"/>
+                <a:cs typeface="Arial" panose="020B0604020202020204" pitchFamily="34" charset="0"/>
+              </a:rPr>
+              <a:t>	eMaterials can be downloaded and stored for later use. </a:t>
+            </a:r>
+          </a:p>
+          <a:p>
+            <a:r>
+              <a:rPr lang="en-IN" sz="2000" b="0" i="0" dirty="0">
+                <a:effectLst/>
+                <a:latin typeface="Arial" panose="020B0604020202020204" pitchFamily="34" charset="0"/>
+                <a:cs typeface="Arial" panose="020B0604020202020204" pitchFamily="34" charset="0"/>
+              </a:rPr>
+              <a:t>	One can carry the eMaterial around and read them whenever they want. </a:t>
+            </a:r>
+          </a:p>
+          <a:p>
+            <a:r>
+              <a:rPr lang="en-IN" sz="2000" dirty="0">
+                <a:latin typeface="Arial" panose="020B0604020202020204" pitchFamily="34" charset="0"/>
+                <a:cs typeface="Arial" panose="020B0604020202020204" pitchFamily="34" charset="0"/>
+              </a:rPr>
+              <a:t>	</a:t>
+            </a:r>
+            <a:r>
+              <a:rPr lang="en-IN" sz="2000" b="0" i="0" dirty="0">
+                <a:effectLst/>
+                <a:latin typeface="Arial" panose="020B0604020202020204" pitchFamily="34" charset="0"/>
+                <a:cs typeface="Arial" panose="020B0604020202020204" pitchFamily="34" charset="0"/>
+              </a:rPr>
+              <a:t>Students can go through the learning material while at home and even while travelling.</a:t>
+            </a:r>
+          </a:p>
+          <a:p>
+            <a:r>
+              <a:rPr lang="en-IN" sz="2000" dirty="0">
+                <a:latin typeface="Arial" panose="020B0604020202020204" pitchFamily="34" charset="0"/>
+                <a:cs typeface="Arial" panose="020B0604020202020204" pitchFamily="34" charset="0"/>
+              </a:rPr>
+              <a:t>	</a:t>
+            </a:r>
+            <a:r>
+              <a:rPr lang="en-IN" sz="2000" b="0" i="0" dirty="0">
+                <a:effectLst/>
+                <a:latin typeface="Arial" panose="020B0604020202020204" pitchFamily="34" charset="0"/>
+                <a:cs typeface="Arial" panose="020B0604020202020204" pitchFamily="34" charset="0"/>
+              </a:rPr>
+              <a:t>It is convenient for people on the go.</a:t>
+            </a:r>
+            <a:endParaRPr lang="en-IN" sz="2000" b="0" dirty="0">
+              <a:latin typeface="Arial" panose="020B0604020202020204" pitchFamily="34" charset="0"/>
+              <a:cs typeface="Arial" panose="020B0604020202020204" pitchFamily="34" charset="0"/>
+            </a:endParaRPr>
+          </a:p>
+          <a:p>
+            <a:endParaRPr lang="en-IN" sz="2000" i="0" dirty="0">
+              <a:effectLst/>
+              <a:latin typeface="Arial" panose="020B0604020202020204" pitchFamily="34" charset="0"/>
+              <a:cs typeface="Arial" panose="020B0604020202020204" pitchFamily="34" charset="0"/>
+            </a:endParaRPr>
+          </a:p>
+          <a:p>
+            <a:pPr marL="342900" indent="-342900">
+              <a:buFont typeface="Wingdings" panose="05000000000000000000" pitchFamily="2" charset="2"/>
+              <a:buChar char="v"/>
+            </a:pPr>
+            <a:r>
+              <a:rPr lang="en-IN" sz="2200" b="1" i="0" u="sng" dirty="0">
+                <a:effectLst/>
+                <a:latin typeface="Arial" panose="020B0604020202020204" pitchFamily="34" charset="0"/>
+                <a:cs typeface="Arial" panose="020B0604020202020204" pitchFamily="34" charset="0"/>
+              </a:rPr>
+              <a:t>Shareable Content</a:t>
+            </a:r>
+          </a:p>
+          <a:p>
+            <a:r>
+              <a:rPr lang="en-IN" sz="2000" b="0" i="0" dirty="0">
+                <a:effectLst/>
+                <a:latin typeface="Arial" panose="020B0604020202020204" pitchFamily="34" charset="0"/>
+                <a:cs typeface="Arial" panose="020B0604020202020204" pitchFamily="34" charset="0"/>
+              </a:rPr>
+              <a:t>	You can share the eMaterial contents with multiple users. </a:t>
+            </a:r>
+          </a:p>
+          <a:p>
+            <a:r>
+              <a:rPr lang="en-IN" sz="2000" dirty="0">
+                <a:latin typeface="Arial" panose="020B0604020202020204" pitchFamily="34" charset="0"/>
+                <a:cs typeface="Arial" panose="020B0604020202020204" pitchFamily="34" charset="0"/>
+              </a:rPr>
+              <a:t>	</a:t>
+            </a:r>
+            <a:r>
+              <a:rPr lang="en-IN" sz="2000" b="0" i="0" dirty="0">
+                <a:effectLst/>
+                <a:latin typeface="Arial" panose="020B0604020202020204" pitchFamily="34" charset="0"/>
+                <a:cs typeface="Arial" panose="020B0604020202020204" pitchFamily="34" charset="0"/>
+              </a:rPr>
+              <a:t>The social feature on the eMaterial allows </a:t>
+            </a:r>
+            <a:r>
+              <a:rPr lang="en-IN" sz="2000" dirty="0">
+                <a:latin typeface="Arial" panose="020B0604020202020204" pitchFamily="34" charset="0"/>
+                <a:cs typeface="Arial" panose="020B0604020202020204" pitchFamily="34" charset="0"/>
+              </a:rPr>
+              <a:t>URL </a:t>
+            </a:r>
+            <a:r>
+              <a:rPr lang="en-IN" sz="2000" b="0" i="0" dirty="0">
+                <a:effectLst/>
+                <a:latin typeface="Arial" panose="020B0604020202020204" pitchFamily="34" charset="0"/>
+                <a:cs typeface="Arial" panose="020B0604020202020204" pitchFamily="34" charset="0"/>
+              </a:rPr>
+              <a:t>sharing, which is not possible with 	printed books.</a:t>
+            </a:r>
+            <a:endParaRPr lang="en-IN" sz="2000" i="0" dirty="0">
+              <a:effectLst/>
+              <a:latin typeface="Arial" panose="020B0604020202020204" pitchFamily="34" charset="0"/>
+              <a:cs typeface="Arial" panose="020B0604020202020204" pitchFamily="34" charset="0"/>
+            </a:endParaRPr>
+          </a:p>
+        </p:txBody>
+      </p:sp>
+      <p:sp>
+        <p:nvSpPr>
+          <p:cNvPr id="6" name="Title 1">
+            <a:extLst>
+              <a:ext uri="{FF2B5EF4-FFF2-40B4-BE49-F238E27FC236}">
+                <a16:creationId xmlns:a16="http://schemas.microsoft.com/office/drawing/2014/main" id="{A6B8726D-05FE-3A9F-9E38-F62E2F59DEE3}"/>
+              </a:ext>
+            </a:extLst>
+          </p:cNvPr>
+          <p:cNvSpPr txBox="1">
+            <a:spLocks/>
+          </p:cNvSpPr>
+          <p:nvPr/>
+        </p:nvSpPr>
+        <p:spPr>
+          <a:xfrm>
+            <a:off x="1" y="129055"/>
+            <a:ext cx="12192000" cy="542636"/>
+          </a:xfrm>
+          <a:prstGeom prst="rect">
+            <a:avLst/>
+          </a:prstGeom>
+          <a:effectLst/>
+        </p:spPr>
+        <p:txBody>
+          <a:bodyPr vert="horz" lIns="91440" tIns="45720" rIns="91440" bIns="45720" rtlCol="0" anchor="ctr">
+            <a:noAutofit/>
+          </a:bodyPr>
+          <a:lstStyle>
+            <a:lvl1pPr algn="ctr" defTabSz="457200" rtl="0" eaLnBrk="1" latinLnBrk="0" hangingPunct="1">
+              <a:spcBef>
+                <a:spcPct val="0"/>
+              </a:spcBef>
+              <a:buNone/>
+              <a:defRPr sz="4000" kern="1200" cap="none">
+                <a:ln w="3175" cmpd="sng">
+                  <a:noFill/>
+                </a:ln>
+                <a:solidFill>
+                  <a:schemeClr val="tx1"/>
+                </a:solidFill>
+                <a:effectLst/>
+                <a:latin typeface="+mj-lt"/>
+                <a:ea typeface="+mj-ea"/>
+                <a:cs typeface="+mj-cs"/>
+              </a:defRPr>
+            </a:lvl1pPr>
+            <a:lvl2pPr eaLnBrk="1" hangingPunct="1">
+              <a:defRPr>
+                <a:solidFill>
+                  <a:schemeClr val="tx2"/>
+                </a:solidFill>
+              </a:defRPr>
+            </a:lvl2pPr>
+            <a:lvl3pPr eaLnBrk="1" hangingPunct="1">
+              <a:defRPr>
+                <a:solidFill>
+                  <a:schemeClr val="tx2"/>
+                </a:solidFill>
+              </a:defRPr>
+            </a:lvl3pPr>
+            <a:lvl4pPr eaLnBrk="1" hangingPunct="1">
+              <a:defRPr>
+                <a:solidFill>
+                  <a:schemeClr val="tx2"/>
+                </a:solidFill>
+              </a:defRPr>
+            </a:lvl4pPr>
+            <a:lvl5pPr eaLnBrk="1" hangingPunct="1">
+              <a:defRPr>
+                <a:solidFill>
+                  <a:schemeClr val="tx2"/>
+                </a:solidFill>
+              </a:defRPr>
+            </a:lvl5pPr>
+            <a:lvl6pPr eaLnBrk="1" hangingPunct="1">
+              <a:defRPr>
+                <a:solidFill>
+                  <a:schemeClr val="tx2"/>
+                </a:solidFill>
+              </a:defRPr>
+            </a:lvl6pPr>
+            <a:lvl7pPr eaLnBrk="1" hangingPunct="1">
+              <a:defRPr>
+                <a:solidFill>
+                  <a:schemeClr val="tx2"/>
+                </a:solidFill>
+              </a:defRPr>
+            </a:lvl7pPr>
+            <a:lvl8pPr eaLnBrk="1" hangingPunct="1">
+              <a:defRPr>
+                <a:solidFill>
+                  <a:schemeClr val="tx2"/>
+                </a:solidFill>
+              </a:defRPr>
+            </a:lvl8pPr>
+            <a:lvl9pPr eaLnBrk="1" hangingPunct="1">
+              <a:defRPr>
+                <a:solidFill>
+                  <a:schemeClr val="tx2"/>
+                </a:solidFill>
+              </a:defRPr>
+            </a:lvl9pPr>
+          </a:lstStyle>
+          <a:p>
+            <a:r>
+              <a:rPr lang="en-US" b="1" u="sng" dirty="0">
+                <a:solidFill>
+                  <a:schemeClr val="accent1"/>
+                </a:solidFill>
+                <a:effectLst>
+                  <a:outerShdw blurRad="38100" dist="38100" dir="2700000" algn="tl">
+                    <a:srgbClr val="000000">
+                      <a:alpha val="43137"/>
+                    </a:srgbClr>
+                  </a:outerShdw>
+                </a:effectLst>
+                <a:latin typeface="Arial Rounded MT Bold" panose="020F0704030504030204" pitchFamily="34" charset="0"/>
+              </a:rPr>
+              <a:t>Why we need eMaterial?</a:t>
+            </a:r>
+            <a:endParaRPr lang="en-IN" b="1" u="sng" dirty="0">
+              <a:solidFill>
+                <a:schemeClr val="accent1"/>
+              </a:solidFill>
+              <a:effectLst>
+                <a:outerShdw blurRad="38100" dist="38100" dir="2700000" algn="tl">
+                  <a:srgbClr val="000000">
+                    <a:alpha val="43137"/>
+                  </a:srgbClr>
+                </a:outerShdw>
+              </a:effectLst>
+              <a:latin typeface="Arial Rounded MT Bold" panose="020F0704030504030204" pitchFamily="34" charset="0"/>
+            </a:endParaRPr>
+          </a:p>
+        </p:txBody>
+      </p:sp>
+    </p:spTree>
+    <p:extLst>
+      <p:ext uri="{BB962C8B-B14F-4D97-AF65-F5344CB8AC3E}">
+        <p14:creationId xmlns:p14="http://schemas.microsoft.com/office/powerpoint/2010/main" val="1427273053"/>
+      </p:ext>
+    </p:extLst>
+  </p:cSld>
+  <p:clrMapOvr>
+    <a:masterClrMapping/>
+  </p:clrMapOvr>
+</p:sld>
+</file>
+
+<file path=ppt/slides/slide20.xml><?xml version="1.0" encoding="utf-8"?>
 <p:sld xmlns:a="http://schemas.openxmlformats.org/drawingml/2006/main" xmlns:r="http://schemas.openxmlformats.org/officeDocument/2006/relationships" xmlns:p="http://schemas.openxmlformats.org/presentationml/2006/main">
   <p:cSld>
     <p:spTree>
@@ -17438,407 +20267,7 @@
 </p:sld>
 </file>
 
-<file path=ppt/slides/slide2.xml><?xml version="1.0" encoding="utf-8"?>
-<p:sld xmlns:a="http://schemas.openxmlformats.org/drawingml/2006/main" xmlns:r="http://schemas.openxmlformats.org/officeDocument/2006/relationships" xmlns:p="http://schemas.openxmlformats.org/presentationml/2006/main">
-  <p:cSld>
-    <p:spTree>
-      <p:nvGrpSpPr>
-        <p:cNvPr id="1" name=""/>
-        <p:cNvGrpSpPr/>
-        <p:nvPr/>
-      </p:nvGrpSpPr>
-      <p:grpSpPr>
-        <a:xfrm>
-          <a:off x="0" y="0"/>
-          <a:ext cx="0" cy="0"/>
-          <a:chOff x="0" y="0"/>
-          <a:chExt cx="0" cy="0"/>
-        </a:xfrm>
-      </p:grpSpPr>
-      <p:sp>
-        <p:nvSpPr>
-          <p:cNvPr id="5" name="TextBox 4">
-            <a:extLst>
-              <a:ext uri="{FF2B5EF4-FFF2-40B4-BE49-F238E27FC236}">
-                <a16:creationId xmlns:a16="http://schemas.microsoft.com/office/drawing/2014/main" id="{157F819F-4CDE-86A6-C29D-DA023DE92B92}"/>
-              </a:ext>
-            </a:extLst>
-          </p:cNvPr>
-          <p:cNvSpPr txBox="1"/>
-          <p:nvPr/>
-        </p:nvSpPr>
-        <p:spPr>
-          <a:xfrm>
-            <a:off x="1433515" y="1151413"/>
-            <a:ext cx="10386574" cy="5109091"/>
-          </a:xfrm>
-          <a:prstGeom prst="rect">
-            <a:avLst/>
-          </a:prstGeom>
-          <a:noFill/>
-        </p:spPr>
-        <p:txBody>
-          <a:bodyPr wrap="square" rtlCol="0" anchor="ctr">
-            <a:spAutoFit/>
-          </a:bodyPr>
-          <a:lstStyle/>
-          <a:p>
-            <a:pPr marL="342900" indent="-342900">
-              <a:buFont typeface="Wingdings" panose="05000000000000000000" pitchFamily="2" charset="2"/>
-              <a:buChar char="v"/>
-            </a:pPr>
-            <a:r>
-              <a:rPr lang="en-IN" sz="2200" b="1" u="sng" dirty="0">
-                <a:latin typeface="Arial" panose="020B0604020202020204" pitchFamily="34" charset="0"/>
-                <a:cs typeface="Arial" panose="020B0604020202020204" pitchFamily="34" charset="0"/>
-              </a:rPr>
-              <a:t>One Device, Many Books</a:t>
-            </a:r>
-          </a:p>
-          <a:p>
-            <a:r>
-              <a:rPr lang="en-IN" sz="2000" i="0" dirty="0">
-                <a:effectLst/>
-                <a:latin typeface="Arial" panose="020B0604020202020204" pitchFamily="34" charset="0"/>
-                <a:cs typeface="Arial" panose="020B0604020202020204" pitchFamily="34" charset="0"/>
-              </a:rPr>
-              <a:t>	eMaterials are portable and lightweight, making it easy to carry around. </a:t>
-            </a:r>
-          </a:p>
-          <a:p>
-            <a:r>
-              <a:rPr lang="en-IN" sz="2000" dirty="0">
-                <a:latin typeface="Arial" panose="020B0604020202020204" pitchFamily="34" charset="0"/>
-                <a:cs typeface="Arial" panose="020B0604020202020204" pitchFamily="34" charset="0"/>
-              </a:rPr>
-              <a:t>	</a:t>
-            </a:r>
-            <a:r>
-              <a:rPr lang="en-IN" sz="2000" i="0" dirty="0">
-                <a:effectLst/>
-                <a:latin typeface="Arial" panose="020B0604020202020204" pitchFamily="34" charset="0"/>
-                <a:cs typeface="Arial" panose="020B0604020202020204" pitchFamily="34" charset="0"/>
-              </a:rPr>
-              <a:t>Instead 	of carrying multiple bulky books, one eMaterial reader can hold thousands of 	eMaterials. </a:t>
-            </a:r>
-          </a:p>
-          <a:p>
-            <a:r>
-              <a:rPr lang="en-IN" sz="2000" dirty="0">
-                <a:latin typeface="Arial" panose="020B0604020202020204" pitchFamily="34" charset="0"/>
-                <a:cs typeface="Arial" panose="020B0604020202020204" pitchFamily="34" charset="0"/>
-              </a:rPr>
-              <a:t>	</a:t>
-            </a:r>
-            <a:r>
-              <a:rPr lang="en-IN" sz="2000" i="0" dirty="0">
-                <a:effectLst/>
-                <a:latin typeface="Arial" panose="020B0604020202020204" pitchFamily="34" charset="0"/>
-                <a:cs typeface="Arial" panose="020B0604020202020204" pitchFamily="34" charset="0"/>
-              </a:rPr>
-              <a:t>It saves a lot of space in your home and in your bag.</a:t>
-            </a:r>
-          </a:p>
-          <a:p>
-            <a:endParaRPr lang="en-IN" sz="2000" i="0" dirty="0">
-              <a:effectLst/>
-              <a:latin typeface="Arial" panose="020B0604020202020204" pitchFamily="34" charset="0"/>
-              <a:cs typeface="Arial" panose="020B0604020202020204" pitchFamily="34" charset="0"/>
-            </a:endParaRPr>
-          </a:p>
-          <a:p>
-            <a:pPr marL="342900" indent="-342900">
-              <a:buFont typeface="Wingdings" panose="05000000000000000000" pitchFamily="2" charset="2"/>
-              <a:buChar char="v"/>
-            </a:pPr>
-            <a:r>
-              <a:rPr lang="en-IN" sz="2200" b="1" i="0" u="sng" dirty="0">
-                <a:effectLst/>
-                <a:latin typeface="Arial" panose="020B0604020202020204" pitchFamily="34" charset="0"/>
-                <a:cs typeface="Arial" panose="020B0604020202020204" pitchFamily="34" charset="0"/>
-              </a:rPr>
-              <a:t>Accessible Everywhere</a:t>
-            </a:r>
-          </a:p>
-          <a:p>
-            <a:r>
-              <a:rPr lang="en-IN" sz="2000" b="0" i="0" dirty="0">
-                <a:effectLst/>
-                <a:latin typeface="Arial" panose="020B0604020202020204" pitchFamily="34" charset="0"/>
-                <a:cs typeface="Arial" panose="020B0604020202020204" pitchFamily="34" charset="0"/>
-              </a:rPr>
-              <a:t>	eMaterials can be downloaded and stored for later use. </a:t>
-            </a:r>
-          </a:p>
-          <a:p>
-            <a:r>
-              <a:rPr lang="en-IN" sz="2000" b="0" i="0" dirty="0">
-                <a:effectLst/>
-                <a:latin typeface="Arial" panose="020B0604020202020204" pitchFamily="34" charset="0"/>
-                <a:cs typeface="Arial" panose="020B0604020202020204" pitchFamily="34" charset="0"/>
-              </a:rPr>
-              <a:t>	One can carry the eMaterial around and read them whenever they want. </a:t>
-            </a:r>
-          </a:p>
-          <a:p>
-            <a:r>
-              <a:rPr lang="en-IN" sz="2000" dirty="0">
-                <a:latin typeface="Arial" panose="020B0604020202020204" pitchFamily="34" charset="0"/>
-                <a:cs typeface="Arial" panose="020B0604020202020204" pitchFamily="34" charset="0"/>
-              </a:rPr>
-              <a:t>	</a:t>
-            </a:r>
-            <a:r>
-              <a:rPr lang="en-IN" sz="2000" b="0" i="0" dirty="0">
-                <a:effectLst/>
-                <a:latin typeface="Arial" panose="020B0604020202020204" pitchFamily="34" charset="0"/>
-                <a:cs typeface="Arial" panose="020B0604020202020204" pitchFamily="34" charset="0"/>
-              </a:rPr>
-              <a:t>Students can go through the learning material while at home and even while travelling.</a:t>
-            </a:r>
-          </a:p>
-          <a:p>
-            <a:r>
-              <a:rPr lang="en-IN" sz="2000" dirty="0">
-                <a:latin typeface="Arial" panose="020B0604020202020204" pitchFamily="34" charset="0"/>
-                <a:cs typeface="Arial" panose="020B0604020202020204" pitchFamily="34" charset="0"/>
-              </a:rPr>
-              <a:t>	</a:t>
-            </a:r>
-            <a:r>
-              <a:rPr lang="en-IN" sz="2000" b="0" i="0" dirty="0">
-                <a:effectLst/>
-                <a:latin typeface="Arial" panose="020B0604020202020204" pitchFamily="34" charset="0"/>
-                <a:cs typeface="Arial" panose="020B0604020202020204" pitchFamily="34" charset="0"/>
-              </a:rPr>
-              <a:t>It is convenient for people on the go.</a:t>
-            </a:r>
-            <a:endParaRPr lang="en-IN" sz="2000" b="0" dirty="0">
-              <a:latin typeface="Arial" panose="020B0604020202020204" pitchFamily="34" charset="0"/>
-              <a:cs typeface="Arial" panose="020B0604020202020204" pitchFamily="34" charset="0"/>
-            </a:endParaRPr>
-          </a:p>
-          <a:p>
-            <a:endParaRPr lang="en-IN" sz="2000" i="0" dirty="0">
-              <a:effectLst/>
-              <a:latin typeface="Arial" panose="020B0604020202020204" pitchFamily="34" charset="0"/>
-              <a:cs typeface="Arial" panose="020B0604020202020204" pitchFamily="34" charset="0"/>
-            </a:endParaRPr>
-          </a:p>
-          <a:p>
-            <a:pPr marL="342900" indent="-342900">
-              <a:buFont typeface="Wingdings" panose="05000000000000000000" pitchFamily="2" charset="2"/>
-              <a:buChar char="v"/>
-            </a:pPr>
-            <a:r>
-              <a:rPr lang="en-IN" sz="2200" b="1" i="0" u="sng" dirty="0">
-                <a:effectLst/>
-                <a:latin typeface="Arial" panose="020B0604020202020204" pitchFamily="34" charset="0"/>
-                <a:cs typeface="Arial" panose="020B0604020202020204" pitchFamily="34" charset="0"/>
-              </a:rPr>
-              <a:t>Shareable Content</a:t>
-            </a:r>
-          </a:p>
-          <a:p>
-            <a:r>
-              <a:rPr lang="en-IN" sz="2000" b="0" i="0" dirty="0">
-                <a:effectLst/>
-                <a:latin typeface="Arial" panose="020B0604020202020204" pitchFamily="34" charset="0"/>
-                <a:cs typeface="Arial" panose="020B0604020202020204" pitchFamily="34" charset="0"/>
-              </a:rPr>
-              <a:t>	You can share the eMaterial contents with multiple users. </a:t>
-            </a:r>
-          </a:p>
-          <a:p>
-            <a:r>
-              <a:rPr lang="en-IN" sz="2000" dirty="0">
-                <a:latin typeface="Arial" panose="020B0604020202020204" pitchFamily="34" charset="0"/>
-                <a:cs typeface="Arial" panose="020B0604020202020204" pitchFamily="34" charset="0"/>
-              </a:rPr>
-              <a:t>	</a:t>
-            </a:r>
-            <a:r>
-              <a:rPr lang="en-IN" sz="2000" b="0" i="0" dirty="0">
-                <a:effectLst/>
-                <a:latin typeface="Arial" panose="020B0604020202020204" pitchFamily="34" charset="0"/>
-                <a:cs typeface="Arial" panose="020B0604020202020204" pitchFamily="34" charset="0"/>
-              </a:rPr>
-              <a:t>The social feature on the eMaterial allows </a:t>
-            </a:r>
-            <a:r>
-              <a:rPr lang="en-IN" sz="2000" dirty="0">
-                <a:latin typeface="Arial" panose="020B0604020202020204" pitchFamily="34" charset="0"/>
-                <a:cs typeface="Arial" panose="020B0604020202020204" pitchFamily="34" charset="0"/>
-              </a:rPr>
-              <a:t>URL </a:t>
-            </a:r>
-            <a:r>
-              <a:rPr lang="en-IN" sz="2000" b="0" i="0" dirty="0">
-                <a:effectLst/>
-                <a:latin typeface="Arial" panose="020B0604020202020204" pitchFamily="34" charset="0"/>
-                <a:cs typeface="Arial" panose="020B0604020202020204" pitchFamily="34" charset="0"/>
-              </a:rPr>
-              <a:t>sharing, which is not possible with 	printed books.</a:t>
-            </a:r>
-            <a:endParaRPr lang="en-IN" sz="2000" i="0" dirty="0">
-              <a:effectLst/>
-              <a:latin typeface="Arial" panose="020B0604020202020204" pitchFamily="34" charset="0"/>
-              <a:cs typeface="Arial" panose="020B0604020202020204" pitchFamily="34" charset="0"/>
-            </a:endParaRPr>
-          </a:p>
-        </p:txBody>
-      </p:sp>
-      <p:sp>
-        <p:nvSpPr>
-          <p:cNvPr id="6" name="Title 1">
-            <a:extLst>
-              <a:ext uri="{FF2B5EF4-FFF2-40B4-BE49-F238E27FC236}">
-                <a16:creationId xmlns:a16="http://schemas.microsoft.com/office/drawing/2014/main" id="{A6B8726D-05FE-3A9F-9E38-F62E2F59DEE3}"/>
-              </a:ext>
-            </a:extLst>
-          </p:cNvPr>
-          <p:cNvSpPr txBox="1">
-            <a:spLocks/>
-          </p:cNvSpPr>
-          <p:nvPr/>
-        </p:nvSpPr>
-        <p:spPr>
-          <a:xfrm>
-            <a:off x="1" y="129055"/>
-            <a:ext cx="12192000" cy="542636"/>
-          </a:xfrm>
-          <a:prstGeom prst="rect">
-            <a:avLst/>
-          </a:prstGeom>
-          <a:effectLst/>
-        </p:spPr>
-        <p:txBody>
-          <a:bodyPr vert="horz" lIns="91440" tIns="45720" rIns="91440" bIns="45720" rtlCol="0" anchor="ctr">
-            <a:noAutofit/>
-          </a:bodyPr>
-          <a:lstStyle>
-            <a:lvl1pPr algn="ctr" defTabSz="457200" rtl="0" eaLnBrk="1" latinLnBrk="0" hangingPunct="1">
-              <a:spcBef>
-                <a:spcPct val="0"/>
-              </a:spcBef>
-              <a:buNone/>
-              <a:defRPr sz="4000" kern="1200" cap="none">
-                <a:ln w="3175" cmpd="sng">
-                  <a:noFill/>
-                </a:ln>
-                <a:solidFill>
-                  <a:schemeClr val="tx1"/>
-                </a:solidFill>
-                <a:effectLst/>
-                <a:latin typeface="+mj-lt"/>
-                <a:ea typeface="+mj-ea"/>
-                <a:cs typeface="+mj-cs"/>
-              </a:defRPr>
-            </a:lvl1pPr>
-            <a:lvl2pPr eaLnBrk="1" hangingPunct="1">
-              <a:defRPr>
-                <a:solidFill>
-                  <a:schemeClr val="tx2"/>
-                </a:solidFill>
-              </a:defRPr>
-            </a:lvl2pPr>
-            <a:lvl3pPr eaLnBrk="1" hangingPunct="1">
-              <a:defRPr>
-                <a:solidFill>
-                  <a:schemeClr val="tx2"/>
-                </a:solidFill>
-              </a:defRPr>
-            </a:lvl3pPr>
-            <a:lvl4pPr eaLnBrk="1" hangingPunct="1">
-              <a:defRPr>
-                <a:solidFill>
-                  <a:schemeClr val="tx2"/>
-                </a:solidFill>
-              </a:defRPr>
-            </a:lvl4pPr>
-            <a:lvl5pPr eaLnBrk="1" hangingPunct="1">
-              <a:defRPr>
-                <a:solidFill>
-                  <a:schemeClr val="tx2"/>
-                </a:solidFill>
-              </a:defRPr>
-            </a:lvl5pPr>
-            <a:lvl6pPr eaLnBrk="1" hangingPunct="1">
-              <a:defRPr>
-                <a:solidFill>
-                  <a:schemeClr val="tx2"/>
-                </a:solidFill>
-              </a:defRPr>
-            </a:lvl6pPr>
-            <a:lvl7pPr eaLnBrk="1" hangingPunct="1">
-              <a:defRPr>
-                <a:solidFill>
-                  <a:schemeClr val="tx2"/>
-                </a:solidFill>
-              </a:defRPr>
-            </a:lvl7pPr>
-            <a:lvl8pPr eaLnBrk="1" hangingPunct="1">
-              <a:defRPr>
-                <a:solidFill>
-                  <a:schemeClr val="tx2"/>
-                </a:solidFill>
-              </a:defRPr>
-            </a:lvl8pPr>
-            <a:lvl9pPr eaLnBrk="1" hangingPunct="1">
-              <a:defRPr>
-                <a:solidFill>
-                  <a:schemeClr val="tx2"/>
-                </a:solidFill>
-              </a:defRPr>
-            </a:lvl9pPr>
-          </a:lstStyle>
-          <a:p>
-            <a:r>
-              <a:rPr lang="en-US" b="1" u="sng" dirty="0">
-                <a:solidFill>
-                  <a:schemeClr val="accent1"/>
-                </a:solidFill>
-                <a:effectLst>
-                  <a:outerShdw blurRad="38100" dist="38100" dir="2700000" algn="tl">
-                    <a:srgbClr val="000000">
-                      <a:alpha val="43137"/>
-                    </a:srgbClr>
-                  </a:outerShdw>
-                </a:effectLst>
-                <a:latin typeface="Arial Rounded MT Bold" panose="020F0704030504030204" pitchFamily="34" charset="0"/>
-              </a:rPr>
-              <a:t>Why we need eMaterial?</a:t>
-            </a:r>
-            <a:endParaRPr lang="en-IN" b="1" u="sng" dirty="0">
-              <a:solidFill>
-                <a:schemeClr val="accent1"/>
-              </a:solidFill>
-              <a:effectLst>
-                <a:outerShdw blurRad="38100" dist="38100" dir="2700000" algn="tl">
-                  <a:srgbClr val="000000">
-                    <a:alpha val="43137"/>
-                  </a:srgbClr>
-                </a:outerShdw>
-              </a:effectLst>
-              <a:latin typeface="Arial Rounded MT Bold" panose="020F0704030504030204" pitchFamily="34" charset="0"/>
-            </a:endParaRPr>
-          </a:p>
-        </p:txBody>
-      </p:sp>
-    </p:spTree>
-    <p:extLst>
-      <p:ext uri="{BB962C8B-B14F-4D97-AF65-F5344CB8AC3E}">
-        <p14:creationId xmlns:p14="http://schemas.microsoft.com/office/powerpoint/2010/main" val="1427273053"/>
-      </p:ext>
-    </p:extLst>
-  </p:cSld>
-  <p:clrMapOvr>
-    <a:masterClrMapping/>
-  </p:clrMapOvr>
-</p:sld>
-</file>
-
-<file path=ppt/slides/slide20.xml><?xml version="1.0" encoding="utf-8"?>
+<file path=ppt/slides/slide21.xml><?xml version="1.0" encoding="utf-8"?>
 <p:sld xmlns:a="http://schemas.openxmlformats.org/drawingml/2006/main" xmlns:r="http://schemas.openxmlformats.org/officeDocument/2006/relationships" xmlns:p="http://schemas.openxmlformats.org/presentationml/2006/main">
   <p:cSld>
     <p:spTree>
@@ -18613,10 +21042,7 @@
               <a:buNone/>
             </a:pPr>
             <a:r>
-              <a:rPr lang="en-US" sz="3200" b="1" u="sng" dirty="0">
-                <a:solidFill>
-                  <a:srgbClr val="FF0000"/>
-                </a:solidFill>
+              <a:rPr lang="en-US" sz="2800" b="1" u="sng" dirty="0">
                 <a:latin typeface="Arial Rounded MT Bold" panose="020F0704030504030204" pitchFamily="34" charset="0"/>
                 <a:cs typeface="Arial" panose="020B0604020202020204" pitchFamily="34" charset="0"/>
               </a:rPr>
@@ -18929,9 +21355,6 @@
             </a:pPr>
             <a:r>
               <a:rPr lang="en-IN" sz="2800" b="1" u="sng" dirty="0">
-                <a:solidFill>
-                  <a:srgbClr val="FF0000"/>
-                </a:solidFill>
                 <a:latin typeface="Arial Rounded MT Bold" panose="020F0704030504030204" pitchFamily="34" charset="0"/>
                 <a:cs typeface="Arial" panose="020B0604020202020204" pitchFamily="34" charset="0"/>
               </a:rPr>
@@ -19212,9 +21635,6 @@
             </a:pPr>
             <a:r>
               <a:rPr lang="en-US" sz="7000" b="1" u="sng" dirty="0">
-                <a:solidFill>
-                  <a:srgbClr val="FF0000"/>
-                </a:solidFill>
                 <a:latin typeface="Arial Rounded MT Bold" panose="020F0704030504030204" pitchFamily="34" charset="0"/>
                 <a:cs typeface="Arial" panose="020B0604020202020204" pitchFamily="34" charset="0"/>
               </a:rPr>
@@ -19517,19 +21937,13 @@
               <a:buNone/>
             </a:pPr>
             <a:r>
-              <a:rPr lang="en-US" b="1" u="sng" dirty="0">
-                <a:solidFill>
-                  <a:srgbClr val="FF0000"/>
-                </a:solidFill>
+              <a:rPr lang="en-US" sz="2800" b="1" u="sng" dirty="0">
                 <a:latin typeface="Arial Rounded MT Bold" panose="020F0704030504030204" pitchFamily="34" charset="0"/>
                 <a:cs typeface="Arial" panose="020B0604020202020204" pitchFamily="34" charset="0"/>
               </a:rPr>
               <a:t>Android</a:t>
             </a:r>
-            <a:endParaRPr lang="en-IN" b="1" u="sng" dirty="0">
-              <a:solidFill>
-                <a:srgbClr val="FF0000"/>
-              </a:solidFill>
+            <a:endParaRPr lang="en-IN" sz="2800" b="1" u="sng" dirty="0">
               <a:latin typeface="Arial Rounded MT Bold" panose="020F0704030504030204" pitchFamily="34" charset="0"/>
               <a:cs typeface="Arial" panose="020B0604020202020204" pitchFamily="34" charset="0"/>
             </a:endParaRPr>
@@ -19717,6 +22131,1371 @@
       </p:grpSpPr>
       <p:sp>
         <p:nvSpPr>
+          <p:cNvPr id="3" name="Content Placeholder 2">
+            <a:extLst>
+              <a:ext uri="{FF2B5EF4-FFF2-40B4-BE49-F238E27FC236}">
+                <a16:creationId xmlns:a16="http://schemas.microsoft.com/office/drawing/2014/main" id="{18D0BD23-A207-5007-3539-3352F3CF8A2B}"/>
+              </a:ext>
+            </a:extLst>
+          </p:cNvPr>
+          <p:cNvSpPr>
+            <a:spLocks noGrp="1"/>
+          </p:cNvSpPr>
+          <p:nvPr>
+            <p:ph idx="1"/>
+          </p:nvPr>
+        </p:nvSpPr>
+        <p:spPr>
+          <a:xfrm>
+            <a:off x="1854589" y="836883"/>
+            <a:ext cx="10640291" cy="1029854"/>
+          </a:xfrm>
+        </p:spPr>
+        <p:txBody>
+          <a:bodyPr>
+            <a:normAutofit lnSpcReduction="10000"/>
+          </a:bodyPr>
+          <a:lstStyle/>
+          <a:p>
+            <a:pPr marL="0" indent="0">
+              <a:buNone/>
+            </a:pPr>
+            <a:r>
+              <a:rPr lang="en-US" sz="2800" b="1" u="sng" dirty="0">
+                <a:latin typeface="Arial Rounded MT Bold" panose="020F0704030504030204" pitchFamily="34" charset="0"/>
+                <a:cs typeface="Arial" panose="020B0604020202020204" pitchFamily="34" charset="0"/>
+              </a:rPr>
+              <a:t>Processor</a:t>
+            </a:r>
+            <a:endParaRPr lang="en-US" sz="2800" dirty="0">
+              <a:latin typeface="Arial Rounded MT Bold" panose="020F0704030504030204" pitchFamily="34" charset="0"/>
+              <a:cs typeface="Arial" panose="020B0604020202020204" pitchFamily="34" charset="0"/>
+            </a:endParaRPr>
+          </a:p>
+          <a:p>
+            <a:pPr marL="0" indent="0">
+              <a:buNone/>
+            </a:pPr>
+            <a:r>
+              <a:rPr lang="en-US" dirty="0">
+                <a:latin typeface="Arial Rounded MT Bold" panose="020F0704030504030204" pitchFamily="34" charset="0"/>
+                <a:cs typeface="Arial" panose="020B0604020202020204" pitchFamily="34" charset="0"/>
+              </a:rPr>
+              <a:t>1 gigahertz (GHz) or faster processor</a:t>
+            </a:r>
+          </a:p>
+        </p:txBody>
+      </p:sp>
+      <p:sp>
+        <p:nvSpPr>
+          <p:cNvPr id="4" name="Content Placeholder 2">
+            <a:extLst>
+              <a:ext uri="{FF2B5EF4-FFF2-40B4-BE49-F238E27FC236}">
+                <a16:creationId xmlns:a16="http://schemas.microsoft.com/office/drawing/2014/main" id="{18D0BD23-A207-5007-3539-3352F3CF8A2B}"/>
+              </a:ext>
+            </a:extLst>
+          </p:cNvPr>
+          <p:cNvSpPr txBox="1">
+            <a:spLocks/>
+          </p:cNvSpPr>
+          <p:nvPr/>
+        </p:nvSpPr>
+        <p:spPr>
+          <a:xfrm>
+            <a:off x="1854588" y="2006495"/>
+            <a:ext cx="10640292" cy="1029855"/>
+          </a:xfrm>
+          <a:prstGeom prst="rect">
+            <a:avLst/>
+          </a:prstGeom>
+        </p:spPr>
+        <p:txBody>
+          <a:bodyPr vert="horz" lIns="91440" tIns="45720" rIns="91440" bIns="45720" rtlCol="0" anchor="ctr">
+            <a:normAutofit lnSpcReduction="10000"/>
+          </a:bodyPr>
+          <a:lstStyle>
+            <a:lvl1pPr marL="285750" indent="-285750" algn="l" defTabSz="457200" rtl="0" eaLnBrk="1" latinLnBrk="0" hangingPunct="1">
+              <a:spcBef>
+                <a:spcPct val="20000"/>
+              </a:spcBef>
+              <a:spcAft>
+                <a:spcPts val="600"/>
+              </a:spcAft>
+              <a:buClr>
+                <a:schemeClr val="accent1">
+                  <a:lumMod val="75000"/>
+                </a:schemeClr>
+              </a:buClr>
+              <a:buSzPct val="145000"/>
+              <a:buFont typeface="Arial"/>
+              <a:buChar char="•"/>
+              <a:defRPr sz="2400" kern="1200" cap="none">
+                <a:solidFill>
+                  <a:schemeClr val="tx1"/>
+                </a:solidFill>
+                <a:effectLst/>
+                <a:latin typeface="+mn-lt"/>
+                <a:ea typeface="+mn-ea"/>
+                <a:cs typeface="+mn-cs"/>
+              </a:defRPr>
+            </a:lvl1pPr>
+            <a:lvl2pPr marL="742950" indent="-285750" algn="l" defTabSz="457200" rtl="0" eaLnBrk="1" latinLnBrk="0" hangingPunct="1">
+              <a:spcBef>
+                <a:spcPct val="20000"/>
+              </a:spcBef>
+              <a:spcAft>
+                <a:spcPts val="600"/>
+              </a:spcAft>
+              <a:buClr>
+                <a:schemeClr val="accent1">
+                  <a:lumMod val="75000"/>
+                </a:schemeClr>
+              </a:buClr>
+              <a:buSzPct val="145000"/>
+              <a:buFont typeface="Arial"/>
+              <a:buChar char="•"/>
+              <a:defRPr sz="2000" kern="1200" cap="none">
+                <a:solidFill>
+                  <a:schemeClr val="tx1"/>
+                </a:solidFill>
+                <a:effectLst/>
+                <a:latin typeface="+mn-lt"/>
+                <a:ea typeface="+mn-ea"/>
+                <a:cs typeface="+mn-cs"/>
+              </a:defRPr>
+            </a:lvl2pPr>
+            <a:lvl3pPr marL="1200150" indent="-285750" algn="l" defTabSz="457200" rtl="0" eaLnBrk="1" latinLnBrk="0" hangingPunct="1">
+              <a:spcBef>
+                <a:spcPct val="20000"/>
+              </a:spcBef>
+              <a:spcAft>
+                <a:spcPts val="600"/>
+              </a:spcAft>
+              <a:buClr>
+                <a:schemeClr val="accent1">
+                  <a:lumMod val="75000"/>
+                </a:schemeClr>
+              </a:buClr>
+              <a:buSzPct val="145000"/>
+              <a:buFont typeface="Arial"/>
+              <a:buChar char="•"/>
+              <a:defRPr sz="1800" kern="1200" cap="none">
+                <a:solidFill>
+                  <a:schemeClr val="tx1"/>
+                </a:solidFill>
+                <a:effectLst/>
+                <a:latin typeface="+mn-lt"/>
+                <a:ea typeface="+mn-ea"/>
+                <a:cs typeface="+mn-cs"/>
+              </a:defRPr>
+            </a:lvl3pPr>
+            <a:lvl4pPr marL="1543050" indent="-171450" algn="l" defTabSz="457200" rtl="0" eaLnBrk="1" latinLnBrk="0" hangingPunct="1">
+              <a:spcBef>
+                <a:spcPct val="20000"/>
+              </a:spcBef>
+              <a:spcAft>
+                <a:spcPts val="600"/>
+              </a:spcAft>
+              <a:buClr>
+                <a:schemeClr val="accent1">
+                  <a:lumMod val="75000"/>
+                </a:schemeClr>
+              </a:buClr>
+              <a:buSzPct val="145000"/>
+              <a:buFont typeface="Arial"/>
+              <a:buChar char="•"/>
+              <a:defRPr sz="1600" kern="1200" cap="none">
+                <a:solidFill>
+                  <a:schemeClr val="tx1"/>
+                </a:solidFill>
+                <a:effectLst/>
+                <a:latin typeface="+mn-lt"/>
+                <a:ea typeface="+mn-ea"/>
+                <a:cs typeface="+mn-cs"/>
+              </a:defRPr>
+            </a:lvl4pPr>
+            <a:lvl5pPr marL="2000250" indent="-171450" algn="l" defTabSz="457200" rtl="0" eaLnBrk="1" latinLnBrk="0" hangingPunct="1">
+              <a:spcBef>
+                <a:spcPct val="20000"/>
+              </a:spcBef>
+              <a:spcAft>
+                <a:spcPts val="600"/>
+              </a:spcAft>
+              <a:buClr>
+                <a:schemeClr val="accent1">
+                  <a:lumMod val="75000"/>
+                </a:schemeClr>
+              </a:buClr>
+              <a:buSzPct val="145000"/>
+              <a:buFont typeface="Arial"/>
+              <a:buChar char="•"/>
+              <a:defRPr sz="1400" kern="1200" cap="none">
+                <a:solidFill>
+                  <a:schemeClr val="tx1"/>
+                </a:solidFill>
+                <a:effectLst/>
+                <a:latin typeface="+mn-lt"/>
+                <a:ea typeface="+mn-ea"/>
+                <a:cs typeface="+mn-cs"/>
+              </a:defRPr>
+            </a:lvl5pPr>
+            <a:lvl6pPr marL="2514600" indent="-228600" algn="l" defTabSz="457200" rtl="0" eaLnBrk="1" latinLnBrk="0" hangingPunct="1">
+              <a:spcBef>
+                <a:spcPct val="20000"/>
+              </a:spcBef>
+              <a:spcAft>
+                <a:spcPts val="600"/>
+              </a:spcAft>
+              <a:buClr>
+                <a:schemeClr val="accent1">
+                  <a:lumMod val="75000"/>
+                </a:schemeClr>
+              </a:buClr>
+              <a:buSzPct val="145000"/>
+              <a:buFont typeface="Arial"/>
+              <a:buChar char="•"/>
+              <a:defRPr sz="1400" kern="1200" cap="none">
+                <a:solidFill>
+                  <a:schemeClr val="tx1"/>
+                </a:solidFill>
+                <a:effectLst/>
+                <a:latin typeface="+mn-lt"/>
+                <a:ea typeface="+mn-ea"/>
+                <a:cs typeface="+mn-cs"/>
+              </a:defRPr>
+            </a:lvl6pPr>
+            <a:lvl7pPr marL="2971800" indent="-228600" algn="l" defTabSz="457200" rtl="0" eaLnBrk="1" latinLnBrk="0" hangingPunct="1">
+              <a:spcBef>
+                <a:spcPct val="20000"/>
+              </a:spcBef>
+              <a:spcAft>
+                <a:spcPts val="600"/>
+              </a:spcAft>
+              <a:buClr>
+                <a:schemeClr val="accent1">
+                  <a:lumMod val="75000"/>
+                </a:schemeClr>
+              </a:buClr>
+              <a:buSzPct val="145000"/>
+              <a:buFont typeface="Arial"/>
+              <a:buChar char="•"/>
+              <a:defRPr sz="1400" kern="1200" cap="none">
+                <a:solidFill>
+                  <a:schemeClr val="tx1"/>
+                </a:solidFill>
+                <a:effectLst/>
+                <a:latin typeface="+mn-lt"/>
+                <a:ea typeface="+mn-ea"/>
+                <a:cs typeface="+mn-cs"/>
+              </a:defRPr>
+            </a:lvl7pPr>
+            <a:lvl8pPr marL="3429000" indent="-228600" algn="l" defTabSz="457200" rtl="0" eaLnBrk="1" latinLnBrk="0" hangingPunct="1">
+              <a:spcBef>
+                <a:spcPct val="20000"/>
+              </a:spcBef>
+              <a:spcAft>
+                <a:spcPts val="600"/>
+              </a:spcAft>
+              <a:buClr>
+                <a:schemeClr val="accent1">
+                  <a:lumMod val="75000"/>
+                </a:schemeClr>
+              </a:buClr>
+              <a:buSzPct val="145000"/>
+              <a:buFont typeface="Arial"/>
+              <a:buChar char="•"/>
+              <a:defRPr sz="1400" kern="1200" cap="none">
+                <a:solidFill>
+                  <a:schemeClr val="tx1"/>
+                </a:solidFill>
+                <a:effectLst/>
+                <a:latin typeface="+mn-lt"/>
+                <a:ea typeface="+mn-ea"/>
+                <a:cs typeface="+mn-cs"/>
+              </a:defRPr>
+            </a:lvl8pPr>
+            <a:lvl9pPr marL="3886200" indent="-228600" algn="l" defTabSz="457200" rtl="0" eaLnBrk="1" latinLnBrk="0" hangingPunct="1">
+              <a:spcBef>
+                <a:spcPct val="20000"/>
+              </a:spcBef>
+              <a:spcAft>
+                <a:spcPts val="600"/>
+              </a:spcAft>
+              <a:buClr>
+                <a:schemeClr val="accent1">
+                  <a:lumMod val="75000"/>
+                </a:schemeClr>
+              </a:buClr>
+              <a:buSzPct val="145000"/>
+              <a:buFont typeface="Arial"/>
+              <a:buChar char="•"/>
+              <a:defRPr sz="1400" kern="1200" cap="none">
+                <a:solidFill>
+                  <a:schemeClr val="tx1"/>
+                </a:solidFill>
+                <a:effectLst/>
+                <a:latin typeface="+mn-lt"/>
+                <a:ea typeface="+mn-ea"/>
+                <a:cs typeface="+mn-cs"/>
+              </a:defRPr>
+            </a:lvl9pPr>
+          </a:lstStyle>
+          <a:p>
+            <a:pPr marL="0" indent="0">
+              <a:buNone/>
+            </a:pPr>
+            <a:r>
+              <a:rPr lang="en-IN" sz="2800" b="1" u="sng" dirty="0">
+                <a:latin typeface="Arial Rounded MT Bold" panose="020F0704030504030204" pitchFamily="34" charset="0"/>
+                <a:cs typeface="Arial" panose="020B0604020202020204" pitchFamily="34" charset="0"/>
+              </a:rPr>
+              <a:t>RAM</a:t>
+            </a:r>
+          </a:p>
+          <a:p>
+            <a:pPr marL="0" indent="0">
+              <a:buNone/>
+            </a:pPr>
+            <a:r>
+              <a:rPr lang="en-IN" dirty="0">
+                <a:latin typeface="Arial Rounded MT Bold" panose="020F0704030504030204" pitchFamily="34" charset="0"/>
+                <a:cs typeface="Arial" panose="020B0604020202020204" pitchFamily="34" charset="0"/>
+              </a:rPr>
+              <a:t>1 gigabyte (GB) for 32-bit or 2 GB for 64-bit</a:t>
+            </a:r>
+          </a:p>
+        </p:txBody>
+      </p:sp>
+      <p:sp>
+        <p:nvSpPr>
+          <p:cNvPr id="6" name="Content Placeholder 2">
+            <a:extLst>
+              <a:ext uri="{FF2B5EF4-FFF2-40B4-BE49-F238E27FC236}">
+                <a16:creationId xmlns:a16="http://schemas.microsoft.com/office/drawing/2014/main" id="{18D0BD23-A207-5007-3539-3352F3CF8A2B}"/>
+              </a:ext>
+            </a:extLst>
+          </p:cNvPr>
+          <p:cNvSpPr txBox="1">
+            <a:spLocks/>
+          </p:cNvSpPr>
+          <p:nvPr/>
+        </p:nvSpPr>
+        <p:spPr>
+          <a:xfrm>
+            <a:off x="1854588" y="4345718"/>
+            <a:ext cx="10649527" cy="1029854"/>
+          </a:xfrm>
+          <a:prstGeom prst="rect">
+            <a:avLst/>
+          </a:prstGeom>
+        </p:spPr>
+        <p:txBody>
+          <a:bodyPr vert="horz" lIns="91440" tIns="45720" rIns="91440" bIns="45720" rtlCol="0" anchor="ctr">
+            <a:noAutofit/>
+          </a:bodyPr>
+          <a:lstStyle>
+            <a:lvl1pPr marL="285750" indent="-285750" algn="l" defTabSz="457200" rtl="0" eaLnBrk="1" latinLnBrk="0" hangingPunct="1">
+              <a:spcBef>
+                <a:spcPct val="20000"/>
+              </a:spcBef>
+              <a:spcAft>
+                <a:spcPts val="600"/>
+              </a:spcAft>
+              <a:buClr>
+                <a:schemeClr val="accent1">
+                  <a:lumMod val="75000"/>
+                </a:schemeClr>
+              </a:buClr>
+              <a:buSzPct val="145000"/>
+              <a:buFont typeface="Arial"/>
+              <a:buChar char="•"/>
+              <a:defRPr sz="2400" kern="1200" cap="none">
+                <a:solidFill>
+                  <a:schemeClr val="tx1"/>
+                </a:solidFill>
+                <a:effectLst/>
+                <a:latin typeface="+mn-lt"/>
+                <a:ea typeface="+mn-ea"/>
+                <a:cs typeface="+mn-cs"/>
+              </a:defRPr>
+            </a:lvl1pPr>
+            <a:lvl2pPr marL="742950" indent="-285750" algn="l" defTabSz="457200" rtl="0" eaLnBrk="1" latinLnBrk="0" hangingPunct="1">
+              <a:spcBef>
+                <a:spcPct val="20000"/>
+              </a:spcBef>
+              <a:spcAft>
+                <a:spcPts val="600"/>
+              </a:spcAft>
+              <a:buClr>
+                <a:schemeClr val="accent1">
+                  <a:lumMod val="75000"/>
+                </a:schemeClr>
+              </a:buClr>
+              <a:buSzPct val="145000"/>
+              <a:buFont typeface="Arial"/>
+              <a:buChar char="•"/>
+              <a:defRPr sz="2000" kern="1200" cap="none">
+                <a:solidFill>
+                  <a:schemeClr val="tx1"/>
+                </a:solidFill>
+                <a:effectLst/>
+                <a:latin typeface="+mn-lt"/>
+                <a:ea typeface="+mn-ea"/>
+                <a:cs typeface="+mn-cs"/>
+              </a:defRPr>
+            </a:lvl2pPr>
+            <a:lvl3pPr marL="1200150" indent="-285750" algn="l" defTabSz="457200" rtl="0" eaLnBrk="1" latinLnBrk="0" hangingPunct="1">
+              <a:spcBef>
+                <a:spcPct val="20000"/>
+              </a:spcBef>
+              <a:spcAft>
+                <a:spcPts val="600"/>
+              </a:spcAft>
+              <a:buClr>
+                <a:schemeClr val="accent1">
+                  <a:lumMod val="75000"/>
+                </a:schemeClr>
+              </a:buClr>
+              <a:buSzPct val="145000"/>
+              <a:buFont typeface="Arial"/>
+              <a:buChar char="•"/>
+              <a:defRPr sz="1800" kern="1200" cap="none">
+                <a:solidFill>
+                  <a:schemeClr val="tx1"/>
+                </a:solidFill>
+                <a:effectLst/>
+                <a:latin typeface="+mn-lt"/>
+                <a:ea typeface="+mn-ea"/>
+                <a:cs typeface="+mn-cs"/>
+              </a:defRPr>
+            </a:lvl3pPr>
+            <a:lvl4pPr marL="1543050" indent="-171450" algn="l" defTabSz="457200" rtl="0" eaLnBrk="1" latinLnBrk="0" hangingPunct="1">
+              <a:spcBef>
+                <a:spcPct val="20000"/>
+              </a:spcBef>
+              <a:spcAft>
+                <a:spcPts val="600"/>
+              </a:spcAft>
+              <a:buClr>
+                <a:schemeClr val="accent1">
+                  <a:lumMod val="75000"/>
+                </a:schemeClr>
+              </a:buClr>
+              <a:buSzPct val="145000"/>
+              <a:buFont typeface="Arial"/>
+              <a:buChar char="•"/>
+              <a:defRPr sz="1600" kern="1200" cap="none">
+                <a:solidFill>
+                  <a:schemeClr val="tx1"/>
+                </a:solidFill>
+                <a:effectLst/>
+                <a:latin typeface="+mn-lt"/>
+                <a:ea typeface="+mn-ea"/>
+                <a:cs typeface="+mn-cs"/>
+              </a:defRPr>
+            </a:lvl4pPr>
+            <a:lvl5pPr marL="2000250" indent="-171450" algn="l" defTabSz="457200" rtl="0" eaLnBrk="1" latinLnBrk="0" hangingPunct="1">
+              <a:spcBef>
+                <a:spcPct val="20000"/>
+              </a:spcBef>
+              <a:spcAft>
+                <a:spcPts val="600"/>
+              </a:spcAft>
+              <a:buClr>
+                <a:schemeClr val="accent1">
+                  <a:lumMod val="75000"/>
+                </a:schemeClr>
+              </a:buClr>
+              <a:buSzPct val="145000"/>
+              <a:buFont typeface="Arial"/>
+              <a:buChar char="•"/>
+              <a:defRPr sz="1400" kern="1200" cap="none">
+                <a:solidFill>
+                  <a:schemeClr val="tx1"/>
+                </a:solidFill>
+                <a:effectLst/>
+                <a:latin typeface="+mn-lt"/>
+                <a:ea typeface="+mn-ea"/>
+                <a:cs typeface="+mn-cs"/>
+              </a:defRPr>
+            </a:lvl5pPr>
+            <a:lvl6pPr marL="2514600" indent="-228600" algn="l" defTabSz="457200" rtl="0" eaLnBrk="1" latinLnBrk="0" hangingPunct="1">
+              <a:spcBef>
+                <a:spcPct val="20000"/>
+              </a:spcBef>
+              <a:spcAft>
+                <a:spcPts val="600"/>
+              </a:spcAft>
+              <a:buClr>
+                <a:schemeClr val="accent1">
+                  <a:lumMod val="75000"/>
+                </a:schemeClr>
+              </a:buClr>
+              <a:buSzPct val="145000"/>
+              <a:buFont typeface="Arial"/>
+              <a:buChar char="•"/>
+              <a:defRPr sz="1400" kern="1200" cap="none">
+                <a:solidFill>
+                  <a:schemeClr val="tx1"/>
+                </a:solidFill>
+                <a:effectLst/>
+                <a:latin typeface="+mn-lt"/>
+                <a:ea typeface="+mn-ea"/>
+                <a:cs typeface="+mn-cs"/>
+              </a:defRPr>
+            </a:lvl6pPr>
+            <a:lvl7pPr marL="2971800" indent="-228600" algn="l" defTabSz="457200" rtl="0" eaLnBrk="1" latinLnBrk="0" hangingPunct="1">
+              <a:spcBef>
+                <a:spcPct val="20000"/>
+              </a:spcBef>
+              <a:spcAft>
+                <a:spcPts val="600"/>
+              </a:spcAft>
+              <a:buClr>
+                <a:schemeClr val="accent1">
+                  <a:lumMod val="75000"/>
+                </a:schemeClr>
+              </a:buClr>
+              <a:buSzPct val="145000"/>
+              <a:buFont typeface="Arial"/>
+              <a:buChar char="•"/>
+              <a:defRPr sz="1400" kern="1200" cap="none">
+                <a:solidFill>
+                  <a:schemeClr val="tx1"/>
+                </a:solidFill>
+                <a:effectLst/>
+                <a:latin typeface="+mn-lt"/>
+                <a:ea typeface="+mn-ea"/>
+                <a:cs typeface="+mn-cs"/>
+              </a:defRPr>
+            </a:lvl7pPr>
+            <a:lvl8pPr marL="3429000" indent="-228600" algn="l" defTabSz="457200" rtl="0" eaLnBrk="1" latinLnBrk="0" hangingPunct="1">
+              <a:spcBef>
+                <a:spcPct val="20000"/>
+              </a:spcBef>
+              <a:spcAft>
+                <a:spcPts val="600"/>
+              </a:spcAft>
+              <a:buClr>
+                <a:schemeClr val="accent1">
+                  <a:lumMod val="75000"/>
+                </a:schemeClr>
+              </a:buClr>
+              <a:buSzPct val="145000"/>
+              <a:buFont typeface="Arial"/>
+              <a:buChar char="•"/>
+              <a:defRPr sz="1400" kern="1200" cap="none">
+                <a:solidFill>
+                  <a:schemeClr val="tx1"/>
+                </a:solidFill>
+                <a:effectLst/>
+                <a:latin typeface="+mn-lt"/>
+                <a:ea typeface="+mn-ea"/>
+                <a:cs typeface="+mn-cs"/>
+              </a:defRPr>
+            </a:lvl8pPr>
+            <a:lvl9pPr marL="3886200" indent="-228600" algn="l" defTabSz="457200" rtl="0" eaLnBrk="1" latinLnBrk="0" hangingPunct="1">
+              <a:spcBef>
+                <a:spcPct val="20000"/>
+              </a:spcBef>
+              <a:spcAft>
+                <a:spcPts val="600"/>
+              </a:spcAft>
+              <a:buClr>
+                <a:schemeClr val="accent1">
+                  <a:lumMod val="75000"/>
+                </a:schemeClr>
+              </a:buClr>
+              <a:buSzPct val="145000"/>
+              <a:buFont typeface="Arial"/>
+              <a:buChar char="•"/>
+              <a:defRPr sz="1400" kern="1200" cap="none">
+                <a:solidFill>
+                  <a:schemeClr val="tx1"/>
+                </a:solidFill>
+                <a:effectLst/>
+                <a:latin typeface="+mn-lt"/>
+                <a:ea typeface="+mn-ea"/>
+                <a:cs typeface="+mn-cs"/>
+              </a:defRPr>
+            </a:lvl9pPr>
+          </a:lstStyle>
+          <a:p>
+            <a:pPr marL="0" indent="0">
+              <a:buNone/>
+            </a:pPr>
+            <a:r>
+              <a:rPr lang="en-US" sz="2800" b="1" u="sng" dirty="0">
+                <a:latin typeface="Arial Rounded MT Bold" panose="020F0704030504030204" pitchFamily="34" charset="0"/>
+                <a:cs typeface="Arial" panose="020B0604020202020204" pitchFamily="34" charset="0"/>
+              </a:rPr>
+              <a:t>Graphics card</a:t>
+            </a:r>
+            <a:endParaRPr lang="en-IN" sz="2800" b="1" u="sng" dirty="0">
+              <a:latin typeface="Arial Rounded MT Bold" panose="020F0704030504030204" pitchFamily="34" charset="0"/>
+              <a:cs typeface="Arial" panose="020B0604020202020204" pitchFamily="34" charset="0"/>
+            </a:endParaRPr>
+          </a:p>
+          <a:p>
+            <a:pPr marL="0" indent="0">
+              <a:buNone/>
+            </a:pPr>
+            <a:r>
+              <a:rPr lang="en-IN" dirty="0">
+                <a:latin typeface="Arial Rounded MT Bold" panose="020F0704030504030204" pitchFamily="34" charset="0"/>
+                <a:cs typeface="Arial" panose="020B0604020202020204" pitchFamily="34" charset="0"/>
+              </a:rPr>
+              <a:t>DirectX 9 or later with WDDM 1.0 driver</a:t>
+            </a:r>
+            <a:endParaRPr lang="en-US" dirty="0">
+              <a:latin typeface="Arial Rounded MT Bold" panose="020F0704030504030204" pitchFamily="34" charset="0"/>
+              <a:cs typeface="Arial" panose="020B0604020202020204" pitchFamily="34" charset="0"/>
+            </a:endParaRPr>
+          </a:p>
+        </p:txBody>
+      </p:sp>
+      <p:sp>
+        <p:nvSpPr>
+          <p:cNvPr id="7" name="Title 1">
+            <a:extLst>
+              <a:ext uri="{FF2B5EF4-FFF2-40B4-BE49-F238E27FC236}">
+                <a16:creationId xmlns:a16="http://schemas.microsoft.com/office/drawing/2014/main" id="{A215E80D-5481-1002-EB75-60955381D10D}"/>
+              </a:ext>
+            </a:extLst>
+          </p:cNvPr>
+          <p:cNvSpPr txBox="1">
+            <a:spLocks/>
+          </p:cNvSpPr>
+          <p:nvPr/>
+        </p:nvSpPr>
+        <p:spPr>
+          <a:xfrm>
+            <a:off x="0" y="122199"/>
+            <a:ext cx="11944349" cy="574926"/>
+          </a:xfrm>
+          <a:prstGeom prst="rect">
+            <a:avLst/>
+          </a:prstGeom>
+          <a:effectLst/>
+        </p:spPr>
+        <p:txBody>
+          <a:bodyPr vert="horz" lIns="91440" tIns="45720" rIns="91440" bIns="45720" rtlCol="0" anchor="ctr">
+            <a:noAutofit/>
+          </a:bodyPr>
+          <a:lstStyle>
+            <a:lvl1pPr algn="ctr" defTabSz="457200" rtl="0" eaLnBrk="1" latinLnBrk="0" hangingPunct="1">
+              <a:spcBef>
+                <a:spcPct val="0"/>
+              </a:spcBef>
+              <a:buNone/>
+              <a:defRPr sz="4000" kern="1200" cap="none">
+                <a:ln w="3175" cmpd="sng">
+                  <a:noFill/>
+                </a:ln>
+                <a:solidFill>
+                  <a:schemeClr val="tx1"/>
+                </a:solidFill>
+                <a:effectLst/>
+                <a:latin typeface="+mj-lt"/>
+                <a:ea typeface="+mj-ea"/>
+                <a:cs typeface="+mj-cs"/>
+              </a:defRPr>
+            </a:lvl1pPr>
+            <a:lvl2pPr eaLnBrk="1" hangingPunct="1">
+              <a:defRPr>
+                <a:solidFill>
+                  <a:schemeClr val="tx2"/>
+                </a:solidFill>
+              </a:defRPr>
+            </a:lvl2pPr>
+            <a:lvl3pPr eaLnBrk="1" hangingPunct="1">
+              <a:defRPr>
+                <a:solidFill>
+                  <a:schemeClr val="tx2"/>
+                </a:solidFill>
+              </a:defRPr>
+            </a:lvl3pPr>
+            <a:lvl4pPr eaLnBrk="1" hangingPunct="1">
+              <a:defRPr>
+                <a:solidFill>
+                  <a:schemeClr val="tx2"/>
+                </a:solidFill>
+              </a:defRPr>
+            </a:lvl4pPr>
+            <a:lvl5pPr eaLnBrk="1" hangingPunct="1">
+              <a:defRPr>
+                <a:solidFill>
+                  <a:schemeClr val="tx2"/>
+                </a:solidFill>
+              </a:defRPr>
+            </a:lvl5pPr>
+            <a:lvl6pPr eaLnBrk="1" hangingPunct="1">
+              <a:defRPr>
+                <a:solidFill>
+                  <a:schemeClr val="tx2"/>
+                </a:solidFill>
+              </a:defRPr>
+            </a:lvl6pPr>
+            <a:lvl7pPr eaLnBrk="1" hangingPunct="1">
+              <a:defRPr>
+                <a:solidFill>
+                  <a:schemeClr val="tx2"/>
+                </a:solidFill>
+              </a:defRPr>
+            </a:lvl7pPr>
+            <a:lvl8pPr eaLnBrk="1" hangingPunct="1">
+              <a:defRPr>
+                <a:solidFill>
+                  <a:schemeClr val="tx2"/>
+                </a:solidFill>
+              </a:defRPr>
+            </a:lvl8pPr>
+            <a:lvl9pPr eaLnBrk="1" hangingPunct="1">
+              <a:defRPr>
+                <a:solidFill>
+                  <a:schemeClr val="tx2"/>
+                </a:solidFill>
+              </a:defRPr>
+            </a:lvl9pPr>
+          </a:lstStyle>
+          <a:p>
+            <a:r>
+              <a:rPr lang="en-US" b="1" u="sng" dirty="0">
+                <a:solidFill>
+                  <a:schemeClr val="accent1"/>
+                </a:solidFill>
+                <a:effectLst>
+                  <a:outerShdw blurRad="38100" dist="38100" dir="2700000" algn="tl">
+                    <a:srgbClr val="000000">
+                      <a:alpha val="43137"/>
+                    </a:srgbClr>
+                  </a:outerShdw>
+                </a:effectLst>
+                <a:latin typeface="Arial Rounded MT Bold" panose="020F0704030504030204" pitchFamily="34" charset="0"/>
+              </a:rPr>
+              <a:t>Hardware Requirements</a:t>
+            </a:r>
+            <a:endParaRPr lang="en-IN" b="1" u="sng" dirty="0">
+              <a:solidFill>
+                <a:schemeClr val="accent1"/>
+              </a:solidFill>
+              <a:effectLst>
+                <a:outerShdw blurRad="38100" dist="38100" dir="2700000" algn="tl">
+                  <a:srgbClr val="000000">
+                    <a:alpha val="43137"/>
+                  </a:srgbClr>
+                </a:outerShdw>
+              </a:effectLst>
+              <a:latin typeface="Arial Rounded MT Bold" panose="020F0704030504030204" pitchFamily="34" charset="0"/>
+            </a:endParaRPr>
+          </a:p>
+        </p:txBody>
+      </p:sp>
+      <p:sp>
+        <p:nvSpPr>
+          <p:cNvPr id="8" name="Content Placeholder 2">
+            <a:extLst>
+              <a:ext uri="{FF2B5EF4-FFF2-40B4-BE49-F238E27FC236}">
+                <a16:creationId xmlns:a16="http://schemas.microsoft.com/office/drawing/2014/main" id="{43AECC26-93F5-4626-AA60-8BAE36640EA6}"/>
+              </a:ext>
+            </a:extLst>
+          </p:cNvPr>
+          <p:cNvSpPr txBox="1">
+            <a:spLocks/>
+          </p:cNvSpPr>
+          <p:nvPr/>
+        </p:nvSpPr>
+        <p:spPr>
+          <a:xfrm>
+            <a:off x="1854588" y="3176107"/>
+            <a:ext cx="10640292" cy="1029854"/>
+          </a:xfrm>
+          <a:prstGeom prst="rect">
+            <a:avLst/>
+          </a:prstGeom>
+        </p:spPr>
+        <p:txBody>
+          <a:bodyPr vert="horz" lIns="91440" tIns="45720" rIns="91440" bIns="45720" rtlCol="0" anchor="ctr">
+            <a:normAutofit lnSpcReduction="10000"/>
+          </a:bodyPr>
+          <a:lstStyle>
+            <a:lvl1pPr marL="285750" indent="-285750" algn="l" defTabSz="457200" rtl="0" eaLnBrk="1" latinLnBrk="0" hangingPunct="1">
+              <a:spcBef>
+                <a:spcPct val="20000"/>
+              </a:spcBef>
+              <a:spcAft>
+                <a:spcPts val="600"/>
+              </a:spcAft>
+              <a:buClr>
+                <a:schemeClr val="accent1">
+                  <a:lumMod val="75000"/>
+                </a:schemeClr>
+              </a:buClr>
+              <a:buSzPct val="145000"/>
+              <a:buFont typeface="Arial"/>
+              <a:buChar char="•"/>
+              <a:defRPr sz="2400" kern="1200" cap="none">
+                <a:solidFill>
+                  <a:schemeClr val="tx1"/>
+                </a:solidFill>
+                <a:effectLst/>
+                <a:latin typeface="+mn-lt"/>
+                <a:ea typeface="+mn-ea"/>
+                <a:cs typeface="+mn-cs"/>
+              </a:defRPr>
+            </a:lvl1pPr>
+            <a:lvl2pPr marL="742950" indent="-285750" algn="l" defTabSz="457200" rtl="0" eaLnBrk="1" latinLnBrk="0" hangingPunct="1">
+              <a:spcBef>
+                <a:spcPct val="20000"/>
+              </a:spcBef>
+              <a:spcAft>
+                <a:spcPts val="600"/>
+              </a:spcAft>
+              <a:buClr>
+                <a:schemeClr val="accent1">
+                  <a:lumMod val="75000"/>
+                </a:schemeClr>
+              </a:buClr>
+              <a:buSzPct val="145000"/>
+              <a:buFont typeface="Arial"/>
+              <a:buChar char="•"/>
+              <a:defRPr sz="2000" kern="1200" cap="none">
+                <a:solidFill>
+                  <a:schemeClr val="tx1"/>
+                </a:solidFill>
+                <a:effectLst/>
+                <a:latin typeface="+mn-lt"/>
+                <a:ea typeface="+mn-ea"/>
+                <a:cs typeface="+mn-cs"/>
+              </a:defRPr>
+            </a:lvl2pPr>
+            <a:lvl3pPr marL="1200150" indent="-285750" algn="l" defTabSz="457200" rtl="0" eaLnBrk="1" latinLnBrk="0" hangingPunct="1">
+              <a:spcBef>
+                <a:spcPct val="20000"/>
+              </a:spcBef>
+              <a:spcAft>
+                <a:spcPts val="600"/>
+              </a:spcAft>
+              <a:buClr>
+                <a:schemeClr val="accent1">
+                  <a:lumMod val="75000"/>
+                </a:schemeClr>
+              </a:buClr>
+              <a:buSzPct val="145000"/>
+              <a:buFont typeface="Arial"/>
+              <a:buChar char="•"/>
+              <a:defRPr sz="1800" kern="1200" cap="none">
+                <a:solidFill>
+                  <a:schemeClr val="tx1"/>
+                </a:solidFill>
+                <a:effectLst/>
+                <a:latin typeface="+mn-lt"/>
+                <a:ea typeface="+mn-ea"/>
+                <a:cs typeface="+mn-cs"/>
+              </a:defRPr>
+            </a:lvl3pPr>
+            <a:lvl4pPr marL="1543050" indent="-171450" algn="l" defTabSz="457200" rtl="0" eaLnBrk="1" latinLnBrk="0" hangingPunct="1">
+              <a:spcBef>
+                <a:spcPct val="20000"/>
+              </a:spcBef>
+              <a:spcAft>
+                <a:spcPts val="600"/>
+              </a:spcAft>
+              <a:buClr>
+                <a:schemeClr val="accent1">
+                  <a:lumMod val="75000"/>
+                </a:schemeClr>
+              </a:buClr>
+              <a:buSzPct val="145000"/>
+              <a:buFont typeface="Arial"/>
+              <a:buChar char="•"/>
+              <a:defRPr sz="1600" kern="1200" cap="none">
+                <a:solidFill>
+                  <a:schemeClr val="tx1"/>
+                </a:solidFill>
+                <a:effectLst/>
+                <a:latin typeface="+mn-lt"/>
+                <a:ea typeface="+mn-ea"/>
+                <a:cs typeface="+mn-cs"/>
+              </a:defRPr>
+            </a:lvl4pPr>
+            <a:lvl5pPr marL="2000250" indent="-171450" algn="l" defTabSz="457200" rtl="0" eaLnBrk="1" latinLnBrk="0" hangingPunct="1">
+              <a:spcBef>
+                <a:spcPct val="20000"/>
+              </a:spcBef>
+              <a:spcAft>
+                <a:spcPts val="600"/>
+              </a:spcAft>
+              <a:buClr>
+                <a:schemeClr val="accent1">
+                  <a:lumMod val="75000"/>
+                </a:schemeClr>
+              </a:buClr>
+              <a:buSzPct val="145000"/>
+              <a:buFont typeface="Arial"/>
+              <a:buChar char="•"/>
+              <a:defRPr sz="1400" kern="1200" cap="none">
+                <a:solidFill>
+                  <a:schemeClr val="tx1"/>
+                </a:solidFill>
+                <a:effectLst/>
+                <a:latin typeface="+mn-lt"/>
+                <a:ea typeface="+mn-ea"/>
+                <a:cs typeface="+mn-cs"/>
+              </a:defRPr>
+            </a:lvl5pPr>
+            <a:lvl6pPr marL="2514600" indent="-228600" algn="l" defTabSz="457200" rtl="0" eaLnBrk="1" latinLnBrk="0" hangingPunct="1">
+              <a:spcBef>
+                <a:spcPct val="20000"/>
+              </a:spcBef>
+              <a:spcAft>
+                <a:spcPts val="600"/>
+              </a:spcAft>
+              <a:buClr>
+                <a:schemeClr val="accent1">
+                  <a:lumMod val="75000"/>
+                </a:schemeClr>
+              </a:buClr>
+              <a:buSzPct val="145000"/>
+              <a:buFont typeface="Arial"/>
+              <a:buChar char="•"/>
+              <a:defRPr sz="1400" kern="1200" cap="none">
+                <a:solidFill>
+                  <a:schemeClr val="tx1"/>
+                </a:solidFill>
+                <a:effectLst/>
+                <a:latin typeface="+mn-lt"/>
+                <a:ea typeface="+mn-ea"/>
+                <a:cs typeface="+mn-cs"/>
+              </a:defRPr>
+            </a:lvl6pPr>
+            <a:lvl7pPr marL="2971800" indent="-228600" algn="l" defTabSz="457200" rtl="0" eaLnBrk="1" latinLnBrk="0" hangingPunct="1">
+              <a:spcBef>
+                <a:spcPct val="20000"/>
+              </a:spcBef>
+              <a:spcAft>
+                <a:spcPts val="600"/>
+              </a:spcAft>
+              <a:buClr>
+                <a:schemeClr val="accent1">
+                  <a:lumMod val="75000"/>
+                </a:schemeClr>
+              </a:buClr>
+              <a:buSzPct val="145000"/>
+              <a:buFont typeface="Arial"/>
+              <a:buChar char="•"/>
+              <a:defRPr sz="1400" kern="1200" cap="none">
+                <a:solidFill>
+                  <a:schemeClr val="tx1"/>
+                </a:solidFill>
+                <a:effectLst/>
+                <a:latin typeface="+mn-lt"/>
+                <a:ea typeface="+mn-ea"/>
+                <a:cs typeface="+mn-cs"/>
+              </a:defRPr>
+            </a:lvl7pPr>
+            <a:lvl8pPr marL="3429000" indent="-228600" algn="l" defTabSz="457200" rtl="0" eaLnBrk="1" latinLnBrk="0" hangingPunct="1">
+              <a:spcBef>
+                <a:spcPct val="20000"/>
+              </a:spcBef>
+              <a:spcAft>
+                <a:spcPts val="600"/>
+              </a:spcAft>
+              <a:buClr>
+                <a:schemeClr val="accent1">
+                  <a:lumMod val="75000"/>
+                </a:schemeClr>
+              </a:buClr>
+              <a:buSzPct val="145000"/>
+              <a:buFont typeface="Arial"/>
+              <a:buChar char="•"/>
+              <a:defRPr sz="1400" kern="1200" cap="none">
+                <a:solidFill>
+                  <a:schemeClr val="tx1"/>
+                </a:solidFill>
+                <a:effectLst/>
+                <a:latin typeface="+mn-lt"/>
+                <a:ea typeface="+mn-ea"/>
+                <a:cs typeface="+mn-cs"/>
+              </a:defRPr>
+            </a:lvl8pPr>
+            <a:lvl9pPr marL="3886200" indent="-228600" algn="l" defTabSz="457200" rtl="0" eaLnBrk="1" latinLnBrk="0" hangingPunct="1">
+              <a:spcBef>
+                <a:spcPct val="20000"/>
+              </a:spcBef>
+              <a:spcAft>
+                <a:spcPts val="600"/>
+              </a:spcAft>
+              <a:buClr>
+                <a:schemeClr val="accent1">
+                  <a:lumMod val="75000"/>
+                </a:schemeClr>
+              </a:buClr>
+              <a:buSzPct val="145000"/>
+              <a:buFont typeface="Arial"/>
+              <a:buChar char="•"/>
+              <a:defRPr sz="1400" kern="1200" cap="none">
+                <a:solidFill>
+                  <a:schemeClr val="tx1"/>
+                </a:solidFill>
+                <a:effectLst/>
+                <a:latin typeface="+mn-lt"/>
+                <a:ea typeface="+mn-ea"/>
+                <a:cs typeface="+mn-cs"/>
+              </a:defRPr>
+            </a:lvl9pPr>
+          </a:lstStyle>
+          <a:p>
+            <a:pPr marL="0" indent="0">
+              <a:buNone/>
+            </a:pPr>
+            <a:r>
+              <a:rPr lang="en-IN" sz="2800" b="1" u="sng" dirty="0">
+                <a:latin typeface="Arial Rounded MT Bold" panose="020F0704030504030204" pitchFamily="34" charset="0"/>
+                <a:cs typeface="Arial" panose="020B0604020202020204" pitchFamily="34" charset="0"/>
+              </a:rPr>
+              <a:t>Hard disk space</a:t>
+            </a:r>
+          </a:p>
+          <a:p>
+            <a:pPr marL="0" indent="0">
+              <a:buNone/>
+            </a:pPr>
+            <a:r>
+              <a:rPr lang="da-DK" dirty="0">
+                <a:latin typeface="Arial Rounded MT Bold" panose="020F0704030504030204" pitchFamily="34" charset="0"/>
+                <a:cs typeface="Arial" panose="020B0604020202020204" pitchFamily="34" charset="0"/>
+              </a:rPr>
+              <a:t>16 GB for 32-bit OS or 20 GB for 64-bit OS</a:t>
+            </a:r>
+            <a:endParaRPr lang="en-IN" dirty="0">
+              <a:latin typeface="Arial Rounded MT Bold" panose="020F0704030504030204" pitchFamily="34" charset="0"/>
+              <a:cs typeface="Arial" panose="020B0604020202020204" pitchFamily="34" charset="0"/>
+            </a:endParaRPr>
+          </a:p>
+        </p:txBody>
+      </p:sp>
+      <p:sp>
+        <p:nvSpPr>
+          <p:cNvPr id="9" name="Content Placeholder 2">
+            <a:extLst>
+              <a:ext uri="{FF2B5EF4-FFF2-40B4-BE49-F238E27FC236}">
+                <a16:creationId xmlns:a16="http://schemas.microsoft.com/office/drawing/2014/main" id="{2CEF9EFA-771A-4C17-A0C2-5DF0FE7CBC1A}"/>
+              </a:ext>
+            </a:extLst>
+          </p:cNvPr>
+          <p:cNvSpPr txBox="1">
+            <a:spLocks/>
+          </p:cNvSpPr>
+          <p:nvPr/>
+        </p:nvSpPr>
+        <p:spPr>
+          <a:xfrm>
+            <a:off x="1854588" y="5453698"/>
+            <a:ext cx="10649527" cy="773437"/>
+          </a:xfrm>
+          <a:prstGeom prst="rect">
+            <a:avLst/>
+          </a:prstGeom>
+        </p:spPr>
+        <p:txBody>
+          <a:bodyPr vert="horz" lIns="91440" tIns="45720" rIns="91440" bIns="45720" rtlCol="0" anchor="ctr">
+            <a:noAutofit/>
+          </a:bodyPr>
+          <a:lstStyle>
+            <a:lvl1pPr marL="285750" indent="-285750" algn="l" defTabSz="457200" rtl="0" eaLnBrk="1" latinLnBrk="0" hangingPunct="1">
+              <a:spcBef>
+                <a:spcPct val="20000"/>
+              </a:spcBef>
+              <a:spcAft>
+                <a:spcPts val="600"/>
+              </a:spcAft>
+              <a:buClr>
+                <a:schemeClr val="accent1">
+                  <a:lumMod val="75000"/>
+                </a:schemeClr>
+              </a:buClr>
+              <a:buSzPct val="145000"/>
+              <a:buFont typeface="Arial"/>
+              <a:buChar char="•"/>
+              <a:defRPr sz="2400" kern="1200" cap="none">
+                <a:solidFill>
+                  <a:schemeClr val="tx1"/>
+                </a:solidFill>
+                <a:effectLst/>
+                <a:latin typeface="+mn-lt"/>
+                <a:ea typeface="+mn-ea"/>
+                <a:cs typeface="+mn-cs"/>
+              </a:defRPr>
+            </a:lvl1pPr>
+            <a:lvl2pPr marL="742950" indent="-285750" algn="l" defTabSz="457200" rtl="0" eaLnBrk="1" latinLnBrk="0" hangingPunct="1">
+              <a:spcBef>
+                <a:spcPct val="20000"/>
+              </a:spcBef>
+              <a:spcAft>
+                <a:spcPts val="600"/>
+              </a:spcAft>
+              <a:buClr>
+                <a:schemeClr val="accent1">
+                  <a:lumMod val="75000"/>
+                </a:schemeClr>
+              </a:buClr>
+              <a:buSzPct val="145000"/>
+              <a:buFont typeface="Arial"/>
+              <a:buChar char="•"/>
+              <a:defRPr sz="2000" kern="1200" cap="none">
+                <a:solidFill>
+                  <a:schemeClr val="tx1"/>
+                </a:solidFill>
+                <a:effectLst/>
+                <a:latin typeface="+mn-lt"/>
+                <a:ea typeface="+mn-ea"/>
+                <a:cs typeface="+mn-cs"/>
+              </a:defRPr>
+            </a:lvl2pPr>
+            <a:lvl3pPr marL="1200150" indent="-285750" algn="l" defTabSz="457200" rtl="0" eaLnBrk="1" latinLnBrk="0" hangingPunct="1">
+              <a:spcBef>
+                <a:spcPct val="20000"/>
+              </a:spcBef>
+              <a:spcAft>
+                <a:spcPts val="600"/>
+              </a:spcAft>
+              <a:buClr>
+                <a:schemeClr val="accent1">
+                  <a:lumMod val="75000"/>
+                </a:schemeClr>
+              </a:buClr>
+              <a:buSzPct val="145000"/>
+              <a:buFont typeface="Arial"/>
+              <a:buChar char="•"/>
+              <a:defRPr sz="1800" kern="1200" cap="none">
+                <a:solidFill>
+                  <a:schemeClr val="tx1"/>
+                </a:solidFill>
+                <a:effectLst/>
+                <a:latin typeface="+mn-lt"/>
+                <a:ea typeface="+mn-ea"/>
+                <a:cs typeface="+mn-cs"/>
+              </a:defRPr>
+            </a:lvl3pPr>
+            <a:lvl4pPr marL="1543050" indent="-171450" algn="l" defTabSz="457200" rtl="0" eaLnBrk="1" latinLnBrk="0" hangingPunct="1">
+              <a:spcBef>
+                <a:spcPct val="20000"/>
+              </a:spcBef>
+              <a:spcAft>
+                <a:spcPts val="600"/>
+              </a:spcAft>
+              <a:buClr>
+                <a:schemeClr val="accent1">
+                  <a:lumMod val="75000"/>
+                </a:schemeClr>
+              </a:buClr>
+              <a:buSzPct val="145000"/>
+              <a:buFont typeface="Arial"/>
+              <a:buChar char="•"/>
+              <a:defRPr sz="1600" kern="1200" cap="none">
+                <a:solidFill>
+                  <a:schemeClr val="tx1"/>
+                </a:solidFill>
+                <a:effectLst/>
+                <a:latin typeface="+mn-lt"/>
+                <a:ea typeface="+mn-ea"/>
+                <a:cs typeface="+mn-cs"/>
+              </a:defRPr>
+            </a:lvl4pPr>
+            <a:lvl5pPr marL="2000250" indent="-171450" algn="l" defTabSz="457200" rtl="0" eaLnBrk="1" latinLnBrk="0" hangingPunct="1">
+              <a:spcBef>
+                <a:spcPct val="20000"/>
+              </a:spcBef>
+              <a:spcAft>
+                <a:spcPts val="600"/>
+              </a:spcAft>
+              <a:buClr>
+                <a:schemeClr val="accent1">
+                  <a:lumMod val="75000"/>
+                </a:schemeClr>
+              </a:buClr>
+              <a:buSzPct val="145000"/>
+              <a:buFont typeface="Arial"/>
+              <a:buChar char="•"/>
+              <a:defRPr sz="1400" kern="1200" cap="none">
+                <a:solidFill>
+                  <a:schemeClr val="tx1"/>
+                </a:solidFill>
+                <a:effectLst/>
+                <a:latin typeface="+mn-lt"/>
+                <a:ea typeface="+mn-ea"/>
+                <a:cs typeface="+mn-cs"/>
+              </a:defRPr>
+            </a:lvl5pPr>
+            <a:lvl6pPr marL="2514600" indent="-228600" algn="l" defTabSz="457200" rtl="0" eaLnBrk="1" latinLnBrk="0" hangingPunct="1">
+              <a:spcBef>
+                <a:spcPct val="20000"/>
+              </a:spcBef>
+              <a:spcAft>
+                <a:spcPts val="600"/>
+              </a:spcAft>
+              <a:buClr>
+                <a:schemeClr val="accent1">
+                  <a:lumMod val="75000"/>
+                </a:schemeClr>
+              </a:buClr>
+              <a:buSzPct val="145000"/>
+              <a:buFont typeface="Arial"/>
+              <a:buChar char="•"/>
+              <a:defRPr sz="1400" kern="1200" cap="none">
+                <a:solidFill>
+                  <a:schemeClr val="tx1"/>
+                </a:solidFill>
+                <a:effectLst/>
+                <a:latin typeface="+mn-lt"/>
+                <a:ea typeface="+mn-ea"/>
+                <a:cs typeface="+mn-cs"/>
+              </a:defRPr>
+            </a:lvl6pPr>
+            <a:lvl7pPr marL="2971800" indent="-228600" algn="l" defTabSz="457200" rtl="0" eaLnBrk="1" latinLnBrk="0" hangingPunct="1">
+              <a:spcBef>
+                <a:spcPct val="20000"/>
+              </a:spcBef>
+              <a:spcAft>
+                <a:spcPts val="600"/>
+              </a:spcAft>
+              <a:buClr>
+                <a:schemeClr val="accent1">
+                  <a:lumMod val="75000"/>
+                </a:schemeClr>
+              </a:buClr>
+              <a:buSzPct val="145000"/>
+              <a:buFont typeface="Arial"/>
+              <a:buChar char="•"/>
+              <a:defRPr sz="1400" kern="1200" cap="none">
+                <a:solidFill>
+                  <a:schemeClr val="tx1"/>
+                </a:solidFill>
+                <a:effectLst/>
+                <a:latin typeface="+mn-lt"/>
+                <a:ea typeface="+mn-ea"/>
+                <a:cs typeface="+mn-cs"/>
+              </a:defRPr>
+            </a:lvl7pPr>
+            <a:lvl8pPr marL="3429000" indent="-228600" algn="l" defTabSz="457200" rtl="0" eaLnBrk="1" latinLnBrk="0" hangingPunct="1">
+              <a:spcBef>
+                <a:spcPct val="20000"/>
+              </a:spcBef>
+              <a:spcAft>
+                <a:spcPts val="600"/>
+              </a:spcAft>
+              <a:buClr>
+                <a:schemeClr val="accent1">
+                  <a:lumMod val="75000"/>
+                </a:schemeClr>
+              </a:buClr>
+              <a:buSzPct val="145000"/>
+              <a:buFont typeface="Arial"/>
+              <a:buChar char="•"/>
+              <a:defRPr sz="1400" kern="1200" cap="none">
+                <a:solidFill>
+                  <a:schemeClr val="tx1"/>
+                </a:solidFill>
+                <a:effectLst/>
+                <a:latin typeface="+mn-lt"/>
+                <a:ea typeface="+mn-ea"/>
+                <a:cs typeface="+mn-cs"/>
+              </a:defRPr>
+            </a:lvl8pPr>
+            <a:lvl9pPr marL="3886200" indent="-228600" algn="l" defTabSz="457200" rtl="0" eaLnBrk="1" latinLnBrk="0" hangingPunct="1">
+              <a:spcBef>
+                <a:spcPct val="20000"/>
+              </a:spcBef>
+              <a:spcAft>
+                <a:spcPts val="600"/>
+              </a:spcAft>
+              <a:buClr>
+                <a:schemeClr val="accent1">
+                  <a:lumMod val="75000"/>
+                </a:schemeClr>
+              </a:buClr>
+              <a:buSzPct val="145000"/>
+              <a:buFont typeface="Arial"/>
+              <a:buChar char="•"/>
+              <a:defRPr sz="1400" kern="1200" cap="none">
+                <a:solidFill>
+                  <a:schemeClr val="tx1"/>
+                </a:solidFill>
+                <a:effectLst/>
+                <a:latin typeface="+mn-lt"/>
+                <a:ea typeface="+mn-ea"/>
+                <a:cs typeface="+mn-cs"/>
+              </a:defRPr>
+            </a:lvl9pPr>
+          </a:lstStyle>
+          <a:p>
+            <a:pPr marL="0" indent="0">
+              <a:buNone/>
+            </a:pPr>
+            <a:r>
+              <a:rPr lang="en-US" sz="2800" b="1" u="sng" dirty="0">
+                <a:latin typeface="Arial Rounded MT Bold" panose="020F0704030504030204" pitchFamily="34" charset="0"/>
+                <a:cs typeface="Arial" panose="020B0604020202020204" pitchFamily="34" charset="0"/>
+              </a:rPr>
+              <a:t>Display:</a:t>
+            </a:r>
+            <a:r>
+              <a:rPr lang="en-US" b="1" dirty="0">
+                <a:solidFill>
+                  <a:srgbClr val="FF0000"/>
+                </a:solidFill>
+                <a:latin typeface="Arial Rounded MT Bold" panose="020F0704030504030204" pitchFamily="34" charset="0"/>
+                <a:cs typeface="Arial" panose="020B0604020202020204" pitchFamily="34" charset="0"/>
+              </a:rPr>
+              <a:t> </a:t>
+            </a:r>
+            <a:r>
+              <a:rPr lang="en-US" dirty="0">
+                <a:latin typeface="Arial Rounded MT Bold" panose="020F0704030504030204" pitchFamily="34" charset="0"/>
+                <a:cs typeface="Arial" panose="020B0604020202020204" pitchFamily="34" charset="0"/>
+              </a:rPr>
+              <a:t>800 x 600</a:t>
+            </a:r>
+            <a:endParaRPr lang="en-IN" dirty="0">
+              <a:latin typeface="Arial Rounded MT Bold" panose="020F0704030504030204" pitchFamily="34" charset="0"/>
+              <a:cs typeface="Arial" panose="020B0604020202020204" pitchFamily="34" charset="0"/>
+            </a:endParaRPr>
+          </a:p>
+        </p:txBody>
+      </p:sp>
+    </p:spTree>
+    <p:extLst>
+      <p:ext uri="{BB962C8B-B14F-4D97-AF65-F5344CB8AC3E}">
+        <p14:creationId xmlns:p14="http://schemas.microsoft.com/office/powerpoint/2010/main" val="3887301848"/>
+      </p:ext>
+    </p:extLst>
+  </p:cSld>
+  <p:clrMapOvr>
+    <a:masterClrMapping/>
+  </p:clrMapOvr>
+</p:sld>
+</file>
+
+<file path=ppt/slides/slide7.xml><?xml version="1.0" encoding="utf-8"?>
+<p:sld xmlns:a="http://schemas.openxmlformats.org/drawingml/2006/main" xmlns:r="http://schemas.openxmlformats.org/officeDocument/2006/relationships" xmlns:p="http://schemas.openxmlformats.org/presentationml/2006/main">
+  <p:cSld>
+    <p:spTree>
+      <p:nvGrpSpPr>
+        <p:cNvPr id="1" name=""/>
+        <p:cNvGrpSpPr/>
+        <p:nvPr/>
+      </p:nvGrpSpPr>
+      <p:grpSpPr>
+        <a:xfrm>
+          <a:off x="0" y="0"/>
+          <a:ext cx="0" cy="0"/>
+          <a:chOff x="0" y="0"/>
+          <a:chExt cx="0" cy="0"/>
+        </a:xfrm>
+      </p:grpSpPr>
+      <p:sp>
+        <p:nvSpPr>
           <p:cNvPr id="3" name="Text Placeholder 2"/>
           <p:cNvSpPr>
             <a:spLocks noGrp="1"/>
@@ -19983,7 +23762,7 @@
 </p:sld>
 </file>
 
-<file path=ppt/slides/slide7.xml><?xml version="1.0" encoding="utf-8"?>
+<file path=ppt/slides/slide8.xml><?xml version="1.0" encoding="utf-8"?>
 <p:sld xmlns:a="http://schemas.openxmlformats.org/drawingml/2006/main" xmlns:r="http://schemas.openxmlformats.org/officeDocument/2006/relationships" xmlns:p="http://schemas.openxmlformats.org/presentationml/2006/main">
   <p:cSld>
     <p:spTree>
@@ -20268,7 +24047,7 @@
 </p:sld>
 </file>
 
-<file path=ppt/slides/slide8.xml><?xml version="1.0" encoding="utf-8"?>
+<file path=ppt/slides/slide9.xml><?xml version="1.0" encoding="utf-8"?>
 <p:sld xmlns:a="http://schemas.openxmlformats.org/drawingml/2006/main" xmlns:r="http://schemas.openxmlformats.org/officeDocument/2006/relationships" xmlns:p="http://schemas.openxmlformats.org/presentationml/2006/main">
   <p:cSld>
     <p:spTree>
@@ -20492,2434 +24271,6 @@
     <p:extLst>
       <p:ext uri="{BB962C8B-B14F-4D97-AF65-F5344CB8AC3E}">
         <p14:creationId xmlns:p14="http://schemas.microsoft.com/office/powerpoint/2010/main" val="1732811091"/>
-      </p:ext>
-    </p:extLst>
-  </p:cSld>
-  <p:clrMapOvr>
-    <a:masterClrMapping/>
-  </p:clrMapOvr>
-</p:sld>
-</file>
-
-<file path=ppt/slides/slide9.xml><?xml version="1.0" encoding="utf-8"?>
-<p:sld xmlns:a="http://schemas.openxmlformats.org/drawingml/2006/main" xmlns:r="http://schemas.openxmlformats.org/officeDocument/2006/relationships" xmlns:p="http://schemas.openxmlformats.org/presentationml/2006/main">
-  <p:cSld>
-    <p:spTree>
-      <p:nvGrpSpPr>
-        <p:cNvPr id="1" name=""/>
-        <p:cNvGrpSpPr/>
-        <p:nvPr/>
-      </p:nvGrpSpPr>
-      <p:grpSpPr>
-        <a:xfrm>
-          <a:off x="0" y="0"/>
-          <a:ext cx="0" cy="0"/>
-          <a:chOff x="0" y="0"/>
-          <a:chExt cx="0" cy="0"/>
-        </a:xfrm>
-      </p:grpSpPr>
-      <p:graphicFrame>
-        <p:nvGraphicFramePr>
-          <p:cNvPr id="3" name="Table 3">
-            <a:extLst>
-              <a:ext uri="{FF2B5EF4-FFF2-40B4-BE49-F238E27FC236}">
-                <a16:creationId xmlns:a16="http://schemas.microsoft.com/office/drawing/2014/main" id="{FE4C500C-DDD7-65C4-F5ED-04F177F057F5}"/>
-              </a:ext>
-            </a:extLst>
-          </p:cNvPr>
-          <p:cNvGraphicFramePr>
-            <a:graphicFrameLocks noGrp="1"/>
-          </p:cNvGraphicFramePr>
-          <p:nvPr>
-            <p:extLst>
-              <p:ext uri="{D42A27DB-BD31-4B8C-83A1-F6EECF244321}">
-                <p14:modId xmlns:p14="http://schemas.microsoft.com/office/powerpoint/2010/main" val="2720832369"/>
-              </p:ext>
-            </p:extLst>
-          </p:nvPr>
-        </p:nvGraphicFramePr>
-        <p:xfrm>
-          <a:off x="1359017" y="1912690"/>
-          <a:ext cx="9823508" cy="3120705"/>
-        </p:xfrm>
-        <a:graphic>
-          <a:graphicData uri="http://schemas.openxmlformats.org/drawingml/2006/table">
-            <a:tbl>
-              <a:tblPr firstRow="1" bandRow="1">
-                <a:tableStyleId>{21E4AEA4-8DFA-4A89-87EB-49C32662AFE0}</a:tableStyleId>
-              </a:tblPr>
-              <a:tblGrid>
-                <a:gridCol w="1602297">
-                  <a:extLst>
-                    <a:ext uri="{9D8B030D-6E8A-4147-A177-3AD203B41FA5}">
-                      <a16:colId xmlns:a16="http://schemas.microsoft.com/office/drawing/2014/main" val="4089616206"/>
-                    </a:ext>
-                  </a:extLst>
-                </a:gridCol>
-                <a:gridCol w="1602297">
-                  <a:extLst>
-                    <a:ext uri="{9D8B030D-6E8A-4147-A177-3AD203B41FA5}">
-                      <a16:colId xmlns:a16="http://schemas.microsoft.com/office/drawing/2014/main" val="2567027140"/>
-                    </a:ext>
-                  </a:extLst>
-                </a:gridCol>
-                <a:gridCol w="1493240">
-                  <a:extLst>
-                    <a:ext uri="{9D8B030D-6E8A-4147-A177-3AD203B41FA5}">
-                      <a16:colId xmlns:a16="http://schemas.microsoft.com/office/drawing/2014/main" val="3047909500"/>
-                    </a:ext>
-                  </a:extLst>
-                </a:gridCol>
-                <a:gridCol w="1862356">
-                  <a:extLst>
-                    <a:ext uri="{9D8B030D-6E8A-4147-A177-3AD203B41FA5}">
-                      <a16:colId xmlns:a16="http://schemas.microsoft.com/office/drawing/2014/main" val="3831925249"/>
-                    </a:ext>
-                  </a:extLst>
-                </a:gridCol>
-                <a:gridCol w="3263318">
-                  <a:extLst>
-                    <a:ext uri="{9D8B030D-6E8A-4147-A177-3AD203B41FA5}">
-                      <a16:colId xmlns:a16="http://schemas.microsoft.com/office/drawing/2014/main" val="283166580"/>
-                    </a:ext>
-                  </a:extLst>
-                </a:gridCol>
-              </a:tblGrid>
-              <a:tr h="457965">
-                <a:tc>
-                  <a:txBody>
-                    <a:bodyPr/>
-                    <a:lstStyle/>
-                    <a:p>
-                      <a:pPr marL="0" marR="0" lvl="0" indent="0" algn="ctr" defTabSz="457200" rtl="0" eaLnBrk="1" fontAlgn="auto" latinLnBrk="0" hangingPunct="1">
-                        <a:lnSpc>
-                          <a:spcPct val="100000"/>
-                        </a:lnSpc>
-                        <a:spcBef>
-                          <a:spcPts val="0"/>
-                        </a:spcBef>
-                        <a:spcAft>
-                          <a:spcPts val="0"/>
-                        </a:spcAft>
-                        <a:buClrTx/>
-                        <a:buSzTx/>
-                        <a:buFontTx/>
-                        <a:buNone/>
-                        <a:tabLst/>
-                        <a:defRPr/>
-                      </a:pPr>
-                      <a:r>
-                        <a:rPr lang="en-US" dirty="0">
-                          <a:latin typeface="Arial" panose="020B0604020202020204" pitchFamily="34" charset="0"/>
-                          <a:cs typeface="Arial" panose="020B0604020202020204" pitchFamily="34" charset="0"/>
-                        </a:rPr>
-                        <a:t>Field name</a:t>
-                      </a:r>
-                      <a:endParaRPr lang="en-IN" dirty="0">
-                        <a:latin typeface="Arial" panose="020B0604020202020204" pitchFamily="34" charset="0"/>
-                        <a:cs typeface="Arial" panose="020B0604020202020204" pitchFamily="34" charset="0"/>
-                      </a:endParaRPr>
-                    </a:p>
-                  </a:txBody>
-                  <a:tcPr>
-                    <a:lnL w="12700" cap="flat" cmpd="sng" algn="ctr">
-                      <a:solidFill>
-                        <a:schemeClr val="tx1"/>
-                      </a:solidFill>
-                      <a:prstDash val="solid"/>
-                      <a:round/>
-                      <a:headEnd type="none" w="med" len="med"/>
-                      <a:tailEnd type="none" w="med" len="med"/>
-                    </a:lnL>
-                    <a:lnR w="12700" cap="flat" cmpd="sng" algn="ctr">
-                      <a:noFill/>
-                      <a:prstDash val="solid"/>
-                      <a:round/>
-                      <a:headEnd type="none" w="med" len="med"/>
-                      <a:tailEnd type="none" w="med" len="med"/>
-                    </a:lnR>
-                    <a:lnT w="12700" cap="flat" cmpd="sng" algn="ctr">
-                      <a:solidFill>
-                        <a:schemeClr val="tx1"/>
-                      </a:solidFill>
-                      <a:prstDash val="solid"/>
-                      <a:round/>
-                      <a:headEnd type="none" w="med" len="med"/>
-                      <a:tailEnd type="none" w="med" len="med"/>
-                    </a:lnT>
-                    <a:lnB w="12700" cap="flat" cmpd="sng" algn="ctr">
-                      <a:noFill/>
-                      <a:prstDash val="solid"/>
-                      <a:round/>
-                      <a:headEnd type="none" w="med" len="med"/>
-                      <a:tailEnd type="none" w="med" len="med"/>
-                    </a:lnB>
-                    <a:lnTlToBr w="12700" cmpd="sng">
-                      <a:noFill/>
-                      <a:prstDash val="solid"/>
-                    </a:lnTlToBr>
-                    <a:lnBlToTr w="12700" cmpd="sng">
-                      <a:noFill/>
-                      <a:prstDash val="solid"/>
-                    </a:lnBlToTr>
-                  </a:tcPr>
-                </a:tc>
-                <a:tc>
-                  <a:txBody>
-                    <a:bodyPr/>
-                    <a:lstStyle/>
-                    <a:p>
-                      <a:pPr marL="0" marR="0" lvl="0" indent="0" algn="ctr" defTabSz="457200" rtl="0" eaLnBrk="1" fontAlgn="auto" latinLnBrk="0" hangingPunct="1">
-                        <a:lnSpc>
-                          <a:spcPct val="100000"/>
-                        </a:lnSpc>
-                        <a:spcBef>
-                          <a:spcPts val="0"/>
-                        </a:spcBef>
-                        <a:spcAft>
-                          <a:spcPts val="0"/>
-                        </a:spcAft>
-                        <a:buClrTx/>
-                        <a:buSzTx/>
-                        <a:buFontTx/>
-                        <a:buNone/>
-                        <a:tabLst/>
-                        <a:defRPr/>
-                      </a:pPr>
-                      <a:r>
-                        <a:rPr lang="en-US" dirty="0">
-                          <a:latin typeface="Arial" panose="020B0604020202020204" pitchFamily="34" charset="0"/>
-                          <a:cs typeface="Arial" panose="020B0604020202020204" pitchFamily="34" charset="0"/>
-                        </a:rPr>
-                        <a:t>Data type</a:t>
-                      </a:r>
-                      <a:endParaRPr lang="en-IN" dirty="0">
-                        <a:latin typeface="Arial" panose="020B0604020202020204" pitchFamily="34" charset="0"/>
-                        <a:cs typeface="Arial" panose="020B0604020202020204" pitchFamily="34" charset="0"/>
-                      </a:endParaRPr>
-                    </a:p>
-                  </a:txBody>
-                  <a:tcPr>
-                    <a:lnL w="12700" cap="flat" cmpd="sng" algn="ctr">
-                      <a:noFill/>
-                      <a:prstDash val="solid"/>
-                      <a:round/>
-                      <a:headEnd type="none" w="med" len="med"/>
-                      <a:tailEnd type="none" w="med" len="med"/>
-                    </a:lnL>
-                    <a:lnR w="12700" cap="flat" cmpd="sng" algn="ctr">
-                      <a:noFill/>
-                      <a:prstDash val="solid"/>
-                      <a:round/>
-                      <a:headEnd type="none" w="med" len="med"/>
-                      <a:tailEnd type="none" w="med" len="med"/>
-                    </a:lnR>
-                    <a:lnT w="12700" cap="flat" cmpd="sng" algn="ctr">
-                      <a:solidFill>
-                        <a:schemeClr val="tx1"/>
-                      </a:solidFill>
-                      <a:prstDash val="solid"/>
-                      <a:round/>
-                      <a:headEnd type="none" w="med" len="med"/>
-                      <a:tailEnd type="none" w="med" len="med"/>
-                    </a:lnT>
-                    <a:lnB w="12700" cap="flat" cmpd="sng" algn="ctr">
-                      <a:noFill/>
-                      <a:prstDash val="solid"/>
-                      <a:round/>
-                      <a:headEnd type="none" w="med" len="med"/>
-                      <a:tailEnd type="none" w="med" len="med"/>
-                    </a:lnB>
-                    <a:lnTlToBr w="12700" cmpd="sng">
-                      <a:noFill/>
-                      <a:prstDash val="solid"/>
-                    </a:lnTlToBr>
-                    <a:lnBlToTr w="12700" cmpd="sng">
-                      <a:noFill/>
-                      <a:prstDash val="solid"/>
-                    </a:lnBlToTr>
-                  </a:tcPr>
-                </a:tc>
-                <a:tc>
-                  <a:txBody>
-                    <a:bodyPr/>
-                    <a:lstStyle/>
-                    <a:p>
-                      <a:pPr marL="0" marR="0" lvl="0" indent="0" algn="ctr" defTabSz="457200" rtl="0" eaLnBrk="1" fontAlgn="auto" latinLnBrk="0" hangingPunct="1">
-                        <a:lnSpc>
-                          <a:spcPct val="100000"/>
-                        </a:lnSpc>
-                        <a:spcBef>
-                          <a:spcPts val="0"/>
-                        </a:spcBef>
-                        <a:spcAft>
-                          <a:spcPts val="0"/>
-                        </a:spcAft>
-                        <a:buClrTx/>
-                        <a:buSzTx/>
-                        <a:buFontTx/>
-                        <a:buNone/>
-                        <a:tabLst/>
-                        <a:defRPr/>
-                      </a:pPr>
-                      <a:r>
-                        <a:rPr lang="en-US" dirty="0">
-                          <a:latin typeface="Arial" panose="020B0604020202020204" pitchFamily="34" charset="0"/>
-                          <a:cs typeface="Arial" panose="020B0604020202020204" pitchFamily="34" charset="0"/>
-                        </a:rPr>
-                        <a:t>Field size</a:t>
-                      </a:r>
-                      <a:endParaRPr lang="en-IN" dirty="0">
-                        <a:latin typeface="Arial" panose="020B0604020202020204" pitchFamily="34" charset="0"/>
-                        <a:cs typeface="Arial" panose="020B0604020202020204" pitchFamily="34" charset="0"/>
-                      </a:endParaRPr>
-                    </a:p>
-                  </a:txBody>
-                  <a:tcPr>
-                    <a:lnL w="12700" cap="flat" cmpd="sng" algn="ctr">
-                      <a:noFill/>
-                      <a:prstDash val="solid"/>
-                      <a:round/>
-                      <a:headEnd type="none" w="med" len="med"/>
-                      <a:tailEnd type="none" w="med" len="med"/>
-                    </a:lnL>
-                    <a:lnR w="12700" cap="flat" cmpd="sng" algn="ctr">
-                      <a:noFill/>
-                      <a:prstDash val="solid"/>
-                      <a:round/>
-                      <a:headEnd type="none" w="med" len="med"/>
-                      <a:tailEnd type="none" w="med" len="med"/>
-                    </a:lnR>
-                    <a:lnT w="12700" cap="flat" cmpd="sng" algn="ctr">
-                      <a:solidFill>
-                        <a:schemeClr val="tx1"/>
-                      </a:solidFill>
-                      <a:prstDash val="solid"/>
-                      <a:round/>
-                      <a:headEnd type="none" w="med" len="med"/>
-                      <a:tailEnd type="none" w="med" len="med"/>
-                    </a:lnT>
-                    <a:lnB w="12700" cap="flat" cmpd="sng" algn="ctr">
-                      <a:noFill/>
-                      <a:prstDash val="solid"/>
-                      <a:round/>
-                      <a:headEnd type="none" w="med" len="med"/>
-                      <a:tailEnd type="none" w="med" len="med"/>
-                    </a:lnB>
-                    <a:lnTlToBr w="12700" cmpd="sng">
-                      <a:noFill/>
-                      <a:prstDash val="solid"/>
-                    </a:lnTlToBr>
-                    <a:lnBlToTr w="12700" cmpd="sng">
-                      <a:noFill/>
-                      <a:prstDash val="solid"/>
-                    </a:lnBlToTr>
-                  </a:tcPr>
-                </a:tc>
-                <a:tc>
-                  <a:txBody>
-                    <a:bodyPr/>
-                    <a:lstStyle/>
-                    <a:p>
-                      <a:pPr marL="0" marR="0" lvl="0" indent="0" algn="ctr" defTabSz="457200" rtl="0" eaLnBrk="1" fontAlgn="auto" latinLnBrk="0" hangingPunct="1">
-                        <a:lnSpc>
-                          <a:spcPct val="100000"/>
-                        </a:lnSpc>
-                        <a:spcBef>
-                          <a:spcPts val="0"/>
-                        </a:spcBef>
-                        <a:spcAft>
-                          <a:spcPts val="0"/>
-                        </a:spcAft>
-                        <a:buClrTx/>
-                        <a:buSzTx/>
-                        <a:buFontTx/>
-                        <a:buNone/>
-                        <a:tabLst/>
-                        <a:defRPr/>
-                      </a:pPr>
-                      <a:r>
-                        <a:rPr lang="en-US" dirty="0">
-                          <a:latin typeface="Arial" panose="020B0604020202020204" pitchFamily="34" charset="0"/>
-                          <a:cs typeface="Arial" panose="020B0604020202020204" pitchFamily="34" charset="0"/>
-                        </a:rPr>
-                        <a:t>Example</a:t>
-                      </a:r>
-                      <a:endParaRPr lang="en-IN" dirty="0">
-                        <a:latin typeface="Arial" panose="020B0604020202020204" pitchFamily="34" charset="0"/>
-                        <a:cs typeface="Arial" panose="020B0604020202020204" pitchFamily="34" charset="0"/>
-                      </a:endParaRPr>
-                    </a:p>
-                  </a:txBody>
-                  <a:tcPr>
-                    <a:lnL w="12700" cap="flat" cmpd="sng" algn="ctr">
-                      <a:noFill/>
-                      <a:prstDash val="solid"/>
-                      <a:round/>
-                      <a:headEnd type="none" w="med" len="med"/>
-                      <a:tailEnd type="none" w="med" len="med"/>
-                    </a:lnL>
-                    <a:lnR w="12700" cap="flat" cmpd="sng" algn="ctr">
-                      <a:noFill/>
-                      <a:prstDash val="solid"/>
-                      <a:round/>
-                      <a:headEnd type="none" w="med" len="med"/>
-                      <a:tailEnd type="none" w="med" len="med"/>
-                    </a:lnR>
-                    <a:lnT w="12700" cap="flat" cmpd="sng" algn="ctr">
-                      <a:solidFill>
-                        <a:schemeClr val="tx1"/>
-                      </a:solidFill>
-                      <a:prstDash val="solid"/>
-                      <a:round/>
-                      <a:headEnd type="none" w="med" len="med"/>
-                      <a:tailEnd type="none" w="med" len="med"/>
-                    </a:lnT>
-                    <a:lnB w="12700" cap="flat" cmpd="sng" algn="ctr">
-                      <a:noFill/>
-                      <a:prstDash val="solid"/>
-                      <a:round/>
-                      <a:headEnd type="none" w="med" len="med"/>
-                      <a:tailEnd type="none" w="med" len="med"/>
-                    </a:lnB>
-                    <a:lnTlToBr w="12700" cmpd="sng">
-                      <a:noFill/>
-                      <a:prstDash val="solid"/>
-                    </a:lnTlToBr>
-                    <a:lnBlToTr w="12700" cmpd="sng">
-                      <a:noFill/>
-                      <a:prstDash val="solid"/>
-                    </a:lnBlToTr>
-                  </a:tcPr>
-                </a:tc>
-                <a:tc>
-                  <a:txBody>
-                    <a:bodyPr/>
-                    <a:lstStyle/>
-                    <a:p>
-                      <a:pPr marL="0" marR="0" lvl="0" indent="0" algn="l" defTabSz="457200" rtl="0" eaLnBrk="1" fontAlgn="auto" latinLnBrk="0" hangingPunct="1">
-                        <a:lnSpc>
-                          <a:spcPct val="100000"/>
-                        </a:lnSpc>
-                        <a:spcBef>
-                          <a:spcPts val="0"/>
-                        </a:spcBef>
-                        <a:spcAft>
-                          <a:spcPts val="0"/>
-                        </a:spcAft>
-                        <a:buClrTx/>
-                        <a:buSzTx/>
-                        <a:buFontTx/>
-                        <a:buNone/>
-                        <a:tabLst/>
-                        <a:defRPr/>
-                      </a:pPr>
-                      <a:r>
-                        <a:rPr lang="en-IN" dirty="0">
-                          <a:latin typeface="Arial" panose="020B0604020202020204" pitchFamily="34" charset="0"/>
-                          <a:cs typeface="Arial" panose="020B0604020202020204" pitchFamily="34" charset="0"/>
-                        </a:rPr>
-                        <a:t>Description</a:t>
-                      </a:r>
-                    </a:p>
-                  </a:txBody>
-                  <a:tcPr>
-                    <a:lnL w="12700" cap="flat" cmpd="sng" algn="ctr">
-                      <a:noFill/>
-                      <a:prstDash val="solid"/>
-                      <a:round/>
-                      <a:headEnd type="none" w="med" len="med"/>
-                      <a:tailEnd type="none" w="med" len="med"/>
-                    </a:lnL>
-                    <a:lnR w="12700" cap="flat" cmpd="sng" algn="ctr">
-                      <a:solidFill>
-                        <a:schemeClr val="tx1"/>
-                      </a:solidFill>
-                      <a:prstDash val="solid"/>
-                      <a:round/>
-                      <a:headEnd type="none" w="med" len="med"/>
-                      <a:tailEnd type="none" w="med" len="med"/>
-                    </a:lnR>
-                    <a:lnT w="12700" cap="flat" cmpd="sng" algn="ctr">
-                      <a:solidFill>
-                        <a:schemeClr val="tx1"/>
-                      </a:solidFill>
-                      <a:prstDash val="solid"/>
-                      <a:round/>
-                      <a:headEnd type="none" w="med" len="med"/>
-                      <a:tailEnd type="none" w="med" len="med"/>
-                    </a:lnT>
-                    <a:lnB w="12700" cap="flat" cmpd="sng" algn="ctr">
-                      <a:noFill/>
-                      <a:prstDash val="solid"/>
-                      <a:round/>
-                      <a:headEnd type="none" w="med" len="med"/>
-                      <a:tailEnd type="none" w="med" len="med"/>
-                    </a:lnB>
-                    <a:lnTlToBr w="12700" cmpd="sng">
-                      <a:noFill/>
-                      <a:prstDash val="solid"/>
-                    </a:lnTlToBr>
-                    <a:lnBlToTr w="12700" cmpd="sng">
-                      <a:noFill/>
-                      <a:prstDash val="solid"/>
-                    </a:lnBlToTr>
-                  </a:tcPr>
-                </a:tc>
-                <a:extLst>
-                  <a:ext uri="{0D108BD9-81ED-4DB2-BD59-A6C34878D82A}">
-                    <a16:rowId xmlns:a16="http://schemas.microsoft.com/office/drawing/2014/main" val="1942029452"/>
-                  </a:ext>
-                </a:extLst>
-              </a:tr>
-              <a:tr h="457965">
-                <a:tc>
-                  <a:txBody>
-                    <a:bodyPr/>
-                    <a:lstStyle/>
-                    <a:p>
-                      <a:r>
-                        <a:rPr lang="en-US" sz="1600" dirty="0">
-                          <a:solidFill>
-                            <a:srgbClr val="C00000"/>
-                          </a:solidFill>
-                          <a:latin typeface="Arial" panose="020B0604020202020204" pitchFamily="34" charset="0"/>
-                          <a:cs typeface="Arial" panose="020B0604020202020204" pitchFamily="34" charset="0"/>
-                        </a:rPr>
-                        <a:t>u_id</a:t>
-                      </a:r>
-                      <a:endParaRPr lang="en-IN" sz="1600" dirty="0">
-                        <a:solidFill>
-                          <a:srgbClr val="C00000"/>
-                        </a:solidFill>
-                        <a:latin typeface="Arial" panose="020B0604020202020204" pitchFamily="34" charset="0"/>
-                        <a:cs typeface="Arial" panose="020B0604020202020204" pitchFamily="34" charset="0"/>
-                      </a:endParaRPr>
-                    </a:p>
-                  </a:txBody>
-                  <a:tcPr>
-                    <a:lnL w="12700" cap="flat" cmpd="sng" algn="ctr">
-                      <a:solidFill>
-                        <a:schemeClr val="tx1"/>
-                      </a:solidFill>
-                      <a:prstDash val="solid"/>
-                      <a:round/>
-                      <a:headEnd type="none" w="med" len="med"/>
-                      <a:tailEnd type="none" w="med" len="med"/>
-                    </a:lnL>
-                    <a:lnR w="12700" cap="flat" cmpd="sng" algn="ctr">
-                      <a:noFill/>
-                      <a:prstDash val="solid"/>
-                      <a:round/>
-                      <a:headEnd type="none" w="med" len="med"/>
-                      <a:tailEnd type="none" w="med" len="med"/>
-                    </a:lnR>
-                    <a:lnT w="12700" cap="flat" cmpd="sng" algn="ctr">
-                      <a:noFill/>
-                      <a:prstDash val="solid"/>
-                      <a:round/>
-                      <a:headEnd type="none" w="med" len="med"/>
-                      <a:tailEnd type="none" w="med" len="med"/>
-                    </a:lnT>
-                    <a:lnB w="12700" cap="flat" cmpd="sng" algn="ctr">
-                      <a:solidFill>
-                        <a:schemeClr val="tx1"/>
-                      </a:solidFill>
-                      <a:prstDash val="solid"/>
-                      <a:round/>
-                      <a:headEnd type="none" w="med" len="med"/>
-                      <a:tailEnd type="none" w="med" len="med"/>
-                    </a:lnB>
-                    <a:solidFill>
-                      <a:schemeClr val="bg1"/>
-                    </a:solidFill>
-                  </a:tcPr>
-                </a:tc>
-                <a:tc>
-                  <a:txBody>
-                    <a:bodyPr/>
-                    <a:lstStyle/>
-                    <a:p>
-                      <a:pPr algn="ctr"/>
-                      <a:r>
-                        <a:rPr lang="en-US" sz="1600" dirty="0">
-                          <a:latin typeface="Arial" panose="020B0604020202020204" pitchFamily="34" charset="0"/>
-                          <a:cs typeface="Arial" panose="020B0604020202020204" pitchFamily="34" charset="0"/>
-                        </a:rPr>
-                        <a:t>Integer</a:t>
-                      </a:r>
-                      <a:endParaRPr lang="en-IN" sz="1600" dirty="0">
-                        <a:latin typeface="Arial" panose="020B0604020202020204" pitchFamily="34" charset="0"/>
-                        <a:cs typeface="Arial" panose="020B0604020202020204" pitchFamily="34" charset="0"/>
-                      </a:endParaRPr>
-                    </a:p>
-                  </a:txBody>
-                  <a:tcPr>
-                    <a:lnL w="12700" cap="flat" cmpd="sng" algn="ctr">
-                      <a:noFill/>
-                      <a:prstDash val="solid"/>
-                      <a:round/>
-                      <a:headEnd type="none" w="med" len="med"/>
-                      <a:tailEnd type="none" w="med" len="med"/>
-                    </a:lnL>
-                    <a:lnR w="12700" cap="flat" cmpd="sng" algn="ctr">
-                      <a:noFill/>
-                      <a:prstDash val="solid"/>
-                      <a:round/>
-                      <a:headEnd type="none" w="med" len="med"/>
-                      <a:tailEnd type="none" w="med" len="med"/>
-                    </a:lnR>
-                    <a:lnT w="12700" cap="flat" cmpd="sng" algn="ctr">
-                      <a:noFill/>
-                      <a:prstDash val="solid"/>
-                      <a:round/>
-                      <a:headEnd type="none" w="med" len="med"/>
-                      <a:tailEnd type="none" w="med" len="med"/>
-                    </a:lnT>
-                    <a:lnB w="12700" cap="flat" cmpd="sng" algn="ctr">
-                      <a:solidFill>
-                        <a:schemeClr val="tx1"/>
-                      </a:solidFill>
-                      <a:prstDash val="solid"/>
-                      <a:round/>
-                      <a:headEnd type="none" w="med" len="med"/>
-                      <a:tailEnd type="none" w="med" len="med"/>
-                    </a:lnB>
-                    <a:solidFill>
-                      <a:schemeClr val="bg1"/>
-                    </a:solidFill>
-                  </a:tcPr>
-                </a:tc>
-                <a:tc>
-                  <a:txBody>
-                    <a:bodyPr/>
-                    <a:lstStyle/>
-                    <a:p>
-                      <a:pPr algn="ctr"/>
-                      <a:r>
-                        <a:rPr lang="en-US" sz="1600" dirty="0">
-                          <a:latin typeface="Arial" panose="020B0604020202020204" pitchFamily="34" charset="0"/>
-                          <a:cs typeface="Arial" panose="020B0604020202020204" pitchFamily="34" charset="0"/>
-                        </a:rPr>
-                        <a:t>5</a:t>
-                      </a:r>
-                      <a:endParaRPr lang="en-IN" sz="1600" dirty="0">
-                        <a:latin typeface="Arial" panose="020B0604020202020204" pitchFamily="34" charset="0"/>
-                        <a:cs typeface="Arial" panose="020B0604020202020204" pitchFamily="34" charset="0"/>
-                      </a:endParaRPr>
-                    </a:p>
-                  </a:txBody>
-                  <a:tcPr>
-                    <a:lnL w="12700" cap="flat" cmpd="sng" algn="ctr">
-                      <a:noFill/>
-                      <a:prstDash val="solid"/>
-                      <a:round/>
-                      <a:headEnd type="none" w="med" len="med"/>
-                      <a:tailEnd type="none" w="med" len="med"/>
-                    </a:lnL>
-                    <a:lnR w="12700" cap="flat" cmpd="sng" algn="ctr">
-                      <a:noFill/>
-                      <a:prstDash val="solid"/>
-                      <a:round/>
-                      <a:headEnd type="none" w="med" len="med"/>
-                      <a:tailEnd type="none" w="med" len="med"/>
-                    </a:lnR>
-                    <a:lnT w="12700" cap="flat" cmpd="sng" algn="ctr">
-                      <a:noFill/>
-                      <a:prstDash val="solid"/>
-                      <a:round/>
-                      <a:headEnd type="none" w="med" len="med"/>
-                      <a:tailEnd type="none" w="med" len="med"/>
-                    </a:lnT>
-                    <a:lnB w="12700" cap="flat" cmpd="sng" algn="ctr">
-                      <a:solidFill>
-                        <a:schemeClr val="tx1"/>
-                      </a:solidFill>
-                      <a:prstDash val="solid"/>
-                      <a:round/>
-                      <a:headEnd type="none" w="med" len="med"/>
-                      <a:tailEnd type="none" w="med" len="med"/>
-                    </a:lnB>
-                    <a:solidFill>
-                      <a:schemeClr val="bg1"/>
-                    </a:solidFill>
-                  </a:tcPr>
-                </a:tc>
-                <a:tc>
-                  <a:txBody>
-                    <a:bodyPr/>
-                    <a:lstStyle/>
-                    <a:p>
-                      <a:pPr marL="0" marR="0" lvl="0" indent="0" algn="ctr" defTabSz="457200" rtl="0" eaLnBrk="1" fontAlgn="auto" latinLnBrk="0" hangingPunct="1">
-                        <a:lnSpc>
-                          <a:spcPct val="100000"/>
-                        </a:lnSpc>
-                        <a:spcBef>
-                          <a:spcPts val="0"/>
-                        </a:spcBef>
-                        <a:spcAft>
-                          <a:spcPts val="0"/>
-                        </a:spcAft>
-                        <a:buClrTx/>
-                        <a:buSzTx/>
-                        <a:buFontTx/>
-                        <a:buNone/>
-                        <a:tabLst/>
-                        <a:defRPr/>
-                      </a:pPr>
-                      <a:r>
-                        <a:rPr lang="en-US" sz="1600" dirty="0">
-                          <a:latin typeface="Arial" panose="020B0604020202020204" pitchFamily="34" charset="0"/>
-                          <a:cs typeface="Arial" panose="020B0604020202020204" pitchFamily="34" charset="0"/>
-                        </a:rPr>
-                        <a:t>01</a:t>
-                      </a:r>
-                      <a:endParaRPr lang="en-IN" sz="1600" dirty="0">
-                        <a:latin typeface="Arial" panose="020B0604020202020204" pitchFamily="34" charset="0"/>
-                        <a:cs typeface="Arial" panose="020B0604020202020204" pitchFamily="34" charset="0"/>
-                      </a:endParaRPr>
-                    </a:p>
-                  </a:txBody>
-                  <a:tcPr>
-                    <a:lnL w="12700" cap="flat" cmpd="sng" algn="ctr">
-                      <a:noFill/>
-                      <a:prstDash val="solid"/>
-                      <a:round/>
-                      <a:headEnd type="none" w="med" len="med"/>
-                      <a:tailEnd type="none" w="med" len="med"/>
-                    </a:lnL>
-                    <a:lnR w="12700" cap="flat" cmpd="sng" algn="ctr">
-                      <a:noFill/>
-                      <a:prstDash val="solid"/>
-                      <a:round/>
-                      <a:headEnd type="none" w="med" len="med"/>
-                      <a:tailEnd type="none" w="med" len="med"/>
-                    </a:lnR>
-                    <a:lnT w="12700" cap="flat" cmpd="sng" algn="ctr">
-                      <a:noFill/>
-                      <a:prstDash val="solid"/>
-                      <a:round/>
-                      <a:headEnd type="none" w="med" len="med"/>
-                      <a:tailEnd type="none" w="med" len="med"/>
-                    </a:lnT>
-                    <a:lnB w="12700" cap="flat" cmpd="sng" algn="ctr">
-                      <a:solidFill>
-                        <a:schemeClr val="tx1"/>
-                      </a:solidFill>
-                      <a:prstDash val="solid"/>
-                      <a:round/>
-                      <a:headEnd type="none" w="med" len="med"/>
-                      <a:tailEnd type="none" w="med" len="med"/>
-                    </a:lnB>
-                    <a:solidFill>
-                      <a:schemeClr val="bg1"/>
-                    </a:solidFill>
-                  </a:tcPr>
-                </a:tc>
-                <a:tc>
-                  <a:txBody>
-                    <a:bodyPr/>
-                    <a:lstStyle/>
-                    <a:p>
-                      <a:pPr algn="l"/>
-                      <a:r>
-                        <a:rPr lang="en-IN" sz="1600" dirty="0">
-                          <a:latin typeface="Arial" panose="020B0604020202020204" pitchFamily="34" charset="0"/>
-                          <a:cs typeface="Arial" panose="020B0604020202020204" pitchFamily="34" charset="0"/>
-                        </a:rPr>
-                        <a:t>User’s ID</a:t>
-                      </a:r>
-                    </a:p>
-                  </a:txBody>
-                  <a:tcPr>
-                    <a:lnL w="12700" cap="flat" cmpd="sng" algn="ctr">
-                      <a:noFill/>
-                      <a:prstDash val="solid"/>
-                      <a:round/>
-                      <a:headEnd type="none" w="med" len="med"/>
-                      <a:tailEnd type="none" w="med" len="med"/>
-                    </a:lnL>
-                    <a:lnR w="12700" cap="flat" cmpd="sng" algn="ctr">
-                      <a:solidFill>
-                        <a:schemeClr val="tx1"/>
-                      </a:solidFill>
-                      <a:prstDash val="solid"/>
-                      <a:round/>
-                      <a:headEnd type="none" w="med" len="med"/>
-                      <a:tailEnd type="none" w="med" len="med"/>
-                    </a:lnR>
-                    <a:lnT w="12700" cap="flat" cmpd="sng" algn="ctr">
-                      <a:noFill/>
-                      <a:prstDash val="solid"/>
-                      <a:round/>
-                      <a:headEnd type="none" w="med" len="med"/>
-                      <a:tailEnd type="none" w="med" len="med"/>
-                    </a:lnT>
-                    <a:lnB w="12700" cap="flat" cmpd="sng" algn="ctr">
-                      <a:solidFill>
-                        <a:schemeClr val="tx1"/>
-                      </a:solidFill>
-                      <a:prstDash val="solid"/>
-                      <a:round/>
-                      <a:headEnd type="none" w="med" len="med"/>
-                      <a:tailEnd type="none" w="med" len="med"/>
-                    </a:lnB>
-                    <a:solidFill>
-                      <a:schemeClr val="bg1"/>
-                    </a:solidFill>
-                  </a:tcPr>
-                </a:tc>
-                <a:extLst>
-                  <a:ext uri="{0D108BD9-81ED-4DB2-BD59-A6C34878D82A}">
-                    <a16:rowId xmlns:a16="http://schemas.microsoft.com/office/drawing/2014/main" val="2771608277"/>
-                  </a:ext>
-                </a:extLst>
-              </a:tr>
-              <a:tr h="457965">
-                <a:tc>
-                  <a:txBody>
-                    <a:bodyPr/>
-                    <a:lstStyle/>
-                    <a:p>
-                      <a:r>
-                        <a:rPr lang="en-US" sz="1600" dirty="0">
-                          <a:solidFill>
-                            <a:srgbClr val="C00000"/>
-                          </a:solidFill>
-                          <a:latin typeface="Arial" panose="020B0604020202020204" pitchFamily="34" charset="0"/>
-                          <a:cs typeface="Arial" panose="020B0604020202020204" pitchFamily="34" charset="0"/>
-                        </a:rPr>
-                        <a:t>u_fname</a:t>
-                      </a:r>
-                      <a:endParaRPr lang="en-IN" sz="1600" dirty="0">
-                        <a:solidFill>
-                          <a:srgbClr val="C00000"/>
-                        </a:solidFill>
-                        <a:latin typeface="Arial" panose="020B0604020202020204" pitchFamily="34" charset="0"/>
-                        <a:cs typeface="Arial" panose="020B0604020202020204" pitchFamily="34" charset="0"/>
-                      </a:endParaRPr>
-                    </a:p>
-                  </a:txBody>
-                  <a:tcPr>
-                    <a:lnL w="12700" cap="flat" cmpd="sng" algn="ctr">
-                      <a:solidFill>
-                        <a:schemeClr val="tx1"/>
-                      </a:solidFill>
-                      <a:prstDash val="solid"/>
-                      <a:round/>
-                      <a:headEnd type="none" w="med" len="med"/>
-                      <a:tailEnd type="none" w="med" len="med"/>
-                    </a:lnL>
-                    <a:lnR w="12700" cap="flat" cmpd="sng" algn="ctr">
-                      <a:noFill/>
-                      <a:prstDash val="solid"/>
-                      <a:round/>
-                      <a:headEnd type="none" w="med" len="med"/>
-                      <a:tailEnd type="none" w="med" len="med"/>
-                    </a:lnR>
-                    <a:lnT w="12700" cap="flat" cmpd="sng" algn="ctr">
-                      <a:solidFill>
-                        <a:schemeClr val="tx1"/>
-                      </a:solidFill>
-                      <a:prstDash val="solid"/>
-                      <a:round/>
-                      <a:headEnd type="none" w="med" len="med"/>
-                      <a:tailEnd type="none" w="med" len="med"/>
-                    </a:lnT>
-                    <a:lnB w="12700" cap="flat" cmpd="sng" algn="ctr">
-                      <a:solidFill>
-                        <a:schemeClr val="tx1"/>
-                      </a:solidFill>
-                      <a:prstDash val="solid"/>
-                      <a:round/>
-                      <a:headEnd type="none" w="med" len="med"/>
-                      <a:tailEnd type="none" w="med" len="med"/>
-                    </a:lnB>
-                    <a:solidFill>
-                      <a:schemeClr val="bg1"/>
-                    </a:solidFill>
-                  </a:tcPr>
-                </a:tc>
-                <a:tc>
-                  <a:txBody>
-                    <a:bodyPr/>
-                    <a:lstStyle/>
-                    <a:p>
-                      <a:pPr algn="ctr"/>
-                      <a:r>
-                        <a:rPr lang="en-US" sz="1600" dirty="0">
-                          <a:latin typeface="Arial" panose="020B0604020202020204" pitchFamily="34" charset="0"/>
-                          <a:cs typeface="Arial" panose="020B0604020202020204" pitchFamily="34" charset="0"/>
-                        </a:rPr>
-                        <a:t>Varchar</a:t>
-                      </a:r>
-                      <a:endParaRPr lang="en-IN" sz="1600" dirty="0">
-                        <a:latin typeface="Arial" panose="020B0604020202020204" pitchFamily="34" charset="0"/>
-                        <a:cs typeface="Arial" panose="020B0604020202020204" pitchFamily="34" charset="0"/>
-                      </a:endParaRPr>
-                    </a:p>
-                  </a:txBody>
-                  <a:tcPr>
-                    <a:lnL w="12700" cap="flat" cmpd="sng" algn="ctr">
-                      <a:noFill/>
-                      <a:prstDash val="solid"/>
-                      <a:round/>
-                      <a:headEnd type="none" w="med" len="med"/>
-                      <a:tailEnd type="none" w="med" len="med"/>
-                    </a:lnL>
-                    <a:lnR w="12700" cap="flat" cmpd="sng" algn="ctr">
-                      <a:noFill/>
-                      <a:prstDash val="solid"/>
-                      <a:round/>
-                      <a:headEnd type="none" w="med" len="med"/>
-                      <a:tailEnd type="none" w="med" len="med"/>
-                    </a:lnR>
-                    <a:lnT w="12700" cap="flat" cmpd="sng" algn="ctr">
-                      <a:solidFill>
-                        <a:schemeClr val="tx1"/>
-                      </a:solidFill>
-                      <a:prstDash val="solid"/>
-                      <a:round/>
-                      <a:headEnd type="none" w="med" len="med"/>
-                      <a:tailEnd type="none" w="med" len="med"/>
-                    </a:lnT>
-                    <a:lnB w="12700" cap="flat" cmpd="sng" algn="ctr">
-                      <a:solidFill>
-                        <a:schemeClr val="tx1"/>
-                      </a:solidFill>
-                      <a:prstDash val="solid"/>
-                      <a:round/>
-                      <a:headEnd type="none" w="med" len="med"/>
-                      <a:tailEnd type="none" w="med" len="med"/>
-                    </a:lnB>
-                    <a:solidFill>
-                      <a:schemeClr val="bg1"/>
-                    </a:solidFill>
-                  </a:tcPr>
-                </a:tc>
-                <a:tc>
-                  <a:txBody>
-                    <a:bodyPr/>
-                    <a:lstStyle/>
-                    <a:p>
-                      <a:pPr algn="ctr"/>
-                      <a:r>
-                        <a:rPr lang="en-US" sz="1600" dirty="0">
-                          <a:latin typeface="Arial" panose="020B0604020202020204" pitchFamily="34" charset="0"/>
-                          <a:cs typeface="Arial" panose="020B0604020202020204" pitchFamily="34" charset="0"/>
-                        </a:rPr>
-                        <a:t>10</a:t>
-                      </a:r>
-                      <a:endParaRPr lang="en-IN" sz="1600" dirty="0">
-                        <a:latin typeface="Arial" panose="020B0604020202020204" pitchFamily="34" charset="0"/>
-                        <a:cs typeface="Arial" panose="020B0604020202020204" pitchFamily="34" charset="0"/>
-                      </a:endParaRPr>
-                    </a:p>
-                  </a:txBody>
-                  <a:tcPr>
-                    <a:lnL w="12700" cap="flat" cmpd="sng" algn="ctr">
-                      <a:noFill/>
-                      <a:prstDash val="solid"/>
-                      <a:round/>
-                      <a:headEnd type="none" w="med" len="med"/>
-                      <a:tailEnd type="none" w="med" len="med"/>
-                    </a:lnL>
-                    <a:lnR w="12700" cap="flat" cmpd="sng" algn="ctr">
-                      <a:noFill/>
-                      <a:prstDash val="solid"/>
-                      <a:round/>
-                      <a:headEnd type="none" w="med" len="med"/>
-                      <a:tailEnd type="none" w="med" len="med"/>
-                    </a:lnR>
-                    <a:lnT w="12700" cap="flat" cmpd="sng" algn="ctr">
-                      <a:solidFill>
-                        <a:schemeClr val="tx1"/>
-                      </a:solidFill>
-                      <a:prstDash val="solid"/>
-                      <a:round/>
-                      <a:headEnd type="none" w="med" len="med"/>
-                      <a:tailEnd type="none" w="med" len="med"/>
-                    </a:lnT>
-                    <a:lnB w="12700" cap="flat" cmpd="sng" algn="ctr">
-                      <a:solidFill>
-                        <a:schemeClr val="tx1"/>
-                      </a:solidFill>
-                      <a:prstDash val="solid"/>
-                      <a:round/>
-                      <a:headEnd type="none" w="med" len="med"/>
-                      <a:tailEnd type="none" w="med" len="med"/>
-                    </a:lnB>
-                    <a:solidFill>
-                      <a:schemeClr val="bg1"/>
-                    </a:solidFill>
-                  </a:tcPr>
-                </a:tc>
-                <a:tc>
-                  <a:txBody>
-                    <a:bodyPr/>
-                    <a:lstStyle/>
-                    <a:p>
-                      <a:pPr marL="0" marR="0" lvl="0" indent="0" algn="ctr" defTabSz="457200" rtl="0" eaLnBrk="1" fontAlgn="auto" latinLnBrk="0" hangingPunct="1">
-                        <a:lnSpc>
-                          <a:spcPct val="100000"/>
-                        </a:lnSpc>
-                        <a:spcBef>
-                          <a:spcPts val="0"/>
-                        </a:spcBef>
-                        <a:spcAft>
-                          <a:spcPts val="0"/>
-                        </a:spcAft>
-                        <a:buClrTx/>
-                        <a:buSzTx/>
-                        <a:buFontTx/>
-                        <a:buNone/>
-                        <a:tabLst/>
-                        <a:defRPr/>
-                      </a:pPr>
-                      <a:r>
-                        <a:rPr lang="en-US" sz="1600" dirty="0">
-                          <a:latin typeface="Arial" panose="020B0604020202020204" pitchFamily="34" charset="0"/>
-                          <a:cs typeface="Arial" panose="020B0604020202020204" pitchFamily="34" charset="0"/>
-                        </a:rPr>
-                        <a:t>Chiragsinh</a:t>
-                      </a:r>
-                      <a:endParaRPr lang="en-IN" sz="1600" dirty="0">
-                        <a:latin typeface="Arial" panose="020B0604020202020204" pitchFamily="34" charset="0"/>
-                        <a:cs typeface="Arial" panose="020B0604020202020204" pitchFamily="34" charset="0"/>
-                      </a:endParaRPr>
-                    </a:p>
-                  </a:txBody>
-                  <a:tcPr>
-                    <a:lnL w="12700" cap="flat" cmpd="sng" algn="ctr">
-                      <a:noFill/>
-                      <a:prstDash val="solid"/>
-                      <a:round/>
-                      <a:headEnd type="none" w="med" len="med"/>
-                      <a:tailEnd type="none" w="med" len="med"/>
-                    </a:lnL>
-                    <a:lnR w="12700" cap="flat" cmpd="sng" algn="ctr">
-                      <a:noFill/>
-                      <a:prstDash val="solid"/>
-                      <a:round/>
-                      <a:headEnd type="none" w="med" len="med"/>
-                      <a:tailEnd type="none" w="med" len="med"/>
-                    </a:lnR>
-                    <a:lnT w="12700" cap="flat" cmpd="sng" algn="ctr">
-                      <a:solidFill>
-                        <a:schemeClr val="tx1"/>
-                      </a:solidFill>
-                      <a:prstDash val="solid"/>
-                      <a:round/>
-                      <a:headEnd type="none" w="med" len="med"/>
-                      <a:tailEnd type="none" w="med" len="med"/>
-                    </a:lnT>
-                    <a:lnB w="12700" cap="flat" cmpd="sng" algn="ctr">
-                      <a:solidFill>
-                        <a:schemeClr val="tx1"/>
-                      </a:solidFill>
-                      <a:prstDash val="solid"/>
-                      <a:round/>
-                      <a:headEnd type="none" w="med" len="med"/>
-                      <a:tailEnd type="none" w="med" len="med"/>
-                    </a:lnB>
-                    <a:solidFill>
-                      <a:schemeClr val="bg1"/>
-                    </a:solidFill>
-                  </a:tcPr>
-                </a:tc>
-                <a:tc>
-                  <a:txBody>
-                    <a:bodyPr/>
-                    <a:lstStyle/>
-                    <a:p>
-                      <a:pPr algn="l"/>
-                      <a:r>
-                        <a:rPr lang="en-IN" sz="1600" dirty="0">
-                          <a:latin typeface="Arial" panose="020B0604020202020204" pitchFamily="34" charset="0"/>
-                          <a:cs typeface="Arial" panose="020B0604020202020204" pitchFamily="34" charset="0"/>
-                        </a:rPr>
-                        <a:t>First name</a:t>
-                      </a:r>
-                    </a:p>
-                  </a:txBody>
-                  <a:tcPr>
-                    <a:lnL w="12700" cap="flat" cmpd="sng" algn="ctr">
-                      <a:noFill/>
-                      <a:prstDash val="solid"/>
-                      <a:round/>
-                      <a:headEnd type="none" w="med" len="med"/>
-                      <a:tailEnd type="none" w="med" len="med"/>
-                    </a:lnL>
-                    <a:lnR w="12700" cap="flat" cmpd="sng" algn="ctr">
-                      <a:solidFill>
-                        <a:schemeClr val="tx1"/>
-                      </a:solidFill>
-                      <a:prstDash val="solid"/>
-                      <a:round/>
-                      <a:headEnd type="none" w="med" len="med"/>
-                      <a:tailEnd type="none" w="med" len="med"/>
-                    </a:lnR>
-                    <a:lnT w="12700" cap="flat" cmpd="sng" algn="ctr">
-                      <a:solidFill>
-                        <a:schemeClr val="tx1"/>
-                      </a:solidFill>
-                      <a:prstDash val="solid"/>
-                      <a:round/>
-                      <a:headEnd type="none" w="med" len="med"/>
-                      <a:tailEnd type="none" w="med" len="med"/>
-                    </a:lnT>
-                    <a:lnB w="12700" cap="flat" cmpd="sng" algn="ctr">
-                      <a:solidFill>
-                        <a:schemeClr val="tx1"/>
-                      </a:solidFill>
-                      <a:prstDash val="solid"/>
-                      <a:round/>
-                      <a:headEnd type="none" w="med" len="med"/>
-                      <a:tailEnd type="none" w="med" len="med"/>
-                    </a:lnB>
-                    <a:solidFill>
-                      <a:schemeClr val="bg1"/>
-                    </a:solidFill>
-                  </a:tcPr>
-                </a:tc>
-                <a:extLst>
-                  <a:ext uri="{0D108BD9-81ED-4DB2-BD59-A6C34878D82A}">
-                    <a16:rowId xmlns:a16="http://schemas.microsoft.com/office/drawing/2014/main" val="2668767587"/>
-                  </a:ext>
-                </a:extLst>
-              </a:tr>
-              <a:tr h="457965">
-                <a:tc>
-                  <a:txBody>
-                    <a:bodyPr/>
-                    <a:lstStyle/>
-                    <a:p>
-                      <a:r>
-                        <a:rPr lang="en-US" sz="1600" dirty="0">
-                          <a:solidFill>
-                            <a:srgbClr val="C00000"/>
-                          </a:solidFill>
-                          <a:latin typeface="Arial" panose="020B0604020202020204" pitchFamily="34" charset="0"/>
-                          <a:cs typeface="Arial" panose="020B0604020202020204" pitchFamily="34" charset="0"/>
-                        </a:rPr>
-                        <a:t>u_sname</a:t>
-                      </a:r>
-                      <a:endParaRPr lang="en-IN" sz="1600" dirty="0">
-                        <a:solidFill>
-                          <a:srgbClr val="C00000"/>
-                        </a:solidFill>
-                        <a:latin typeface="Arial" panose="020B0604020202020204" pitchFamily="34" charset="0"/>
-                        <a:cs typeface="Arial" panose="020B0604020202020204" pitchFamily="34" charset="0"/>
-                      </a:endParaRPr>
-                    </a:p>
-                  </a:txBody>
-                  <a:tcPr>
-                    <a:lnL w="12700" cap="flat" cmpd="sng" algn="ctr">
-                      <a:solidFill>
-                        <a:schemeClr val="tx1"/>
-                      </a:solidFill>
-                      <a:prstDash val="solid"/>
-                      <a:round/>
-                      <a:headEnd type="none" w="med" len="med"/>
-                      <a:tailEnd type="none" w="med" len="med"/>
-                    </a:lnL>
-                    <a:lnR w="12700" cap="flat" cmpd="sng" algn="ctr">
-                      <a:noFill/>
-                      <a:prstDash val="solid"/>
-                      <a:round/>
-                      <a:headEnd type="none" w="med" len="med"/>
-                      <a:tailEnd type="none" w="med" len="med"/>
-                    </a:lnR>
-                    <a:lnT w="12700" cap="flat" cmpd="sng" algn="ctr">
-                      <a:solidFill>
-                        <a:schemeClr val="tx1"/>
-                      </a:solidFill>
-                      <a:prstDash val="solid"/>
-                      <a:round/>
-                      <a:headEnd type="none" w="med" len="med"/>
-                      <a:tailEnd type="none" w="med" len="med"/>
-                    </a:lnT>
-                    <a:lnB w="12700" cap="flat" cmpd="sng" algn="ctr">
-                      <a:solidFill>
-                        <a:schemeClr val="tx1"/>
-                      </a:solidFill>
-                      <a:prstDash val="solid"/>
-                      <a:round/>
-                      <a:headEnd type="none" w="med" len="med"/>
-                      <a:tailEnd type="none" w="med" len="med"/>
-                    </a:lnB>
-                    <a:solidFill>
-                      <a:schemeClr val="bg1"/>
-                    </a:solidFill>
-                  </a:tcPr>
-                </a:tc>
-                <a:tc>
-                  <a:txBody>
-                    <a:bodyPr/>
-                    <a:lstStyle/>
-                    <a:p>
-                      <a:pPr algn="ctr"/>
-                      <a:r>
-                        <a:rPr lang="en-US" sz="1600" dirty="0">
-                          <a:latin typeface="Arial" panose="020B0604020202020204" pitchFamily="34" charset="0"/>
-                          <a:cs typeface="Arial" panose="020B0604020202020204" pitchFamily="34" charset="0"/>
-                        </a:rPr>
-                        <a:t>Varchar</a:t>
-                      </a:r>
-                      <a:endParaRPr lang="en-IN" sz="1600" dirty="0">
-                        <a:latin typeface="Arial" panose="020B0604020202020204" pitchFamily="34" charset="0"/>
-                        <a:cs typeface="Arial" panose="020B0604020202020204" pitchFamily="34" charset="0"/>
-                      </a:endParaRPr>
-                    </a:p>
-                  </a:txBody>
-                  <a:tcPr>
-                    <a:lnL w="12700" cap="flat" cmpd="sng" algn="ctr">
-                      <a:noFill/>
-                      <a:prstDash val="solid"/>
-                      <a:round/>
-                      <a:headEnd type="none" w="med" len="med"/>
-                      <a:tailEnd type="none" w="med" len="med"/>
-                    </a:lnL>
-                    <a:lnR w="12700" cap="flat" cmpd="sng" algn="ctr">
-                      <a:noFill/>
-                      <a:prstDash val="solid"/>
-                      <a:round/>
-                      <a:headEnd type="none" w="med" len="med"/>
-                      <a:tailEnd type="none" w="med" len="med"/>
-                    </a:lnR>
-                    <a:lnT w="12700" cap="flat" cmpd="sng" algn="ctr">
-                      <a:solidFill>
-                        <a:schemeClr val="tx1"/>
-                      </a:solidFill>
-                      <a:prstDash val="solid"/>
-                      <a:round/>
-                      <a:headEnd type="none" w="med" len="med"/>
-                      <a:tailEnd type="none" w="med" len="med"/>
-                    </a:lnT>
-                    <a:lnB w="12700" cap="flat" cmpd="sng" algn="ctr">
-                      <a:solidFill>
-                        <a:schemeClr val="tx1"/>
-                      </a:solidFill>
-                      <a:prstDash val="solid"/>
-                      <a:round/>
-                      <a:headEnd type="none" w="med" len="med"/>
-                      <a:tailEnd type="none" w="med" len="med"/>
-                    </a:lnB>
-                    <a:solidFill>
-                      <a:schemeClr val="bg1"/>
-                    </a:solidFill>
-                  </a:tcPr>
-                </a:tc>
-                <a:tc>
-                  <a:txBody>
-                    <a:bodyPr/>
-                    <a:lstStyle/>
-                    <a:p>
-                      <a:pPr algn="ctr"/>
-                      <a:r>
-                        <a:rPr lang="en-US" sz="1600" dirty="0">
-                          <a:latin typeface="Arial" panose="020B0604020202020204" pitchFamily="34" charset="0"/>
-                          <a:cs typeface="Arial" panose="020B0604020202020204" pitchFamily="34" charset="0"/>
-                        </a:rPr>
-                        <a:t>10</a:t>
-                      </a:r>
-                      <a:endParaRPr lang="en-IN" sz="1600" dirty="0">
-                        <a:latin typeface="Arial" panose="020B0604020202020204" pitchFamily="34" charset="0"/>
-                        <a:cs typeface="Arial" panose="020B0604020202020204" pitchFamily="34" charset="0"/>
-                      </a:endParaRPr>
-                    </a:p>
-                  </a:txBody>
-                  <a:tcPr>
-                    <a:lnL w="12700" cap="flat" cmpd="sng" algn="ctr">
-                      <a:noFill/>
-                      <a:prstDash val="solid"/>
-                      <a:round/>
-                      <a:headEnd type="none" w="med" len="med"/>
-                      <a:tailEnd type="none" w="med" len="med"/>
-                    </a:lnL>
-                    <a:lnR w="12700" cap="flat" cmpd="sng" algn="ctr">
-                      <a:noFill/>
-                      <a:prstDash val="solid"/>
-                      <a:round/>
-                      <a:headEnd type="none" w="med" len="med"/>
-                      <a:tailEnd type="none" w="med" len="med"/>
-                    </a:lnR>
-                    <a:lnT w="12700" cap="flat" cmpd="sng" algn="ctr">
-                      <a:solidFill>
-                        <a:schemeClr val="tx1"/>
-                      </a:solidFill>
-                      <a:prstDash val="solid"/>
-                      <a:round/>
-                      <a:headEnd type="none" w="med" len="med"/>
-                      <a:tailEnd type="none" w="med" len="med"/>
-                    </a:lnT>
-                    <a:lnB w="12700" cap="flat" cmpd="sng" algn="ctr">
-                      <a:solidFill>
-                        <a:schemeClr val="tx1"/>
-                      </a:solidFill>
-                      <a:prstDash val="solid"/>
-                      <a:round/>
-                      <a:headEnd type="none" w="med" len="med"/>
-                      <a:tailEnd type="none" w="med" len="med"/>
-                    </a:lnB>
-                    <a:solidFill>
-                      <a:schemeClr val="bg1"/>
-                    </a:solidFill>
-                  </a:tcPr>
-                </a:tc>
-                <a:tc>
-                  <a:txBody>
-                    <a:bodyPr/>
-                    <a:lstStyle/>
-                    <a:p>
-                      <a:pPr marL="0" marR="0" lvl="0" indent="0" algn="ctr" defTabSz="457200" rtl="0" eaLnBrk="1" fontAlgn="auto" latinLnBrk="0" hangingPunct="1">
-                        <a:lnSpc>
-                          <a:spcPct val="100000"/>
-                        </a:lnSpc>
-                        <a:spcBef>
-                          <a:spcPts val="0"/>
-                        </a:spcBef>
-                        <a:spcAft>
-                          <a:spcPts val="0"/>
-                        </a:spcAft>
-                        <a:buClrTx/>
-                        <a:buSzTx/>
-                        <a:buFontTx/>
-                        <a:buNone/>
-                        <a:tabLst/>
-                        <a:defRPr/>
-                      </a:pPr>
-                      <a:r>
-                        <a:rPr lang="en-US" sz="1600" dirty="0">
-                          <a:latin typeface="Arial" panose="020B0604020202020204" pitchFamily="34" charset="0"/>
-                          <a:cs typeface="Arial" panose="020B0604020202020204" pitchFamily="34" charset="0"/>
-                        </a:rPr>
-                        <a:t>Vaghela</a:t>
-                      </a:r>
-                      <a:endParaRPr lang="en-IN" sz="1600" dirty="0">
-                        <a:latin typeface="Arial" panose="020B0604020202020204" pitchFamily="34" charset="0"/>
-                        <a:cs typeface="Arial" panose="020B0604020202020204" pitchFamily="34" charset="0"/>
-                      </a:endParaRPr>
-                    </a:p>
-                  </a:txBody>
-                  <a:tcPr>
-                    <a:lnL w="12700" cap="flat" cmpd="sng" algn="ctr">
-                      <a:noFill/>
-                      <a:prstDash val="solid"/>
-                      <a:round/>
-                      <a:headEnd type="none" w="med" len="med"/>
-                      <a:tailEnd type="none" w="med" len="med"/>
-                    </a:lnL>
-                    <a:lnR w="12700" cap="flat" cmpd="sng" algn="ctr">
-                      <a:noFill/>
-                      <a:prstDash val="solid"/>
-                      <a:round/>
-                      <a:headEnd type="none" w="med" len="med"/>
-                      <a:tailEnd type="none" w="med" len="med"/>
-                    </a:lnR>
-                    <a:lnT w="12700" cap="flat" cmpd="sng" algn="ctr">
-                      <a:solidFill>
-                        <a:schemeClr val="tx1"/>
-                      </a:solidFill>
-                      <a:prstDash val="solid"/>
-                      <a:round/>
-                      <a:headEnd type="none" w="med" len="med"/>
-                      <a:tailEnd type="none" w="med" len="med"/>
-                    </a:lnT>
-                    <a:lnB w="12700" cap="flat" cmpd="sng" algn="ctr">
-                      <a:solidFill>
-                        <a:schemeClr val="tx1"/>
-                      </a:solidFill>
-                      <a:prstDash val="solid"/>
-                      <a:round/>
-                      <a:headEnd type="none" w="med" len="med"/>
-                      <a:tailEnd type="none" w="med" len="med"/>
-                    </a:lnB>
-                    <a:solidFill>
-                      <a:schemeClr val="bg1"/>
-                    </a:solidFill>
-                  </a:tcPr>
-                </a:tc>
-                <a:tc>
-                  <a:txBody>
-                    <a:bodyPr/>
-                    <a:lstStyle/>
-                    <a:p>
-                      <a:pPr algn="l"/>
-                      <a:r>
-                        <a:rPr lang="en-IN" sz="1600" dirty="0">
-                          <a:latin typeface="Arial" panose="020B0604020202020204" pitchFamily="34" charset="0"/>
-                          <a:cs typeface="Arial" panose="020B0604020202020204" pitchFamily="34" charset="0"/>
-                        </a:rPr>
-                        <a:t>Surname</a:t>
-                      </a:r>
-                    </a:p>
-                  </a:txBody>
-                  <a:tcPr>
-                    <a:lnL w="12700" cap="flat" cmpd="sng" algn="ctr">
-                      <a:noFill/>
-                      <a:prstDash val="solid"/>
-                      <a:round/>
-                      <a:headEnd type="none" w="med" len="med"/>
-                      <a:tailEnd type="none" w="med" len="med"/>
-                    </a:lnL>
-                    <a:lnR w="12700" cap="flat" cmpd="sng" algn="ctr">
-                      <a:solidFill>
-                        <a:schemeClr val="tx1"/>
-                      </a:solidFill>
-                      <a:prstDash val="solid"/>
-                      <a:round/>
-                      <a:headEnd type="none" w="med" len="med"/>
-                      <a:tailEnd type="none" w="med" len="med"/>
-                    </a:lnR>
-                    <a:lnT w="12700" cap="flat" cmpd="sng" algn="ctr">
-                      <a:solidFill>
-                        <a:schemeClr val="tx1"/>
-                      </a:solidFill>
-                      <a:prstDash val="solid"/>
-                      <a:round/>
-                      <a:headEnd type="none" w="med" len="med"/>
-                      <a:tailEnd type="none" w="med" len="med"/>
-                    </a:lnT>
-                    <a:lnB w="12700" cap="flat" cmpd="sng" algn="ctr">
-                      <a:solidFill>
-                        <a:schemeClr val="tx1"/>
-                      </a:solidFill>
-                      <a:prstDash val="solid"/>
-                      <a:round/>
-                      <a:headEnd type="none" w="med" len="med"/>
-                      <a:tailEnd type="none" w="med" len="med"/>
-                    </a:lnB>
-                    <a:solidFill>
-                      <a:schemeClr val="bg1"/>
-                    </a:solidFill>
-                  </a:tcPr>
-                </a:tc>
-                <a:extLst>
-                  <a:ext uri="{0D108BD9-81ED-4DB2-BD59-A6C34878D82A}">
-                    <a16:rowId xmlns:a16="http://schemas.microsoft.com/office/drawing/2014/main" val="2660012646"/>
-                  </a:ext>
-                </a:extLst>
-              </a:tr>
-              <a:tr h="416389">
-                <a:tc>
-                  <a:txBody>
-                    <a:bodyPr/>
-                    <a:lstStyle/>
-                    <a:p>
-                      <a:r>
-                        <a:rPr lang="en-US" sz="1600" dirty="0">
-                          <a:solidFill>
-                            <a:srgbClr val="C00000"/>
-                          </a:solidFill>
-                          <a:latin typeface="Arial" panose="020B0604020202020204" pitchFamily="34" charset="0"/>
-                          <a:cs typeface="Arial" panose="020B0604020202020204" pitchFamily="34" charset="0"/>
-                        </a:rPr>
-                        <a:t>dob</a:t>
-                      </a:r>
-                      <a:endParaRPr lang="en-IN" sz="1600" dirty="0">
-                        <a:solidFill>
-                          <a:srgbClr val="C00000"/>
-                        </a:solidFill>
-                        <a:latin typeface="Arial" panose="020B0604020202020204" pitchFamily="34" charset="0"/>
-                        <a:cs typeface="Arial" panose="020B0604020202020204" pitchFamily="34" charset="0"/>
-                      </a:endParaRPr>
-                    </a:p>
-                  </a:txBody>
-                  <a:tcPr>
-                    <a:lnL w="12700" cap="flat" cmpd="sng" algn="ctr">
-                      <a:solidFill>
-                        <a:schemeClr val="tx1"/>
-                      </a:solidFill>
-                      <a:prstDash val="solid"/>
-                      <a:round/>
-                      <a:headEnd type="none" w="med" len="med"/>
-                      <a:tailEnd type="none" w="med" len="med"/>
-                    </a:lnL>
-                    <a:lnR w="12700" cap="flat" cmpd="sng" algn="ctr">
-                      <a:noFill/>
-                      <a:prstDash val="solid"/>
-                      <a:round/>
-                      <a:headEnd type="none" w="med" len="med"/>
-                      <a:tailEnd type="none" w="med" len="med"/>
-                    </a:lnR>
-                    <a:lnT w="12700" cap="flat" cmpd="sng" algn="ctr">
-                      <a:solidFill>
-                        <a:schemeClr val="tx1"/>
-                      </a:solidFill>
-                      <a:prstDash val="solid"/>
-                      <a:round/>
-                      <a:headEnd type="none" w="med" len="med"/>
-                      <a:tailEnd type="none" w="med" len="med"/>
-                    </a:lnT>
-                    <a:lnB w="12700" cap="flat" cmpd="sng" algn="ctr">
-                      <a:solidFill>
-                        <a:schemeClr val="tx1"/>
-                      </a:solidFill>
-                      <a:prstDash val="solid"/>
-                      <a:round/>
-                      <a:headEnd type="none" w="med" len="med"/>
-                      <a:tailEnd type="none" w="med" len="med"/>
-                    </a:lnB>
-                    <a:solidFill>
-                      <a:schemeClr val="bg1"/>
-                    </a:solidFill>
-                  </a:tcPr>
-                </a:tc>
-                <a:tc>
-                  <a:txBody>
-                    <a:bodyPr/>
-                    <a:lstStyle/>
-                    <a:p>
-                      <a:pPr algn="ctr"/>
-                      <a:r>
-                        <a:rPr lang="en-US" sz="1600" dirty="0">
-                          <a:latin typeface="Arial" panose="020B0604020202020204" pitchFamily="34" charset="0"/>
-                          <a:cs typeface="Arial" panose="020B0604020202020204" pitchFamily="34" charset="0"/>
-                        </a:rPr>
-                        <a:t>Date</a:t>
-                      </a:r>
-                      <a:endParaRPr lang="en-IN" sz="1600" dirty="0">
-                        <a:latin typeface="Arial" panose="020B0604020202020204" pitchFamily="34" charset="0"/>
-                        <a:cs typeface="Arial" panose="020B0604020202020204" pitchFamily="34" charset="0"/>
-                      </a:endParaRPr>
-                    </a:p>
-                  </a:txBody>
-                  <a:tcPr>
-                    <a:lnL w="12700" cap="flat" cmpd="sng" algn="ctr">
-                      <a:noFill/>
-                      <a:prstDash val="solid"/>
-                      <a:round/>
-                      <a:headEnd type="none" w="med" len="med"/>
-                      <a:tailEnd type="none" w="med" len="med"/>
-                    </a:lnL>
-                    <a:lnR w="12700" cap="flat" cmpd="sng" algn="ctr">
-                      <a:noFill/>
-                      <a:prstDash val="solid"/>
-                      <a:round/>
-                      <a:headEnd type="none" w="med" len="med"/>
-                      <a:tailEnd type="none" w="med" len="med"/>
-                    </a:lnR>
-                    <a:lnT w="12700" cap="flat" cmpd="sng" algn="ctr">
-                      <a:solidFill>
-                        <a:schemeClr val="tx1"/>
-                      </a:solidFill>
-                      <a:prstDash val="solid"/>
-                      <a:round/>
-                      <a:headEnd type="none" w="med" len="med"/>
-                      <a:tailEnd type="none" w="med" len="med"/>
-                    </a:lnT>
-                    <a:lnB w="12700" cap="flat" cmpd="sng" algn="ctr">
-                      <a:solidFill>
-                        <a:schemeClr val="tx1"/>
-                      </a:solidFill>
-                      <a:prstDash val="solid"/>
-                      <a:round/>
-                      <a:headEnd type="none" w="med" len="med"/>
-                      <a:tailEnd type="none" w="med" len="med"/>
-                    </a:lnB>
-                    <a:solidFill>
-                      <a:schemeClr val="bg1"/>
-                    </a:solidFill>
-                  </a:tcPr>
-                </a:tc>
-                <a:tc>
-                  <a:txBody>
-                    <a:bodyPr/>
-                    <a:lstStyle/>
-                    <a:p>
-                      <a:pPr algn="ctr"/>
-                      <a:endParaRPr lang="en-IN" sz="1600" dirty="0">
-                        <a:latin typeface="Arial" panose="020B0604020202020204" pitchFamily="34" charset="0"/>
-                        <a:cs typeface="Arial" panose="020B0604020202020204" pitchFamily="34" charset="0"/>
-                      </a:endParaRPr>
-                    </a:p>
-                  </a:txBody>
-                  <a:tcPr>
-                    <a:lnL w="12700" cap="flat" cmpd="sng" algn="ctr">
-                      <a:noFill/>
-                      <a:prstDash val="solid"/>
-                      <a:round/>
-                      <a:headEnd type="none" w="med" len="med"/>
-                      <a:tailEnd type="none" w="med" len="med"/>
-                    </a:lnL>
-                    <a:lnR w="12700" cap="flat" cmpd="sng" algn="ctr">
-                      <a:noFill/>
-                      <a:prstDash val="solid"/>
-                      <a:round/>
-                      <a:headEnd type="none" w="med" len="med"/>
-                      <a:tailEnd type="none" w="med" len="med"/>
-                    </a:lnR>
-                    <a:lnT w="12700" cap="flat" cmpd="sng" algn="ctr">
-                      <a:solidFill>
-                        <a:schemeClr val="tx1"/>
-                      </a:solidFill>
-                      <a:prstDash val="solid"/>
-                      <a:round/>
-                      <a:headEnd type="none" w="med" len="med"/>
-                      <a:tailEnd type="none" w="med" len="med"/>
-                    </a:lnT>
-                    <a:lnB w="12700" cap="flat" cmpd="sng" algn="ctr">
-                      <a:solidFill>
-                        <a:schemeClr val="tx1"/>
-                      </a:solidFill>
-                      <a:prstDash val="solid"/>
-                      <a:round/>
-                      <a:headEnd type="none" w="med" len="med"/>
-                      <a:tailEnd type="none" w="med" len="med"/>
-                    </a:lnB>
-                    <a:solidFill>
-                      <a:schemeClr val="bg1"/>
-                    </a:solidFill>
-                  </a:tcPr>
-                </a:tc>
-                <a:tc>
-                  <a:txBody>
-                    <a:bodyPr/>
-                    <a:lstStyle/>
-                    <a:p>
-                      <a:pPr marL="0" marR="0" lvl="0" indent="0" algn="ctr" defTabSz="457200" rtl="0" eaLnBrk="1" fontAlgn="auto" latinLnBrk="0" hangingPunct="1">
-                        <a:lnSpc>
-                          <a:spcPct val="100000"/>
-                        </a:lnSpc>
-                        <a:spcBef>
-                          <a:spcPts val="0"/>
-                        </a:spcBef>
-                        <a:spcAft>
-                          <a:spcPts val="0"/>
-                        </a:spcAft>
-                        <a:buClrTx/>
-                        <a:buSzTx/>
-                        <a:buFontTx/>
-                        <a:buNone/>
-                        <a:tabLst/>
-                        <a:defRPr/>
-                      </a:pPr>
-                      <a:r>
-                        <a:rPr lang="en-US" sz="1600" dirty="0">
-                          <a:latin typeface="Arial" panose="020B0604020202020204" pitchFamily="34" charset="0"/>
-                          <a:cs typeface="Arial" panose="020B0604020202020204" pitchFamily="34" charset="0"/>
-                        </a:rPr>
-                        <a:t>1876/03/14</a:t>
-                      </a:r>
-                      <a:endParaRPr lang="en-IN" sz="1600" dirty="0">
-                        <a:latin typeface="Arial" panose="020B0604020202020204" pitchFamily="34" charset="0"/>
-                        <a:cs typeface="Arial" panose="020B0604020202020204" pitchFamily="34" charset="0"/>
-                      </a:endParaRPr>
-                    </a:p>
-                  </a:txBody>
-                  <a:tcPr>
-                    <a:lnL w="12700" cap="flat" cmpd="sng" algn="ctr">
-                      <a:noFill/>
-                      <a:prstDash val="solid"/>
-                      <a:round/>
-                      <a:headEnd type="none" w="med" len="med"/>
-                      <a:tailEnd type="none" w="med" len="med"/>
-                    </a:lnL>
-                    <a:lnR w="12700" cap="flat" cmpd="sng" algn="ctr">
-                      <a:noFill/>
-                      <a:prstDash val="solid"/>
-                      <a:round/>
-                      <a:headEnd type="none" w="med" len="med"/>
-                      <a:tailEnd type="none" w="med" len="med"/>
-                    </a:lnR>
-                    <a:lnT w="12700" cap="flat" cmpd="sng" algn="ctr">
-                      <a:solidFill>
-                        <a:schemeClr val="tx1"/>
-                      </a:solidFill>
-                      <a:prstDash val="solid"/>
-                      <a:round/>
-                      <a:headEnd type="none" w="med" len="med"/>
-                      <a:tailEnd type="none" w="med" len="med"/>
-                    </a:lnT>
-                    <a:lnB w="12700" cap="flat" cmpd="sng" algn="ctr">
-                      <a:solidFill>
-                        <a:schemeClr val="tx1"/>
-                      </a:solidFill>
-                      <a:prstDash val="solid"/>
-                      <a:round/>
-                      <a:headEnd type="none" w="med" len="med"/>
-                      <a:tailEnd type="none" w="med" len="med"/>
-                    </a:lnB>
-                    <a:solidFill>
-                      <a:schemeClr val="bg1"/>
-                    </a:solidFill>
-                  </a:tcPr>
-                </a:tc>
-                <a:tc>
-                  <a:txBody>
-                    <a:bodyPr/>
-                    <a:lstStyle/>
-                    <a:p>
-                      <a:pPr algn="l"/>
-                      <a:r>
-                        <a:rPr lang="en-IN" sz="1600" dirty="0">
-                          <a:latin typeface="Arial" panose="020B0604020202020204" pitchFamily="34" charset="0"/>
-                          <a:cs typeface="Arial" panose="020B0604020202020204" pitchFamily="34" charset="0"/>
-                        </a:rPr>
-                        <a:t>Date of birth (YYYY/MM/DD)</a:t>
-                      </a:r>
-                    </a:p>
-                  </a:txBody>
-                  <a:tcPr>
-                    <a:lnL w="12700" cap="flat" cmpd="sng" algn="ctr">
-                      <a:noFill/>
-                      <a:prstDash val="solid"/>
-                      <a:round/>
-                      <a:headEnd type="none" w="med" len="med"/>
-                      <a:tailEnd type="none" w="med" len="med"/>
-                    </a:lnL>
-                    <a:lnR w="12700" cap="flat" cmpd="sng" algn="ctr">
-                      <a:solidFill>
-                        <a:schemeClr val="tx1"/>
-                      </a:solidFill>
-                      <a:prstDash val="solid"/>
-                      <a:round/>
-                      <a:headEnd type="none" w="med" len="med"/>
-                      <a:tailEnd type="none" w="med" len="med"/>
-                    </a:lnR>
-                    <a:lnT w="12700" cap="flat" cmpd="sng" algn="ctr">
-                      <a:solidFill>
-                        <a:schemeClr val="tx1"/>
-                      </a:solidFill>
-                      <a:prstDash val="solid"/>
-                      <a:round/>
-                      <a:headEnd type="none" w="med" len="med"/>
-                      <a:tailEnd type="none" w="med" len="med"/>
-                    </a:lnT>
-                    <a:lnB w="12700" cap="flat" cmpd="sng" algn="ctr">
-                      <a:solidFill>
-                        <a:schemeClr val="tx1"/>
-                      </a:solidFill>
-                      <a:prstDash val="solid"/>
-                      <a:round/>
-                      <a:headEnd type="none" w="med" len="med"/>
-                      <a:tailEnd type="none" w="med" len="med"/>
-                    </a:lnB>
-                    <a:solidFill>
-                      <a:schemeClr val="bg1"/>
-                    </a:solidFill>
-                  </a:tcPr>
-                </a:tc>
-                <a:extLst>
-                  <a:ext uri="{0D108BD9-81ED-4DB2-BD59-A6C34878D82A}">
-                    <a16:rowId xmlns:a16="http://schemas.microsoft.com/office/drawing/2014/main" val="1323240528"/>
-                  </a:ext>
-                </a:extLst>
-              </a:tr>
-              <a:tr h="436228">
-                <a:tc>
-                  <a:txBody>
-                    <a:bodyPr/>
-                    <a:lstStyle/>
-                    <a:p>
-                      <a:r>
-                        <a:rPr lang="en-IN" sz="1600" dirty="0" err="1">
-                          <a:solidFill>
-                            <a:srgbClr val="C00000"/>
-                          </a:solidFill>
-                          <a:latin typeface="Arial" panose="020B0604020202020204" pitchFamily="34" charset="0"/>
-                          <a:cs typeface="Arial" panose="020B0604020202020204" pitchFamily="34" charset="0"/>
-                        </a:rPr>
-                        <a:t>pwd</a:t>
-                      </a:r>
-                      <a:endParaRPr lang="en-IN" sz="1600" dirty="0">
-                        <a:solidFill>
-                          <a:srgbClr val="C00000"/>
-                        </a:solidFill>
-                        <a:latin typeface="Arial" panose="020B0604020202020204" pitchFamily="34" charset="0"/>
-                        <a:cs typeface="Arial" panose="020B0604020202020204" pitchFamily="34" charset="0"/>
-                      </a:endParaRPr>
-                    </a:p>
-                  </a:txBody>
-                  <a:tcPr>
-                    <a:lnL w="12700" cap="flat" cmpd="sng" algn="ctr">
-                      <a:solidFill>
-                        <a:schemeClr val="tx1"/>
-                      </a:solidFill>
-                      <a:prstDash val="solid"/>
-                      <a:round/>
-                      <a:headEnd type="none" w="med" len="med"/>
-                      <a:tailEnd type="none" w="med" len="med"/>
-                    </a:lnL>
-                    <a:lnR w="12700" cap="flat" cmpd="sng" algn="ctr">
-                      <a:noFill/>
-                      <a:prstDash val="solid"/>
-                      <a:round/>
-                      <a:headEnd type="none" w="med" len="med"/>
-                      <a:tailEnd type="none" w="med" len="med"/>
-                    </a:lnR>
-                    <a:lnT w="12700" cap="flat" cmpd="sng" algn="ctr">
-                      <a:solidFill>
-                        <a:schemeClr val="tx1"/>
-                      </a:solidFill>
-                      <a:prstDash val="solid"/>
-                      <a:round/>
-                      <a:headEnd type="none" w="med" len="med"/>
-                      <a:tailEnd type="none" w="med" len="med"/>
-                    </a:lnT>
-                    <a:lnB w="12700" cap="flat" cmpd="sng" algn="ctr">
-                      <a:solidFill>
-                        <a:schemeClr val="tx1"/>
-                      </a:solidFill>
-                      <a:prstDash val="solid"/>
-                      <a:round/>
-                      <a:headEnd type="none" w="med" len="med"/>
-                      <a:tailEnd type="none" w="med" len="med"/>
-                    </a:lnB>
-                    <a:solidFill>
-                      <a:schemeClr val="bg1"/>
-                    </a:solidFill>
-                  </a:tcPr>
-                </a:tc>
-                <a:tc>
-                  <a:txBody>
-                    <a:bodyPr/>
-                    <a:lstStyle/>
-                    <a:p>
-                      <a:pPr algn="ctr"/>
-                      <a:r>
-                        <a:rPr lang="en-IN" sz="1600" dirty="0">
-                          <a:latin typeface="Arial" panose="020B0604020202020204" pitchFamily="34" charset="0"/>
-                          <a:cs typeface="Arial" panose="020B0604020202020204" pitchFamily="34" charset="0"/>
-                        </a:rPr>
-                        <a:t>char(32)</a:t>
-                      </a:r>
-                    </a:p>
-                  </a:txBody>
-                  <a:tcPr>
-                    <a:lnL w="12700" cap="flat" cmpd="sng" algn="ctr">
-                      <a:noFill/>
-                      <a:prstDash val="solid"/>
-                      <a:round/>
-                      <a:headEnd type="none" w="med" len="med"/>
-                      <a:tailEnd type="none" w="med" len="med"/>
-                    </a:lnL>
-                    <a:lnR w="12700" cap="flat" cmpd="sng" algn="ctr">
-                      <a:noFill/>
-                      <a:prstDash val="solid"/>
-                      <a:round/>
-                      <a:headEnd type="none" w="med" len="med"/>
-                      <a:tailEnd type="none" w="med" len="med"/>
-                    </a:lnR>
-                    <a:lnT w="12700" cap="flat" cmpd="sng" algn="ctr">
-                      <a:solidFill>
-                        <a:schemeClr val="tx1"/>
-                      </a:solidFill>
-                      <a:prstDash val="solid"/>
-                      <a:round/>
-                      <a:headEnd type="none" w="med" len="med"/>
-                      <a:tailEnd type="none" w="med" len="med"/>
-                    </a:lnT>
-                    <a:lnB w="12700" cap="flat" cmpd="sng" algn="ctr">
-                      <a:solidFill>
-                        <a:schemeClr val="tx1"/>
-                      </a:solidFill>
-                      <a:prstDash val="solid"/>
-                      <a:round/>
-                      <a:headEnd type="none" w="med" len="med"/>
-                      <a:tailEnd type="none" w="med" len="med"/>
-                    </a:lnB>
-                    <a:solidFill>
-                      <a:schemeClr val="bg1"/>
-                    </a:solidFill>
-                  </a:tcPr>
-                </a:tc>
-                <a:tc>
-                  <a:txBody>
-                    <a:bodyPr/>
-                    <a:lstStyle/>
-                    <a:p>
-                      <a:pPr algn="ctr"/>
-                      <a:endParaRPr lang="en-IN" sz="1600" dirty="0">
-                        <a:latin typeface="Arial" panose="020B0604020202020204" pitchFamily="34" charset="0"/>
-                        <a:cs typeface="Arial" panose="020B0604020202020204" pitchFamily="34" charset="0"/>
-                      </a:endParaRPr>
-                    </a:p>
-                  </a:txBody>
-                  <a:tcPr>
-                    <a:lnL w="12700" cap="flat" cmpd="sng" algn="ctr">
-                      <a:noFill/>
-                      <a:prstDash val="solid"/>
-                      <a:round/>
-                      <a:headEnd type="none" w="med" len="med"/>
-                      <a:tailEnd type="none" w="med" len="med"/>
-                    </a:lnL>
-                    <a:lnR w="12700" cap="flat" cmpd="sng" algn="ctr">
-                      <a:noFill/>
-                      <a:prstDash val="solid"/>
-                      <a:round/>
-                      <a:headEnd type="none" w="med" len="med"/>
-                      <a:tailEnd type="none" w="med" len="med"/>
-                    </a:lnR>
-                    <a:lnT w="12700" cap="flat" cmpd="sng" algn="ctr">
-                      <a:solidFill>
-                        <a:schemeClr val="tx1"/>
-                      </a:solidFill>
-                      <a:prstDash val="solid"/>
-                      <a:round/>
-                      <a:headEnd type="none" w="med" len="med"/>
-                      <a:tailEnd type="none" w="med" len="med"/>
-                    </a:lnT>
-                    <a:lnB w="12700" cap="flat" cmpd="sng" algn="ctr">
-                      <a:solidFill>
-                        <a:schemeClr val="tx1"/>
-                      </a:solidFill>
-                      <a:prstDash val="solid"/>
-                      <a:round/>
-                      <a:headEnd type="none" w="med" len="med"/>
-                      <a:tailEnd type="none" w="med" len="med"/>
-                    </a:lnB>
-                    <a:solidFill>
-                      <a:schemeClr val="bg1"/>
-                    </a:solidFill>
-                  </a:tcPr>
-                </a:tc>
-                <a:tc>
-                  <a:txBody>
-                    <a:bodyPr/>
-                    <a:lstStyle/>
-                    <a:p>
-                      <a:pPr marL="0" marR="0" lvl="0" indent="0" algn="ctr" defTabSz="457200" rtl="0" eaLnBrk="1" fontAlgn="auto" latinLnBrk="0" hangingPunct="1">
-                        <a:lnSpc>
-                          <a:spcPct val="100000"/>
-                        </a:lnSpc>
-                        <a:spcBef>
-                          <a:spcPts val="0"/>
-                        </a:spcBef>
-                        <a:spcAft>
-                          <a:spcPts val="0"/>
-                        </a:spcAft>
-                        <a:buClrTx/>
-                        <a:buSzTx/>
-                        <a:buFontTx/>
-                        <a:buNone/>
-                        <a:tabLst/>
-                        <a:defRPr/>
-                      </a:pPr>
-                      <a:r>
-                        <a:rPr lang="en-IN" sz="1600" dirty="0">
-                          <a:latin typeface="Arial" panose="020B0604020202020204" pitchFamily="34" charset="0"/>
-                          <a:cs typeface="Arial" panose="020B0604020202020204" pitchFamily="34" charset="0"/>
-                        </a:rPr>
-                        <a:t>*********</a:t>
-                      </a:r>
-                    </a:p>
-                  </a:txBody>
-                  <a:tcPr>
-                    <a:lnL w="12700" cap="flat" cmpd="sng" algn="ctr">
-                      <a:noFill/>
-                      <a:prstDash val="solid"/>
-                      <a:round/>
-                      <a:headEnd type="none" w="med" len="med"/>
-                      <a:tailEnd type="none" w="med" len="med"/>
-                    </a:lnL>
-                    <a:lnR w="12700" cap="flat" cmpd="sng" algn="ctr">
-                      <a:noFill/>
-                      <a:prstDash val="solid"/>
-                      <a:round/>
-                      <a:headEnd type="none" w="med" len="med"/>
-                      <a:tailEnd type="none" w="med" len="med"/>
-                    </a:lnR>
-                    <a:lnT w="12700" cap="flat" cmpd="sng" algn="ctr">
-                      <a:solidFill>
-                        <a:schemeClr val="tx1"/>
-                      </a:solidFill>
-                      <a:prstDash val="solid"/>
-                      <a:round/>
-                      <a:headEnd type="none" w="med" len="med"/>
-                      <a:tailEnd type="none" w="med" len="med"/>
-                    </a:lnT>
-                    <a:lnB w="12700" cap="flat" cmpd="sng" algn="ctr">
-                      <a:solidFill>
-                        <a:schemeClr val="tx1"/>
-                      </a:solidFill>
-                      <a:prstDash val="solid"/>
-                      <a:round/>
-                      <a:headEnd type="none" w="med" len="med"/>
-                      <a:tailEnd type="none" w="med" len="med"/>
-                    </a:lnB>
-                    <a:solidFill>
-                      <a:schemeClr val="bg1"/>
-                    </a:solidFill>
-                  </a:tcPr>
-                </a:tc>
-                <a:tc>
-                  <a:txBody>
-                    <a:bodyPr/>
-                    <a:lstStyle/>
-                    <a:p>
-                      <a:pPr algn="l"/>
-                      <a:r>
-                        <a:rPr lang="en-IN" sz="1600" dirty="0">
-                          <a:latin typeface="Arial" panose="020B0604020202020204" pitchFamily="34" charset="0"/>
-                          <a:cs typeface="Arial" panose="020B0604020202020204" pitchFamily="34" charset="0"/>
-                        </a:rPr>
-                        <a:t>Password of user</a:t>
-                      </a:r>
-                    </a:p>
-                  </a:txBody>
-                  <a:tcPr>
-                    <a:lnL w="12700" cap="flat" cmpd="sng" algn="ctr">
-                      <a:noFill/>
-                      <a:prstDash val="solid"/>
-                      <a:round/>
-                      <a:headEnd type="none" w="med" len="med"/>
-                      <a:tailEnd type="none" w="med" len="med"/>
-                    </a:lnL>
-                    <a:lnR w="12700" cap="flat" cmpd="sng" algn="ctr">
-                      <a:solidFill>
-                        <a:schemeClr val="tx1"/>
-                      </a:solidFill>
-                      <a:prstDash val="solid"/>
-                      <a:round/>
-                      <a:headEnd type="none" w="med" len="med"/>
-                      <a:tailEnd type="none" w="med" len="med"/>
-                    </a:lnR>
-                    <a:lnT w="12700" cap="flat" cmpd="sng" algn="ctr">
-                      <a:solidFill>
-                        <a:schemeClr val="tx1"/>
-                      </a:solidFill>
-                      <a:prstDash val="solid"/>
-                      <a:round/>
-                      <a:headEnd type="none" w="med" len="med"/>
-                      <a:tailEnd type="none" w="med" len="med"/>
-                    </a:lnT>
-                    <a:lnB w="12700" cap="flat" cmpd="sng" algn="ctr">
-                      <a:solidFill>
-                        <a:schemeClr val="tx1"/>
-                      </a:solidFill>
-                      <a:prstDash val="solid"/>
-                      <a:round/>
-                      <a:headEnd type="none" w="med" len="med"/>
-                      <a:tailEnd type="none" w="med" len="med"/>
-                    </a:lnB>
-                    <a:solidFill>
-                      <a:schemeClr val="bg1"/>
-                    </a:solidFill>
-                  </a:tcPr>
-                </a:tc>
-                <a:extLst>
-                  <a:ext uri="{0D108BD9-81ED-4DB2-BD59-A6C34878D82A}">
-                    <a16:rowId xmlns:a16="http://schemas.microsoft.com/office/drawing/2014/main" val="1308555880"/>
-                  </a:ext>
-                </a:extLst>
-              </a:tr>
-              <a:tr h="436228">
-                <a:tc>
-                  <a:txBody>
-                    <a:bodyPr/>
-                    <a:lstStyle/>
-                    <a:p>
-                      <a:r>
-                        <a:rPr lang="en-IN" sz="1600" dirty="0" err="1">
-                          <a:solidFill>
-                            <a:srgbClr val="C00000"/>
-                          </a:solidFill>
-                          <a:latin typeface="Arial" panose="020B0604020202020204" pitchFamily="34" charset="0"/>
-                          <a:cs typeface="Arial" panose="020B0604020202020204" pitchFamily="34" charset="0"/>
-                        </a:rPr>
-                        <a:t>telNo</a:t>
-                      </a:r>
-                      <a:endParaRPr lang="en-IN" sz="1600" dirty="0">
-                        <a:solidFill>
-                          <a:srgbClr val="C00000"/>
-                        </a:solidFill>
-                        <a:latin typeface="Arial" panose="020B0604020202020204" pitchFamily="34" charset="0"/>
-                        <a:cs typeface="Arial" panose="020B0604020202020204" pitchFamily="34" charset="0"/>
-                      </a:endParaRPr>
-                    </a:p>
-                  </a:txBody>
-                  <a:tcPr>
-                    <a:lnL w="12700" cap="flat" cmpd="sng" algn="ctr">
-                      <a:solidFill>
-                        <a:schemeClr val="tx1"/>
-                      </a:solidFill>
-                      <a:prstDash val="solid"/>
-                      <a:round/>
-                      <a:headEnd type="none" w="med" len="med"/>
-                      <a:tailEnd type="none" w="med" len="med"/>
-                    </a:lnL>
-                    <a:lnR w="12700" cap="flat" cmpd="sng" algn="ctr">
-                      <a:noFill/>
-                      <a:prstDash val="solid"/>
-                      <a:round/>
-                      <a:headEnd type="none" w="med" len="med"/>
-                      <a:tailEnd type="none" w="med" len="med"/>
-                    </a:lnR>
-                    <a:lnT w="12700" cap="flat" cmpd="sng" algn="ctr">
-                      <a:solidFill>
-                        <a:schemeClr val="tx1"/>
-                      </a:solidFill>
-                      <a:prstDash val="solid"/>
-                      <a:round/>
-                      <a:headEnd type="none" w="med" len="med"/>
-                      <a:tailEnd type="none" w="med" len="med"/>
-                    </a:lnT>
-                    <a:lnB w="12700" cap="flat" cmpd="sng" algn="ctr">
-                      <a:solidFill>
-                        <a:schemeClr val="tx1"/>
-                      </a:solidFill>
-                      <a:prstDash val="solid"/>
-                      <a:round/>
-                      <a:headEnd type="none" w="med" len="med"/>
-                      <a:tailEnd type="none" w="med" len="med"/>
-                    </a:lnB>
-                    <a:solidFill>
-                      <a:schemeClr val="bg1"/>
-                    </a:solidFill>
-                  </a:tcPr>
-                </a:tc>
-                <a:tc>
-                  <a:txBody>
-                    <a:bodyPr/>
-                    <a:lstStyle/>
-                    <a:p>
-                      <a:pPr algn="ctr"/>
-                      <a:r>
-                        <a:rPr lang="en-IN" sz="1600" dirty="0">
-                          <a:latin typeface="Arial" panose="020B0604020202020204" pitchFamily="34" charset="0"/>
-                          <a:cs typeface="Arial" panose="020B0604020202020204" pitchFamily="34" charset="0"/>
-                        </a:rPr>
-                        <a:t>Integer</a:t>
-                      </a:r>
-                    </a:p>
-                  </a:txBody>
-                  <a:tcPr>
-                    <a:lnL w="12700" cap="flat" cmpd="sng" algn="ctr">
-                      <a:noFill/>
-                      <a:prstDash val="solid"/>
-                      <a:round/>
-                      <a:headEnd type="none" w="med" len="med"/>
-                      <a:tailEnd type="none" w="med" len="med"/>
-                    </a:lnL>
-                    <a:lnR w="12700" cap="flat" cmpd="sng" algn="ctr">
-                      <a:noFill/>
-                      <a:prstDash val="solid"/>
-                      <a:round/>
-                      <a:headEnd type="none" w="med" len="med"/>
-                      <a:tailEnd type="none" w="med" len="med"/>
-                    </a:lnR>
-                    <a:lnT w="12700" cap="flat" cmpd="sng" algn="ctr">
-                      <a:solidFill>
-                        <a:schemeClr val="tx1"/>
-                      </a:solidFill>
-                      <a:prstDash val="solid"/>
-                      <a:round/>
-                      <a:headEnd type="none" w="med" len="med"/>
-                      <a:tailEnd type="none" w="med" len="med"/>
-                    </a:lnT>
-                    <a:lnB w="12700" cap="flat" cmpd="sng" algn="ctr">
-                      <a:solidFill>
-                        <a:schemeClr val="tx1"/>
-                      </a:solidFill>
-                      <a:prstDash val="solid"/>
-                      <a:round/>
-                      <a:headEnd type="none" w="med" len="med"/>
-                      <a:tailEnd type="none" w="med" len="med"/>
-                    </a:lnB>
-                    <a:solidFill>
-                      <a:schemeClr val="bg1"/>
-                    </a:solidFill>
-                  </a:tcPr>
-                </a:tc>
-                <a:tc>
-                  <a:txBody>
-                    <a:bodyPr/>
-                    <a:lstStyle/>
-                    <a:p>
-                      <a:pPr algn="ctr"/>
-                      <a:r>
-                        <a:rPr lang="en-IN" sz="1600" dirty="0">
-                          <a:latin typeface="Arial" panose="020B0604020202020204" pitchFamily="34" charset="0"/>
-                          <a:cs typeface="Arial" panose="020B0604020202020204" pitchFamily="34" charset="0"/>
-                        </a:rPr>
-                        <a:t>10</a:t>
-                      </a:r>
-                    </a:p>
-                  </a:txBody>
-                  <a:tcPr>
-                    <a:lnL w="12700" cap="flat" cmpd="sng" algn="ctr">
-                      <a:noFill/>
-                      <a:prstDash val="solid"/>
-                      <a:round/>
-                      <a:headEnd type="none" w="med" len="med"/>
-                      <a:tailEnd type="none" w="med" len="med"/>
-                    </a:lnL>
-                    <a:lnR w="12700" cap="flat" cmpd="sng" algn="ctr">
-                      <a:noFill/>
-                      <a:prstDash val="solid"/>
-                      <a:round/>
-                      <a:headEnd type="none" w="med" len="med"/>
-                      <a:tailEnd type="none" w="med" len="med"/>
-                    </a:lnR>
-                    <a:lnT w="12700" cap="flat" cmpd="sng" algn="ctr">
-                      <a:solidFill>
-                        <a:schemeClr val="tx1"/>
-                      </a:solidFill>
-                      <a:prstDash val="solid"/>
-                      <a:round/>
-                      <a:headEnd type="none" w="med" len="med"/>
-                      <a:tailEnd type="none" w="med" len="med"/>
-                    </a:lnT>
-                    <a:lnB w="12700" cap="flat" cmpd="sng" algn="ctr">
-                      <a:solidFill>
-                        <a:schemeClr val="tx1"/>
-                      </a:solidFill>
-                      <a:prstDash val="solid"/>
-                      <a:round/>
-                      <a:headEnd type="none" w="med" len="med"/>
-                      <a:tailEnd type="none" w="med" len="med"/>
-                    </a:lnB>
-                    <a:solidFill>
-                      <a:schemeClr val="bg1"/>
-                    </a:solidFill>
-                  </a:tcPr>
-                </a:tc>
-                <a:tc>
-                  <a:txBody>
-                    <a:bodyPr/>
-                    <a:lstStyle/>
-                    <a:p>
-                      <a:pPr algn="ctr"/>
-                      <a:r>
-                        <a:rPr lang="en-IN" sz="1600" dirty="0">
-                          <a:latin typeface="Arial" panose="020B0604020202020204" pitchFamily="34" charset="0"/>
-                          <a:cs typeface="Arial" panose="020B0604020202020204" pitchFamily="34" charset="0"/>
-                        </a:rPr>
-                        <a:t>9876543210</a:t>
-                      </a:r>
-                    </a:p>
-                  </a:txBody>
-                  <a:tcPr>
-                    <a:lnL w="12700" cap="flat" cmpd="sng" algn="ctr">
-                      <a:noFill/>
-                      <a:prstDash val="solid"/>
-                      <a:round/>
-                      <a:headEnd type="none" w="med" len="med"/>
-                      <a:tailEnd type="none" w="med" len="med"/>
-                    </a:lnL>
-                    <a:lnR w="12700" cap="flat" cmpd="sng" algn="ctr">
-                      <a:noFill/>
-                      <a:prstDash val="solid"/>
-                      <a:round/>
-                      <a:headEnd type="none" w="med" len="med"/>
-                      <a:tailEnd type="none" w="med" len="med"/>
-                    </a:lnR>
-                    <a:lnT w="12700" cap="flat" cmpd="sng" algn="ctr">
-                      <a:solidFill>
-                        <a:schemeClr val="tx1"/>
-                      </a:solidFill>
-                      <a:prstDash val="solid"/>
-                      <a:round/>
-                      <a:headEnd type="none" w="med" len="med"/>
-                      <a:tailEnd type="none" w="med" len="med"/>
-                    </a:lnT>
-                    <a:lnB w="12700" cap="flat" cmpd="sng" algn="ctr">
-                      <a:solidFill>
-                        <a:schemeClr val="tx1"/>
-                      </a:solidFill>
-                      <a:prstDash val="solid"/>
-                      <a:round/>
-                      <a:headEnd type="none" w="med" len="med"/>
-                      <a:tailEnd type="none" w="med" len="med"/>
-                    </a:lnB>
-                    <a:solidFill>
-                      <a:schemeClr val="bg1"/>
-                    </a:solidFill>
-                  </a:tcPr>
-                </a:tc>
-                <a:tc>
-                  <a:txBody>
-                    <a:bodyPr/>
-                    <a:lstStyle/>
-                    <a:p>
-                      <a:pPr algn="l"/>
-                      <a:r>
-                        <a:rPr lang="en-IN" sz="1600" dirty="0">
-                          <a:latin typeface="Arial" panose="020B0604020202020204" pitchFamily="34" charset="0"/>
-                          <a:cs typeface="Arial" panose="020B0604020202020204" pitchFamily="34" charset="0"/>
-                        </a:rPr>
-                        <a:t>Phone number of user</a:t>
-                      </a:r>
-                    </a:p>
-                  </a:txBody>
-                  <a:tcPr>
-                    <a:lnL w="12700" cap="flat" cmpd="sng" algn="ctr">
-                      <a:noFill/>
-                      <a:prstDash val="solid"/>
-                      <a:round/>
-                      <a:headEnd type="none" w="med" len="med"/>
-                      <a:tailEnd type="none" w="med" len="med"/>
-                    </a:lnL>
-                    <a:lnR w="12700" cap="flat" cmpd="sng" algn="ctr">
-                      <a:solidFill>
-                        <a:schemeClr val="tx1"/>
-                      </a:solidFill>
-                      <a:prstDash val="solid"/>
-                      <a:round/>
-                      <a:headEnd type="none" w="med" len="med"/>
-                      <a:tailEnd type="none" w="med" len="med"/>
-                    </a:lnR>
-                    <a:lnT w="12700" cap="flat" cmpd="sng" algn="ctr">
-                      <a:solidFill>
-                        <a:schemeClr val="tx1"/>
-                      </a:solidFill>
-                      <a:prstDash val="solid"/>
-                      <a:round/>
-                      <a:headEnd type="none" w="med" len="med"/>
-                      <a:tailEnd type="none" w="med" len="med"/>
-                    </a:lnT>
-                    <a:lnB w="12700" cap="flat" cmpd="sng" algn="ctr">
-                      <a:solidFill>
-                        <a:schemeClr val="tx1"/>
-                      </a:solidFill>
-                      <a:prstDash val="solid"/>
-                      <a:round/>
-                      <a:headEnd type="none" w="med" len="med"/>
-                      <a:tailEnd type="none" w="med" len="med"/>
-                    </a:lnB>
-                    <a:solidFill>
-                      <a:schemeClr val="bg1"/>
-                    </a:solidFill>
-                  </a:tcPr>
-                </a:tc>
-                <a:extLst>
-                  <a:ext uri="{0D108BD9-81ED-4DB2-BD59-A6C34878D82A}">
-                    <a16:rowId xmlns:a16="http://schemas.microsoft.com/office/drawing/2014/main" val="3580105521"/>
-                  </a:ext>
-                </a:extLst>
-              </a:tr>
-            </a:tbl>
-          </a:graphicData>
-        </a:graphic>
-      </p:graphicFrame>
-      <p:sp>
-        <p:nvSpPr>
-          <p:cNvPr id="4" name="TextBox 3">
-            <a:extLst>
-              <a:ext uri="{FF2B5EF4-FFF2-40B4-BE49-F238E27FC236}">
-                <a16:creationId xmlns:a16="http://schemas.microsoft.com/office/drawing/2014/main" id="{2A175648-BD1A-7F2C-EAF7-D8B85A45E1AD}"/>
-              </a:ext>
-            </a:extLst>
-          </p:cNvPr>
-          <p:cNvSpPr txBox="1"/>
-          <p:nvPr/>
-        </p:nvSpPr>
-        <p:spPr>
-          <a:xfrm>
-            <a:off x="0" y="122133"/>
-            <a:ext cx="12192000" cy="707886"/>
-          </a:xfrm>
-          <a:prstGeom prst="rect">
-            <a:avLst/>
-          </a:prstGeom>
-          <a:noFill/>
-          <a:ln>
-            <a:noFill/>
-          </a:ln>
-          <a:effectLst>
-            <a:glow rad="228600">
-              <a:schemeClr val="accent1">
-                <a:satMod val="175000"/>
-                <a:alpha val="40000"/>
-              </a:schemeClr>
-            </a:glow>
-          </a:effectLst>
-          <a:scene3d>
-            <a:camera prst="orthographicFront">
-              <a:rot lat="0" lon="0" rev="0"/>
-            </a:camera>
-            <a:lightRig rig="contrasting" dir="t">
-              <a:rot lat="0" lon="0" rev="7800000"/>
-            </a:lightRig>
-          </a:scene3d>
-          <a:sp3d>
-            <a:bevelT w="139700" h="139700"/>
-          </a:sp3d>
-        </p:spPr>
-        <p:txBody>
-          <a:bodyPr wrap="square" rtlCol="0">
-            <a:spAutoFit/>
-          </a:bodyPr>
-          <a:lstStyle/>
-          <a:p>
-            <a:pPr algn="ctr"/>
-            <a:r>
-              <a:rPr lang="en-US" sz="4000" b="1" u="sng" dirty="0">
-                <a:solidFill>
-                  <a:schemeClr val="accent1"/>
-                </a:solidFill>
-                <a:effectLst>
-                  <a:outerShdw blurRad="38100" dist="38100" dir="2700000" algn="tl">
-                    <a:srgbClr val="000000">
-                      <a:alpha val="43137"/>
-                    </a:srgbClr>
-                  </a:outerShdw>
-                </a:effectLst>
-                <a:latin typeface="Arial Rounded MT Bold" panose="020F0704030504030204" pitchFamily="34" charset="0"/>
-              </a:rPr>
-              <a:t>Data Dictionary</a:t>
-            </a:r>
-            <a:endParaRPr lang="en-IN" sz="4000" b="1" u="sng" dirty="0">
-              <a:solidFill>
-                <a:schemeClr val="accent1"/>
-              </a:solidFill>
-              <a:effectLst>
-                <a:outerShdw blurRad="38100" dist="38100" dir="2700000" algn="tl">
-                  <a:srgbClr val="000000">
-                    <a:alpha val="43137"/>
-                  </a:srgbClr>
-                </a:outerShdw>
-              </a:effectLst>
-              <a:latin typeface="Arial Rounded MT Bold" panose="020F0704030504030204" pitchFamily="34" charset="0"/>
-            </a:endParaRPr>
-          </a:p>
-        </p:txBody>
-      </p:sp>
-      <p:sp>
-        <p:nvSpPr>
-          <p:cNvPr id="5" name="TextBox 4">
-            <a:extLst>
-              <a:ext uri="{FF2B5EF4-FFF2-40B4-BE49-F238E27FC236}">
-                <a16:creationId xmlns:a16="http://schemas.microsoft.com/office/drawing/2014/main" id="{4C8BDE6F-CA93-9348-197F-24A1F0E8392F}"/>
-              </a:ext>
-            </a:extLst>
-          </p:cNvPr>
-          <p:cNvSpPr txBox="1"/>
-          <p:nvPr/>
-        </p:nvSpPr>
-        <p:spPr>
-          <a:xfrm>
-            <a:off x="1359017" y="1512580"/>
-            <a:ext cx="10386574" cy="400110"/>
-          </a:xfrm>
-          <a:prstGeom prst="rect">
-            <a:avLst/>
-          </a:prstGeom>
-          <a:noFill/>
-        </p:spPr>
-        <p:txBody>
-          <a:bodyPr wrap="square" rtlCol="0" anchor="ctr">
-            <a:spAutoFit/>
-          </a:bodyPr>
-          <a:lstStyle/>
-          <a:p>
-            <a:r>
-              <a:rPr lang="en-IN" sz="2000" i="0" dirty="0">
-                <a:effectLst/>
-                <a:latin typeface="Arial" panose="020B0604020202020204" pitchFamily="34" charset="0"/>
-                <a:cs typeface="Arial" panose="020B0604020202020204" pitchFamily="34" charset="0"/>
-              </a:rPr>
-              <a:t>Data dictionary for User Registration</a:t>
-            </a:r>
-          </a:p>
-        </p:txBody>
-      </p:sp>
-    </p:spTree>
-    <p:extLst>
-      <p:ext uri="{BB962C8B-B14F-4D97-AF65-F5344CB8AC3E}">
-        <p14:creationId xmlns:p14="http://schemas.microsoft.com/office/powerpoint/2010/main" val="3905837405"/>
       </p:ext>
     </p:extLst>
   </p:cSld>
